--- a/100_컨셉 디자인/K220123_인테리어 컨셉 디자인 요청 사항 v0.8.pptx
+++ b/100_컨셉 디자인/K220123_인테리어 컨셉 디자인 요청 사항 v0.8.pptx
@@ -8,6 +8,9 @@
     <p:sldId id="256" r:id="rId2"/>
     <p:sldId id="258" r:id="rId3"/>
     <p:sldId id="259" r:id="rId4"/>
+    <p:sldId id="260" r:id="rId5"/>
+    <p:sldId id="262" r:id="rId6"/>
+    <p:sldId id="263" r:id="rId7"/>
   </p:sldIdLst>
   <p:sldSz cx="9144000" cy="6858000" type="screen4x3"/>
   <p:notesSz cx="6858000" cy="9144000"/>
@@ -17559,11 +17562,7 @@
             </a:br>
             <a:r>
               <a:rPr lang="ko-KR" altLang="en-US" dirty="0" smtClean="0"/>
-              <a:t>요청 </a:t>
-            </a:r>
-            <a:r>
-              <a:rPr lang="ko-KR" altLang="en-US" dirty="0" smtClean="0"/>
-              <a:t>사항 </a:t>
+              <a:t>요청 사항 </a:t>
             </a:r>
             <a:r>
               <a:rPr lang="en-US" altLang="ko-KR" dirty="0" smtClean="0"/>
@@ -17959,7 +17958,7 @@
         <p:spPr>
           <a:xfrm>
             <a:off x="1743075" y="266700"/>
-            <a:ext cx="3284874" cy="584775"/>
+            <a:ext cx="1005403" cy="584775"/>
           </a:xfrm>
           <a:prstGeom prst="rect">
             <a:avLst/>
@@ -17978,7 +17977,7 @@
                   <a:schemeClr val="tx2"/>
                 </a:solidFill>
               </a:rPr>
-              <a:t>디자인 요청 범위</a:t>
+              <a:t>범례</a:t>
             </a:r>
             <a:endParaRPr lang="ko-KR" altLang="en-US" sz="3200" b="1" dirty="0">
               <a:solidFill>
@@ -17988,10 +17987,1890 @@
           </a:p>
         </p:txBody>
       </p:sp>
+      <p:sp>
+        <p:nvSpPr>
+          <p:cNvPr id="4" name="모서리가 둥근 직사각형 3"/>
+          <p:cNvSpPr/>
+          <p:nvPr/>
+        </p:nvSpPr>
+        <p:spPr>
+          <a:xfrm rot="16200000">
+            <a:off x="2929027" y="4942937"/>
+            <a:ext cx="1793935" cy="250166"/>
+          </a:xfrm>
+          <a:prstGeom prst="roundRect">
+            <a:avLst/>
+          </a:prstGeom>
+          <a:solidFill>
+            <a:schemeClr val="bg1"/>
+          </a:solidFill>
+          <a:ln>
+            <a:solidFill>
+              <a:schemeClr val="accent5"/>
+            </a:solidFill>
+          </a:ln>
+        </p:spPr>
+        <p:style>
+          <a:lnRef idx="2">
+            <a:schemeClr val="accent1">
+              <a:shade val="50000"/>
+            </a:schemeClr>
+          </a:lnRef>
+          <a:fillRef idx="1">
+            <a:schemeClr val="accent1"/>
+          </a:fillRef>
+          <a:effectRef idx="0">
+            <a:schemeClr val="accent1"/>
+          </a:effectRef>
+          <a:fontRef idx="minor">
+            <a:schemeClr val="lt1"/>
+          </a:fontRef>
+        </p:style>
+        <p:txBody>
+          <a:bodyPr rtlCol="0" anchor="ctr"/>
+          <a:lstStyle/>
+          <a:p>
+            <a:pPr algn="ctr"/>
+            <a:r>
+              <a:rPr lang="ko-KR" altLang="en-US" sz="1400" b="1" dirty="0" smtClean="0">
+                <a:solidFill>
+                  <a:schemeClr val="tx2"/>
+                </a:solidFill>
+                <a:latin typeface="+mn-ea"/>
+              </a:rPr>
+              <a:t>벽</a:t>
+            </a:r>
+            <a:r>
+              <a:rPr lang="en-US" altLang="ko-KR" sz="1400" b="1" dirty="0" smtClean="0">
+                <a:solidFill>
+                  <a:schemeClr val="tx2"/>
+                </a:solidFill>
+                <a:latin typeface="+mn-ea"/>
+              </a:rPr>
+              <a:t>A</a:t>
+            </a:r>
+            <a:endParaRPr lang="ko-KR" altLang="en-US" sz="1400" b="1" dirty="0">
+              <a:solidFill>
+                <a:schemeClr val="tx2"/>
+              </a:solidFill>
+              <a:latin typeface="+mn-ea"/>
+            </a:endParaRPr>
+          </a:p>
+        </p:txBody>
+      </p:sp>
+      <p:sp>
+        <p:nvSpPr>
+          <p:cNvPr id="5" name="모서리가 둥근 직사각형 4"/>
+          <p:cNvSpPr/>
+          <p:nvPr/>
+        </p:nvSpPr>
+        <p:spPr>
+          <a:xfrm>
+            <a:off x="4304581" y="6147760"/>
+            <a:ext cx="1388853" cy="250166"/>
+          </a:xfrm>
+          <a:prstGeom prst="roundRect">
+            <a:avLst/>
+          </a:prstGeom>
+          <a:solidFill>
+            <a:schemeClr val="bg1"/>
+          </a:solidFill>
+          <a:ln>
+            <a:solidFill>
+              <a:schemeClr val="accent2">
+                <a:lumMod val="75000"/>
+              </a:schemeClr>
+            </a:solidFill>
+          </a:ln>
+        </p:spPr>
+        <p:style>
+          <a:lnRef idx="2">
+            <a:schemeClr val="accent1">
+              <a:shade val="50000"/>
+            </a:schemeClr>
+          </a:lnRef>
+          <a:fillRef idx="1">
+            <a:schemeClr val="accent1"/>
+          </a:fillRef>
+          <a:effectRef idx="0">
+            <a:schemeClr val="accent1"/>
+          </a:effectRef>
+          <a:fontRef idx="minor">
+            <a:schemeClr val="lt1"/>
+          </a:fontRef>
+        </p:style>
+        <p:txBody>
+          <a:bodyPr rtlCol="0" anchor="ctr"/>
+          <a:lstStyle/>
+          <a:p>
+            <a:pPr algn="ctr"/>
+            <a:r>
+              <a:rPr lang="ko-KR" altLang="en-US" sz="1400" b="1" smtClean="0">
+                <a:solidFill>
+                  <a:schemeClr val="tx2"/>
+                </a:solidFill>
+                <a:latin typeface="+mn-ea"/>
+              </a:rPr>
+              <a:t>창호</a:t>
+            </a:r>
+            <a:endParaRPr lang="ko-KR" altLang="en-US" sz="1400" b="1" dirty="0">
+              <a:solidFill>
+                <a:schemeClr val="tx2"/>
+              </a:solidFill>
+              <a:latin typeface="+mn-ea"/>
+            </a:endParaRPr>
+          </a:p>
+        </p:txBody>
+      </p:sp>
+      <p:sp>
+        <p:nvSpPr>
+          <p:cNvPr id="6" name="모서리가 둥근 직사각형 5"/>
+          <p:cNvSpPr/>
+          <p:nvPr/>
+        </p:nvSpPr>
+        <p:spPr>
+          <a:xfrm rot="16200000">
+            <a:off x="3154843" y="3685726"/>
+            <a:ext cx="521717" cy="250166"/>
+          </a:xfrm>
+          <a:prstGeom prst="roundRect">
+            <a:avLst/>
+          </a:prstGeom>
+          <a:solidFill>
+            <a:schemeClr val="bg1"/>
+          </a:solidFill>
+          <a:ln>
+            <a:solidFill>
+              <a:schemeClr val="accent5"/>
+            </a:solidFill>
+          </a:ln>
+        </p:spPr>
+        <p:style>
+          <a:lnRef idx="2">
+            <a:schemeClr val="accent1">
+              <a:shade val="50000"/>
+            </a:schemeClr>
+          </a:lnRef>
+          <a:fillRef idx="1">
+            <a:schemeClr val="accent1"/>
+          </a:fillRef>
+          <a:effectRef idx="0">
+            <a:schemeClr val="accent1"/>
+          </a:effectRef>
+          <a:fontRef idx="minor">
+            <a:schemeClr val="lt1"/>
+          </a:fontRef>
+        </p:style>
+        <p:txBody>
+          <a:bodyPr rtlCol="0" anchor="ctr"/>
+          <a:lstStyle/>
+          <a:p>
+            <a:pPr algn="ctr"/>
+            <a:r>
+              <a:rPr lang="ko-KR" altLang="en-US" sz="1400" b="1" dirty="0" smtClean="0">
+                <a:solidFill>
+                  <a:schemeClr val="tx2"/>
+                </a:solidFill>
+                <a:latin typeface="+mn-ea"/>
+              </a:rPr>
+              <a:t>벽</a:t>
+            </a:r>
+            <a:r>
+              <a:rPr lang="en-US" altLang="ko-KR" sz="1400" b="1" dirty="0" smtClean="0">
+                <a:solidFill>
+                  <a:schemeClr val="tx2"/>
+                </a:solidFill>
+                <a:latin typeface="+mn-ea"/>
+              </a:rPr>
+              <a:t>B</a:t>
+            </a:r>
+            <a:endParaRPr lang="ko-KR" altLang="en-US" sz="1400" b="1" dirty="0">
+              <a:solidFill>
+                <a:schemeClr val="tx2"/>
+              </a:solidFill>
+              <a:latin typeface="+mn-ea"/>
+            </a:endParaRPr>
+          </a:p>
+        </p:txBody>
+      </p:sp>
+      <p:sp>
+        <p:nvSpPr>
+          <p:cNvPr id="7" name="모서리가 둥근 직사각형 6"/>
+          <p:cNvSpPr/>
+          <p:nvPr/>
+        </p:nvSpPr>
+        <p:spPr>
+          <a:xfrm>
+            <a:off x="4304581" y="2575796"/>
+            <a:ext cx="1017917" cy="250166"/>
+          </a:xfrm>
+          <a:prstGeom prst="roundRect">
+            <a:avLst/>
+          </a:prstGeom>
+          <a:solidFill>
+            <a:schemeClr val="bg1"/>
+          </a:solidFill>
+          <a:ln>
+            <a:solidFill>
+              <a:schemeClr val="accent5"/>
+            </a:solidFill>
+          </a:ln>
+        </p:spPr>
+        <p:style>
+          <a:lnRef idx="2">
+            <a:schemeClr val="accent1">
+              <a:shade val="50000"/>
+            </a:schemeClr>
+          </a:lnRef>
+          <a:fillRef idx="1">
+            <a:schemeClr val="accent1"/>
+          </a:fillRef>
+          <a:effectRef idx="0">
+            <a:schemeClr val="accent1"/>
+          </a:effectRef>
+          <a:fontRef idx="minor">
+            <a:schemeClr val="lt1"/>
+          </a:fontRef>
+        </p:style>
+        <p:txBody>
+          <a:bodyPr rtlCol="0" anchor="ctr"/>
+          <a:lstStyle/>
+          <a:p>
+            <a:pPr algn="ctr"/>
+            <a:r>
+              <a:rPr lang="ko-KR" altLang="en-US" sz="1400" b="1" dirty="0" smtClean="0">
+                <a:solidFill>
+                  <a:schemeClr val="tx2"/>
+                </a:solidFill>
+                <a:latin typeface="+mn-ea"/>
+              </a:rPr>
+              <a:t>벽</a:t>
+            </a:r>
+            <a:r>
+              <a:rPr lang="en-US" altLang="ko-KR" sz="1400" b="1" dirty="0" smtClean="0">
+                <a:solidFill>
+                  <a:schemeClr val="tx2"/>
+                </a:solidFill>
+                <a:latin typeface="+mn-ea"/>
+              </a:rPr>
+              <a:t>D</a:t>
+            </a:r>
+            <a:endParaRPr lang="ko-KR" altLang="en-US" sz="1400" b="1" dirty="0">
+              <a:solidFill>
+                <a:schemeClr val="tx2"/>
+              </a:solidFill>
+              <a:latin typeface="+mn-ea"/>
+            </a:endParaRPr>
+          </a:p>
+        </p:txBody>
+      </p:sp>
+      <p:sp>
+        <p:nvSpPr>
+          <p:cNvPr id="8" name="모서리가 둥근 직사각형 7"/>
+          <p:cNvSpPr/>
+          <p:nvPr/>
+        </p:nvSpPr>
+        <p:spPr>
+          <a:xfrm rot="16200000">
+            <a:off x="5299046" y="5057146"/>
+            <a:ext cx="1565516" cy="250166"/>
+          </a:xfrm>
+          <a:prstGeom prst="roundRect">
+            <a:avLst/>
+          </a:prstGeom>
+          <a:solidFill>
+            <a:schemeClr val="bg1"/>
+          </a:solidFill>
+          <a:ln>
+            <a:solidFill>
+              <a:schemeClr val="accent5"/>
+            </a:solidFill>
+          </a:ln>
+        </p:spPr>
+        <p:style>
+          <a:lnRef idx="2">
+            <a:schemeClr val="accent1">
+              <a:shade val="50000"/>
+            </a:schemeClr>
+          </a:lnRef>
+          <a:fillRef idx="1">
+            <a:schemeClr val="accent1"/>
+          </a:fillRef>
+          <a:effectRef idx="0">
+            <a:schemeClr val="accent1"/>
+          </a:effectRef>
+          <a:fontRef idx="minor">
+            <a:schemeClr val="lt1"/>
+          </a:fontRef>
+        </p:style>
+        <p:txBody>
+          <a:bodyPr rtlCol="0" anchor="ctr"/>
+          <a:lstStyle/>
+          <a:p>
+            <a:pPr algn="ctr"/>
+            <a:r>
+              <a:rPr lang="ko-KR" altLang="en-US" sz="1400" b="1" dirty="0" smtClean="0">
+                <a:solidFill>
+                  <a:schemeClr val="tx2"/>
+                </a:solidFill>
+                <a:latin typeface="+mn-ea"/>
+              </a:rPr>
+              <a:t>벽</a:t>
+            </a:r>
+            <a:r>
+              <a:rPr lang="en-US" altLang="ko-KR" sz="1400" b="1" dirty="0" smtClean="0">
+                <a:solidFill>
+                  <a:schemeClr val="tx2"/>
+                </a:solidFill>
+                <a:latin typeface="+mn-ea"/>
+              </a:rPr>
+              <a:t>F</a:t>
+            </a:r>
+            <a:endParaRPr lang="ko-KR" altLang="en-US" sz="1400" b="1" dirty="0">
+              <a:solidFill>
+                <a:schemeClr val="tx2"/>
+              </a:solidFill>
+              <a:latin typeface="+mn-ea"/>
+            </a:endParaRPr>
+          </a:p>
+        </p:txBody>
+      </p:sp>
+      <p:sp>
+        <p:nvSpPr>
+          <p:cNvPr id="9" name="모서리가 둥근 직사각형 8"/>
+          <p:cNvSpPr/>
+          <p:nvPr/>
+        </p:nvSpPr>
+        <p:spPr>
+          <a:xfrm rot="16200000">
+            <a:off x="3273053" y="2829150"/>
+            <a:ext cx="285299" cy="250166"/>
+          </a:xfrm>
+          <a:prstGeom prst="roundRect">
+            <a:avLst/>
+          </a:prstGeom>
+          <a:solidFill>
+            <a:schemeClr val="bg1"/>
+          </a:solidFill>
+          <a:ln>
+            <a:solidFill>
+              <a:schemeClr val="accent5"/>
+            </a:solidFill>
+          </a:ln>
+        </p:spPr>
+        <p:style>
+          <a:lnRef idx="2">
+            <a:schemeClr val="accent1">
+              <a:shade val="50000"/>
+            </a:schemeClr>
+          </a:lnRef>
+          <a:fillRef idx="1">
+            <a:schemeClr val="accent1"/>
+          </a:fillRef>
+          <a:effectRef idx="0">
+            <a:schemeClr val="accent1"/>
+          </a:effectRef>
+          <a:fontRef idx="minor">
+            <a:schemeClr val="lt1"/>
+          </a:fontRef>
+        </p:style>
+        <p:txBody>
+          <a:bodyPr rtlCol="0" anchor="ctr"/>
+          <a:lstStyle/>
+          <a:p>
+            <a:pPr algn="ctr"/>
+            <a:r>
+              <a:rPr lang="en-US" altLang="ko-KR" sz="1400" b="1" dirty="0" smtClean="0">
+                <a:solidFill>
+                  <a:schemeClr val="tx2"/>
+                </a:solidFill>
+                <a:latin typeface="+mn-ea"/>
+              </a:rPr>
+              <a:t>C</a:t>
+            </a:r>
+            <a:endParaRPr lang="ko-KR" altLang="en-US" sz="1400" b="1" dirty="0">
+              <a:solidFill>
+                <a:schemeClr val="tx2"/>
+              </a:solidFill>
+              <a:latin typeface="+mn-ea"/>
+            </a:endParaRPr>
+          </a:p>
+        </p:txBody>
+      </p:sp>
+      <p:sp>
+        <p:nvSpPr>
+          <p:cNvPr id="10" name="모서리가 둥근 직사각형 9"/>
+          <p:cNvSpPr/>
+          <p:nvPr/>
+        </p:nvSpPr>
+        <p:spPr>
+          <a:xfrm rot="16200000">
+            <a:off x="5874455" y="2929793"/>
+            <a:ext cx="285299" cy="250166"/>
+          </a:xfrm>
+          <a:prstGeom prst="roundRect">
+            <a:avLst/>
+          </a:prstGeom>
+          <a:solidFill>
+            <a:schemeClr val="bg1"/>
+          </a:solidFill>
+          <a:ln>
+            <a:solidFill>
+              <a:schemeClr val="accent5"/>
+            </a:solidFill>
+          </a:ln>
+        </p:spPr>
+        <p:style>
+          <a:lnRef idx="2">
+            <a:schemeClr val="accent1">
+              <a:shade val="50000"/>
+            </a:schemeClr>
+          </a:lnRef>
+          <a:fillRef idx="1">
+            <a:schemeClr val="accent1"/>
+          </a:fillRef>
+          <a:effectRef idx="0">
+            <a:schemeClr val="accent1"/>
+          </a:effectRef>
+          <a:fontRef idx="minor">
+            <a:schemeClr val="lt1"/>
+          </a:fontRef>
+        </p:style>
+        <p:txBody>
+          <a:bodyPr rtlCol="0" anchor="ctr"/>
+          <a:lstStyle/>
+          <a:p>
+            <a:pPr algn="ctr"/>
+            <a:r>
+              <a:rPr lang="en-US" altLang="ko-KR" sz="1400" b="1" dirty="0" smtClean="0">
+                <a:solidFill>
+                  <a:schemeClr val="tx2"/>
+                </a:solidFill>
+                <a:latin typeface="+mn-ea"/>
+              </a:rPr>
+              <a:t>E</a:t>
+            </a:r>
+            <a:endParaRPr lang="ko-KR" altLang="en-US" sz="1400" b="1" dirty="0">
+              <a:solidFill>
+                <a:schemeClr val="tx2"/>
+              </a:solidFill>
+              <a:latin typeface="+mn-ea"/>
+            </a:endParaRPr>
+          </a:p>
+        </p:txBody>
+      </p:sp>
+      <p:sp>
+        <p:nvSpPr>
+          <p:cNvPr id="11" name="모서리가 둥근 직사각형 10"/>
+          <p:cNvSpPr/>
+          <p:nvPr/>
+        </p:nvSpPr>
+        <p:spPr>
+          <a:xfrm rot="16200000">
+            <a:off x="5884071" y="3844551"/>
+            <a:ext cx="551283" cy="425030"/>
+          </a:xfrm>
+          <a:prstGeom prst="roundRect">
+            <a:avLst/>
+          </a:prstGeom>
+          <a:solidFill>
+            <a:schemeClr val="bg1"/>
+          </a:solidFill>
+          <a:ln>
+            <a:solidFill>
+              <a:schemeClr val="accent2">
+                <a:lumMod val="75000"/>
+              </a:schemeClr>
+            </a:solidFill>
+          </a:ln>
+        </p:spPr>
+        <p:style>
+          <a:lnRef idx="2">
+            <a:schemeClr val="accent1">
+              <a:shade val="50000"/>
+            </a:schemeClr>
+          </a:lnRef>
+          <a:fillRef idx="1">
+            <a:schemeClr val="accent1"/>
+          </a:fillRef>
+          <a:effectRef idx="0">
+            <a:schemeClr val="accent1"/>
+          </a:effectRef>
+          <a:fontRef idx="minor">
+            <a:schemeClr val="lt1"/>
+          </a:fontRef>
+        </p:style>
+        <p:txBody>
+          <a:bodyPr tIns="72000" bIns="36000" rtlCol="0" anchor="ctr"/>
+          <a:lstStyle/>
+          <a:p>
+            <a:pPr algn="ctr">
+              <a:lnSpc>
+                <a:spcPts val="1400"/>
+              </a:lnSpc>
+            </a:pPr>
+            <a:r>
+              <a:rPr lang="ko-KR" altLang="en-US" sz="1400" b="1" dirty="0" smtClean="0">
+                <a:solidFill>
+                  <a:schemeClr val="tx2"/>
+                </a:solidFill>
+                <a:latin typeface="+mn-ea"/>
+              </a:rPr>
+              <a:t>문</a:t>
+            </a:r>
+            <a:endParaRPr lang="en-US" altLang="ko-KR" sz="1400" b="1" dirty="0" smtClean="0">
+              <a:solidFill>
+                <a:schemeClr val="tx2"/>
+              </a:solidFill>
+              <a:latin typeface="+mn-ea"/>
+            </a:endParaRPr>
+          </a:p>
+          <a:p>
+            <a:pPr algn="ctr">
+              <a:lnSpc>
+                <a:spcPts val="1400"/>
+              </a:lnSpc>
+            </a:pPr>
+            <a:r>
+              <a:rPr lang="en-US" altLang="ko-KR" sz="1400" b="1" dirty="0" smtClean="0">
+                <a:solidFill>
+                  <a:schemeClr val="tx2"/>
+                </a:solidFill>
+                <a:latin typeface="+mn-ea"/>
+              </a:rPr>
+              <a:t>A</a:t>
+            </a:r>
+            <a:endParaRPr lang="ko-KR" altLang="en-US" sz="1400" b="1" dirty="0">
+              <a:solidFill>
+                <a:schemeClr val="tx2"/>
+              </a:solidFill>
+              <a:latin typeface="+mn-ea"/>
+            </a:endParaRPr>
+          </a:p>
+        </p:txBody>
+      </p:sp>
+      <p:sp>
+        <p:nvSpPr>
+          <p:cNvPr id="12" name="모서리가 둥근 직사각형 11"/>
+          <p:cNvSpPr/>
+          <p:nvPr/>
+        </p:nvSpPr>
+        <p:spPr>
+          <a:xfrm rot="16200000">
+            <a:off x="3524250" y="4186954"/>
+            <a:ext cx="353323" cy="425030"/>
+          </a:xfrm>
+          <a:prstGeom prst="roundRect">
+            <a:avLst/>
+          </a:prstGeom>
+          <a:solidFill>
+            <a:schemeClr val="bg1"/>
+          </a:solidFill>
+          <a:ln>
+            <a:solidFill>
+              <a:schemeClr val="accent2">
+                <a:lumMod val="75000"/>
+              </a:schemeClr>
+            </a:solidFill>
+          </a:ln>
+        </p:spPr>
+        <p:style>
+          <a:lnRef idx="2">
+            <a:schemeClr val="accent1">
+              <a:shade val="50000"/>
+            </a:schemeClr>
+          </a:lnRef>
+          <a:fillRef idx="1">
+            <a:schemeClr val="accent1"/>
+          </a:fillRef>
+          <a:effectRef idx="0">
+            <a:schemeClr val="accent1"/>
+          </a:effectRef>
+          <a:fontRef idx="minor">
+            <a:schemeClr val="lt1"/>
+          </a:fontRef>
+        </p:style>
+        <p:txBody>
+          <a:bodyPr tIns="72000" bIns="36000" rtlCol="0" anchor="ctr"/>
+          <a:lstStyle/>
+          <a:p>
+            <a:pPr algn="ctr">
+              <a:lnSpc>
+                <a:spcPts val="1400"/>
+              </a:lnSpc>
+            </a:pPr>
+            <a:r>
+              <a:rPr lang="ko-KR" altLang="en-US" sz="1400" b="1" dirty="0" smtClean="0">
+                <a:solidFill>
+                  <a:schemeClr val="tx2"/>
+                </a:solidFill>
+                <a:latin typeface="+mn-ea"/>
+              </a:rPr>
+              <a:t>문</a:t>
+            </a:r>
+            <a:endParaRPr lang="en-US" altLang="ko-KR" sz="1400" b="1" dirty="0" smtClean="0">
+              <a:solidFill>
+                <a:schemeClr val="tx2"/>
+              </a:solidFill>
+              <a:latin typeface="+mn-ea"/>
+            </a:endParaRPr>
+          </a:p>
+          <a:p>
+            <a:pPr algn="ctr">
+              <a:lnSpc>
+                <a:spcPts val="1400"/>
+              </a:lnSpc>
+            </a:pPr>
+            <a:r>
+              <a:rPr lang="en-US" altLang="ko-KR" sz="1400" b="1" dirty="0">
+                <a:solidFill>
+                  <a:schemeClr val="tx2"/>
+                </a:solidFill>
+                <a:latin typeface="+mn-ea"/>
+              </a:rPr>
+              <a:t>B</a:t>
+            </a:r>
+            <a:endParaRPr lang="ko-KR" altLang="en-US" sz="1400" b="1" dirty="0">
+              <a:solidFill>
+                <a:schemeClr val="tx2"/>
+              </a:solidFill>
+              <a:latin typeface="+mn-ea"/>
+            </a:endParaRPr>
+          </a:p>
+        </p:txBody>
+      </p:sp>
+      <p:sp>
+        <p:nvSpPr>
+          <p:cNvPr id="13" name="모서리가 둥근 직사각형 12"/>
+          <p:cNvSpPr/>
+          <p:nvPr/>
+        </p:nvSpPr>
+        <p:spPr>
+          <a:xfrm rot="16200000">
+            <a:off x="3133726" y="3110901"/>
+            <a:ext cx="353323" cy="425030"/>
+          </a:xfrm>
+          <a:prstGeom prst="roundRect">
+            <a:avLst/>
+          </a:prstGeom>
+          <a:solidFill>
+            <a:schemeClr val="bg1"/>
+          </a:solidFill>
+          <a:ln>
+            <a:solidFill>
+              <a:schemeClr val="accent2">
+                <a:lumMod val="75000"/>
+              </a:schemeClr>
+            </a:solidFill>
+          </a:ln>
+        </p:spPr>
+        <p:style>
+          <a:lnRef idx="2">
+            <a:schemeClr val="accent1">
+              <a:shade val="50000"/>
+            </a:schemeClr>
+          </a:lnRef>
+          <a:fillRef idx="1">
+            <a:schemeClr val="accent1"/>
+          </a:fillRef>
+          <a:effectRef idx="0">
+            <a:schemeClr val="accent1"/>
+          </a:effectRef>
+          <a:fontRef idx="minor">
+            <a:schemeClr val="lt1"/>
+          </a:fontRef>
+        </p:style>
+        <p:txBody>
+          <a:bodyPr tIns="72000" bIns="36000" rtlCol="0" anchor="ctr"/>
+          <a:lstStyle/>
+          <a:p>
+            <a:pPr algn="ctr">
+              <a:lnSpc>
+                <a:spcPts val="1400"/>
+              </a:lnSpc>
+            </a:pPr>
+            <a:r>
+              <a:rPr lang="ko-KR" altLang="en-US" sz="1400" b="1" dirty="0" smtClean="0">
+                <a:solidFill>
+                  <a:schemeClr val="tx2"/>
+                </a:solidFill>
+                <a:latin typeface="+mn-ea"/>
+              </a:rPr>
+              <a:t>문</a:t>
+            </a:r>
+            <a:endParaRPr lang="en-US" altLang="ko-KR" sz="1400" b="1" dirty="0" smtClean="0">
+              <a:solidFill>
+                <a:schemeClr val="tx2"/>
+              </a:solidFill>
+              <a:latin typeface="+mn-ea"/>
+            </a:endParaRPr>
+          </a:p>
+          <a:p>
+            <a:pPr algn="ctr">
+              <a:lnSpc>
+                <a:spcPts val="1400"/>
+              </a:lnSpc>
+            </a:pPr>
+            <a:r>
+              <a:rPr lang="en-US" altLang="ko-KR" sz="1400" b="1" dirty="0" smtClean="0">
+                <a:solidFill>
+                  <a:schemeClr val="tx2"/>
+                </a:solidFill>
+                <a:latin typeface="+mn-ea"/>
+              </a:rPr>
+              <a:t>C</a:t>
+            </a:r>
+            <a:endParaRPr lang="ko-KR" altLang="en-US" sz="1400" b="1" dirty="0">
+              <a:solidFill>
+                <a:schemeClr val="tx2"/>
+              </a:solidFill>
+              <a:latin typeface="+mn-ea"/>
+            </a:endParaRPr>
+          </a:p>
+        </p:txBody>
+      </p:sp>
+      <p:sp>
+        <p:nvSpPr>
+          <p:cNvPr id="14" name="모서리가 둥근 직사각형 13"/>
+          <p:cNvSpPr/>
+          <p:nvPr/>
+        </p:nvSpPr>
+        <p:spPr>
+          <a:xfrm rot="16200000">
+            <a:off x="3181352" y="2426809"/>
+            <a:ext cx="353323" cy="425030"/>
+          </a:xfrm>
+          <a:prstGeom prst="roundRect">
+            <a:avLst/>
+          </a:prstGeom>
+          <a:solidFill>
+            <a:schemeClr val="bg1"/>
+          </a:solidFill>
+          <a:ln>
+            <a:solidFill>
+              <a:schemeClr val="accent2">
+                <a:lumMod val="75000"/>
+              </a:schemeClr>
+            </a:solidFill>
+          </a:ln>
+        </p:spPr>
+        <p:style>
+          <a:lnRef idx="2">
+            <a:schemeClr val="accent1">
+              <a:shade val="50000"/>
+            </a:schemeClr>
+          </a:lnRef>
+          <a:fillRef idx="1">
+            <a:schemeClr val="accent1"/>
+          </a:fillRef>
+          <a:effectRef idx="0">
+            <a:schemeClr val="accent1"/>
+          </a:effectRef>
+          <a:fontRef idx="minor">
+            <a:schemeClr val="lt1"/>
+          </a:fontRef>
+        </p:style>
+        <p:txBody>
+          <a:bodyPr tIns="72000" bIns="36000" rtlCol="0" anchor="ctr"/>
+          <a:lstStyle/>
+          <a:p>
+            <a:pPr algn="ctr">
+              <a:lnSpc>
+                <a:spcPts val="1400"/>
+              </a:lnSpc>
+            </a:pPr>
+            <a:r>
+              <a:rPr lang="ko-KR" altLang="en-US" sz="1400" b="1" dirty="0" smtClean="0">
+                <a:solidFill>
+                  <a:schemeClr val="tx2"/>
+                </a:solidFill>
+                <a:latin typeface="+mn-ea"/>
+              </a:rPr>
+              <a:t>문</a:t>
+            </a:r>
+            <a:endParaRPr lang="en-US" altLang="ko-KR" sz="1400" b="1" dirty="0" smtClean="0">
+              <a:solidFill>
+                <a:schemeClr val="tx2"/>
+              </a:solidFill>
+              <a:latin typeface="+mn-ea"/>
+            </a:endParaRPr>
+          </a:p>
+          <a:p>
+            <a:pPr algn="ctr">
+              <a:lnSpc>
+                <a:spcPts val="1400"/>
+              </a:lnSpc>
+            </a:pPr>
+            <a:r>
+              <a:rPr lang="en-US" altLang="ko-KR" sz="1400" b="1" dirty="0" smtClean="0">
+                <a:solidFill>
+                  <a:schemeClr val="tx2"/>
+                </a:solidFill>
+                <a:latin typeface="+mn-ea"/>
+              </a:rPr>
+              <a:t>D</a:t>
+            </a:r>
+            <a:endParaRPr lang="ko-KR" altLang="en-US" sz="1400" b="1" dirty="0">
+              <a:solidFill>
+                <a:schemeClr val="tx2"/>
+              </a:solidFill>
+              <a:latin typeface="+mn-ea"/>
+            </a:endParaRPr>
+          </a:p>
+        </p:txBody>
+      </p:sp>
+      <p:sp>
+        <p:nvSpPr>
+          <p:cNvPr id="15" name="모서리가 둥근 직사각형 14"/>
+          <p:cNvSpPr/>
+          <p:nvPr/>
+        </p:nvSpPr>
+        <p:spPr>
+          <a:xfrm rot="16200000">
+            <a:off x="3524253" y="1647108"/>
+            <a:ext cx="353323" cy="425030"/>
+          </a:xfrm>
+          <a:prstGeom prst="roundRect">
+            <a:avLst/>
+          </a:prstGeom>
+          <a:solidFill>
+            <a:schemeClr val="bg1"/>
+          </a:solidFill>
+          <a:ln>
+            <a:solidFill>
+              <a:schemeClr val="accent2">
+                <a:lumMod val="75000"/>
+              </a:schemeClr>
+            </a:solidFill>
+          </a:ln>
+        </p:spPr>
+        <p:style>
+          <a:lnRef idx="2">
+            <a:schemeClr val="accent1">
+              <a:shade val="50000"/>
+            </a:schemeClr>
+          </a:lnRef>
+          <a:fillRef idx="1">
+            <a:schemeClr val="accent1"/>
+          </a:fillRef>
+          <a:effectRef idx="0">
+            <a:schemeClr val="accent1"/>
+          </a:effectRef>
+          <a:fontRef idx="minor">
+            <a:schemeClr val="lt1"/>
+          </a:fontRef>
+        </p:style>
+        <p:txBody>
+          <a:bodyPr tIns="72000" bIns="36000" rtlCol="0" anchor="ctr"/>
+          <a:lstStyle/>
+          <a:p>
+            <a:pPr algn="ctr">
+              <a:lnSpc>
+                <a:spcPts val="1400"/>
+              </a:lnSpc>
+            </a:pPr>
+            <a:r>
+              <a:rPr lang="ko-KR" altLang="en-US" sz="1400" b="1" dirty="0" smtClean="0">
+                <a:solidFill>
+                  <a:schemeClr val="tx2"/>
+                </a:solidFill>
+                <a:latin typeface="+mn-ea"/>
+              </a:rPr>
+              <a:t>문</a:t>
+            </a:r>
+            <a:endParaRPr lang="en-US" altLang="ko-KR" sz="1400" b="1" dirty="0" smtClean="0">
+              <a:solidFill>
+                <a:schemeClr val="tx2"/>
+              </a:solidFill>
+              <a:latin typeface="+mn-ea"/>
+            </a:endParaRPr>
+          </a:p>
+          <a:p>
+            <a:pPr algn="ctr">
+              <a:lnSpc>
+                <a:spcPts val="1400"/>
+              </a:lnSpc>
+            </a:pPr>
+            <a:r>
+              <a:rPr lang="en-US" altLang="ko-KR" sz="1400" b="1" dirty="0" smtClean="0">
+                <a:solidFill>
+                  <a:schemeClr val="tx2"/>
+                </a:solidFill>
+                <a:latin typeface="+mn-ea"/>
+              </a:rPr>
+              <a:t>E</a:t>
+            </a:r>
+            <a:endParaRPr lang="ko-KR" altLang="en-US" sz="1400" b="1" dirty="0">
+              <a:solidFill>
+                <a:schemeClr val="tx2"/>
+              </a:solidFill>
+              <a:latin typeface="+mn-ea"/>
+            </a:endParaRPr>
+          </a:p>
+        </p:txBody>
+      </p:sp>
+      <p:sp>
+        <p:nvSpPr>
+          <p:cNvPr id="16" name="모서리가 둥근 직사각형 15"/>
+          <p:cNvSpPr/>
+          <p:nvPr/>
+        </p:nvSpPr>
+        <p:spPr>
+          <a:xfrm rot="16200000">
+            <a:off x="5358352" y="2844202"/>
+            <a:ext cx="353323" cy="425030"/>
+          </a:xfrm>
+          <a:prstGeom prst="roundRect">
+            <a:avLst/>
+          </a:prstGeom>
+          <a:solidFill>
+            <a:schemeClr val="bg1"/>
+          </a:solidFill>
+          <a:ln>
+            <a:solidFill>
+              <a:schemeClr val="accent2">
+                <a:lumMod val="75000"/>
+              </a:schemeClr>
+            </a:solidFill>
+          </a:ln>
+        </p:spPr>
+        <p:style>
+          <a:lnRef idx="2">
+            <a:schemeClr val="accent1">
+              <a:shade val="50000"/>
+            </a:schemeClr>
+          </a:lnRef>
+          <a:fillRef idx="1">
+            <a:schemeClr val="accent1"/>
+          </a:fillRef>
+          <a:effectRef idx="0">
+            <a:schemeClr val="accent1"/>
+          </a:effectRef>
+          <a:fontRef idx="minor">
+            <a:schemeClr val="lt1"/>
+          </a:fontRef>
+        </p:style>
+        <p:txBody>
+          <a:bodyPr tIns="72000" bIns="36000" rtlCol="0" anchor="ctr"/>
+          <a:lstStyle/>
+          <a:p>
+            <a:pPr algn="ctr">
+              <a:lnSpc>
+                <a:spcPts val="1400"/>
+              </a:lnSpc>
+            </a:pPr>
+            <a:r>
+              <a:rPr lang="ko-KR" altLang="en-US" sz="1400" b="1" dirty="0" smtClean="0">
+                <a:solidFill>
+                  <a:schemeClr val="tx2"/>
+                </a:solidFill>
+                <a:latin typeface="+mn-ea"/>
+              </a:rPr>
+              <a:t>문</a:t>
+            </a:r>
+            <a:endParaRPr lang="en-US" altLang="ko-KR" sz="1400" b="1" dirty="0" smtClean="0">
+              <a:solidFill>
+                <a:schemeClr val="tx2"/>
+              </a:solidFill>
+              <a:latin typeface="+mn-ea"/>
+            </a:endParaRPr>
+          </a:p>
+          <a:p>
+            <a:pPr algn="ctr">
+              <a:lnSpc>
+                <a:spcPts val="1400"/>
+              </a:lnSpc>
+            </a:pPr>
+            <a:r>
+              <a:rPr lang="en-US" altLang="ko-KR" sz="1400" b="1" dirty="0" smtClean="0">
+                <a:solidFill>
+                  <a:schemeClr val="tx2"/>
+                </a:solidFill>
+                <a:latin typeface="+mn-ea"/>
+              </a:rPr>
+              <a:t>G</a:t>
+            </a:r>
+            <a:endParaRPr lang="ko-KR" altLang="en-US" sz="1400" b="1" dirty="0">
+              <a:solidFill>
+                <a:schemeClr val="tx2"/>
+              </a:solidFill>
+              <a:latin typeface="+mn-ea"/>
+            </a:endParaRPr>
+          </a:p>
+        </p:txBody>
+      </p:sp>
+      <p:sp>
+        <p:nvSpPr>
+          <p:cNvPr id="17" name="모서리가 둥근 직사각형 16"/>
+          <p:cNvSpPr/>
+          <p:nvPr/>
+        </p:nvSpPr>
+        <p:spPr>
+          <a:xfrm rot="16200000">
+            <a:off x="4933322" y="1199433"/>
+            <a:ext cx="353323" cy="425030"/>
+          </a:xfrm>
+          <a:prstGeom prst="roundRect">
+            <a:avLst/>
+          </a:prstGeom>
+          <a:solidFill>
+            <a:schemeClr val="bg1"/>
+          </a:solidFill>
+          <a:ln>
+            <a:solidFill>
+              <a:schemeClr val="accent2">
+                <a:lumMod val="75000"/>
+              </a:schemeClr>
+            </a:solidFill>
+          </a:ln>
+        </p:spPr>
+        <p:style>
+          <a:lnRef idx="2">
+            <a:schemeClr val="accent1">
+              <a:shade val="50000"/>
+            </a:schemeClr>
+          </a:lnRef>
+          <a:fillRef idx="1">
+            <a:schemeClr val="accent1"/>
+          </a:fillRef>
+          <a:effectRef idx="0">
+            <a:schemeClr val="accent1"/>
+          </a:effectRef>
+          <a:fontRef idx="minor">
+            <a:schemeClr val="lt1"/>
+          </a:fontRef>
+        </p:style>
+        <p:txBody>
+          <a:bodyPr tIns="72000" bIns="36000" rtlCol="0" anchor="ctr"/>
+          <a:lstStyle/>
+          <a:p>
+            <a:pPr algn="ctr">
+              <a:lnSpc>
+                <a:spcPts val="1400"/>
+              </a:lnSpc>
+            </a:pPr>
+            <a:r>
+              <a:rPr lang="ko-KR" altLang="en-US" sz="1400" b="1" dirty="0" smtClean="0">
+                <a:solidFill>
+                  <a:schemeClr val="tx2"/>
+                </a:solidFill>
+                <a:latin typeface="+mn-ea"/>
+              </a:rPr>
+              <a:t>문</a:t>
+            </a:r>
+            <a:endParaRPr lang="en-US" altLang="ko-KR" sz="1400" b="1" dirty="0" smtClean="0">
+              <a:solidFill>
+                <a:schemeClr val="tx2"/>
+              </a:solidFill>
+              <a:latin typeface="+mn-ea"/>
+            </a:endParaRPr>
+          </a:p>
+          <a:p>
+            <a:pPr algn="ctr">
+              <a:lnSpc>
+                <a:spcPts val="1400"/>
+              </a:lnSpc>
+            </a:pPr>
+            <a:r>
+              <a:rPr lang="en-US" altLang="ko-KR" sz="1400" b="1" dirty="0" smtClean="0">
+                <a:solidFill>
+                  <a:schemeClr val="tx2"/>
+                </a:solidFill>
+                <a:latin typeface="+mn-ea"/>
+              </a:rPr>
+              <a:t>F</a:t>
+            </a:r>
+            <a:endParaRPr lang="ko-KR" altLang="en-US" sz="1400" b="1" dirty="0">
+              <a:solidFill>
+                <a:schemeClr val="tx2"/>
+              </a:solidFill>
+              <a:latin typeface="+mn-ea"/>
+            </a:endParaRPr>
+          </a:p>
+        </p:txBody>
+      </p:sp>
+      <p:sp>
+        <p:nvSpPr>
+          <p:cNvPr id="18" name="모서리가 둥근 직사각형 17"/>
+          <p:cNvSpPr/>
+          <p:nvPr/>
+        </p:nvSpPr>
+        <p:spPr>
+          <a:xfrm rot="16200000">
+            <a:off x="5958428" y="3251618"/>
+            <a:ext cx="353323" cy="425030"/>
+          </a:xfrm>
+          <a:prstGeom prst="roundRect">
+            <a:avLst/>
+          </a:prstGeom>
+          <a:solidFill>
+            <a:schemeClr val="bg1"/>
+          </a:solidFill>
+          <a:ln>
+            <a:solidFill>
+              <a:schemeClr val="accent2">
+                <a:lumMod val="75000"/>
+              </a:schemeClr>
+            </a:solidFill>
+          </a:ln>
+        </p:spPr>
+        <p:style>
+          <a:lnRef idx="2">
+            <a:schemeClr val="accent1">
+              <a:shade val="50000"/>
+            </a:schemeClr>
+          </a:lnRef>
+          <a:fillRef idx="1">
+            <a:schemeClr val="accent1"/>
+          </a:fillRef>
+          <a:effectRef idx="0">
+            <a:schemeClr val="accent1"/>
+          </a:effectRef>
+          <a:fontRef idx="minor">
+            <a:schemeClr val="lt1"/>
+          </a:fontRef>
+        </p:style>
+        <p:txBody>
+          <a:bodyPr tIns="72000" bIns="36000" rtlCol="0" anchor="ctr"/>
+          <a:lstStyle/>
+          <a:p>
+            <a:pPr algn="ctr">
+              <a:lnSpc>
+                <a:spcPts val="1400"/>
+              </a:lnSpc>
+            </a:pPr>
+            <a:r>
+              <a:rPr lang="ko-KR" altLang="en-US" sz="1400" b="1" dirty="0" smtClean="0">
+                <a:solidFill>
+                  <a:schemeClr val="tx2"/>
+                </a:solidFill>
+                <a:latin typeface="+mn-ea"/>
+              </a:rPr>
+              <a:t>문</a:t>
+            </a:r>
+            <a:endParaRPr lang="en-US" altLang="ko-KR" sz="1400" b="1" dirty="0" smtClean="0">
+              <a:solidFill>
+                <a:schemeClr val="tx2"/>
+              </a:solidFill>
+              <a:latin typeface="+mn-ea"/>
+            </a:endParaRPr>
+          </a:p>
+          <a:p>
+            <a:pPr algn="ctr">
+              <a:lnSpc>
+                <a:spcPts val="1400"/>
+              </a:lnSpc>
+            </a:pPr>
+            <a:r>
+              <a:rPr lang="en-US" altLang="ko-KR" sz="1400" b="1" dirty="0" smtClean="0">
+                <a:solidFill>
+                  <a:schemeClr val="tx2"/>
+                </a:solidFill>
+                <a:latin typeface="+mn-ea"/>
+              </a:rPr>
+              <a:t>H</a:t>
+            </a:r>
+            <a:endParaRPr lang="ko-KR" altLang="en-US" sz="1400" b="1" dirty="0">
+              <a:solidFill>
+                <a:schemeClr val="tx2"/>
+              </a:solidFill>
+              <a:latin typeface="+mn-ea"/>
+            </a:endParaRPr>
+          </a:p>
+        </p:txBody>
+      </p:sp>
     </p:spTree>
     <p:extLst>
       <p:ext uri="{BB962C8B-B14F-4D97-AF65-F5344CB8AC3E}">
         <p14:creationId xmlns:p14="http://schemas.microsoft.com/office/powerpoint/2010/main" val="4091852450"/>
+      </p:ext>
+    </p:extLst>
+  </p:cSld>
+  <p:clrMapOvr>
+    <a:masterClrMapping/>
+  </p:clrMapOvr>
+</p:sld>
+</file>
+
+<file path=ppt/slides/slide4.xml><?xml version="1.0" encoding="utf-8"?>
+<p:sld xmlns:a="http://schemas.openxmlformats.org/drawingml/2006/main" xmlns:r="http://schemas.openxmlformats.org/officeDocument/2006/relationships" xmlns:p="http://schemas.openxmlformats.org/presentationml/2006/main">
+  <p:cSld>
+    <p:spTree>
+      <p:nvGrpSpPr>
+        <p:cNvPr id="1" name=""/>
+        <p:cNvGrpSpPr/>
+        <p:nvPr/>
+      </p:nvGrpSpPr>
+      <p:grpSpPr>
+        <a:xfrm>
+          <a:off x="0" y="0"/>
+          <a:ext cx="0" cy="0"/>
+          <a:chOff x="0" y="0"/>
+          <a:chExt cx="0" cy="0"/>
+        </a:xfrm>
+      </p:grpSpPr>
+      <p:sp>
+        <p:nvSpPr>
+          <p:cNvPr id="5" name="제목 4"/>
+          <p:cNvSpPr>
+            <a:spLocks noGrp="1"/>
+          </p:cNvSpPr>
+          <p:nvPr>
+            <p:ph type="title"/>
+          </p:nvPr>
+        </p:nvSpPr>
+        <p:spPr/>
+        <p:txBody>
+          <a:bodyPr/>
+          <a:lstStyle/>
+          <a:p>
+            <a:r>
+              <a:rPr lang="ko-KR" altLang="en-US" dirty="0" smtClean="0"/>
+              <a:t>컨셉 정리</a:t>
+            </a:r>
+            <a:endParaRPr lang="ko-KR" altLang="en-US" dirty="0"/>
+          </a:p>
+        </p:txBody>
+      </p:sp>
+      <p:sp>
+        <p:nvSpPr>
+          <p:cNvPr id="6" name="내용 개체 틀 5"/>
+          <p:cNvSpPr>
+            <a:spLocks noGrp="1"/>
+          </p:cNvSpPr>
+          <p:nvPr>
+            <p:ph idx="1"/>
+          </p:nvPr>
+        </p:nvSpPr>
+        <p:spPr/>
+        <p:txBody>
+          <a:bodyPr>
+            <a:normAutofit/>
+          </a:bodyPr>
+          <a:lstStyle/>
+          <a:p>
+            <a:r>
+              <a:rPr lang="ko-KR" altLang="en-US" sz="1800" dirty="0" smtClean="0"/>
+              <a:t>범위</a:t>
+            </a:r>
+            <a:r>
+              <a:rPr lang="en-US" altLang="ko-KR" sz="1800" dirty="0" smtClean="0"/>
+              <a:t>: 4</a:t>
+            </a:r>
+            <a:r>
+              <a:rPr lang="ko-KR" altLang="en-US" sz="1800" dirty="0" smtClean="0"/>
+              <a:t>층 거실 및 주방 공간</a:t>
+            </a:r>
+            <a:endParaRPr lang="en-US" altLang="ko-KR" sz="1800" dirty="0" smtClean="0"/>
+          </a:p>
+          <a:p>
+            <a:endParaRPr lang="en-US" altLang="ko-KR" sz="1800" dirty="0" smtClean="0"/>
+          </a:p>
+          <a:p>
+            <a:r>
+              <a:rPr lang="ko-KR" altLang="en-US" sz="1800" dirty="0" smtClean="0"/>
+              <a:t>컨셉</a:t>
+            </a:r>
+            <a:r>
+              <a:rPr lang="en-US" altLang="ko-KR" sz="1800" dirty="0" smtClean="0"/>
+              <a:t>: </a:t>
+            </a:r>
+            <a:r>
+              <a:rPr lang="ko-KR" altLang="en-US" sz="1800" dirty="0" smtClean="0"/>
+              <a:t>심플한 카페 같은 공간</a:t>
+            </a:r>
+            <a:endParaRPr lang="en-US" altLang="ko-KR" sz="1800" dirty="0" smtClean="0"/>
+          </a:p>
+          <a:p>
+            <a:pPr lvl="1"/>
+            <a:r>
+              <a:rPr lang="ko-KR" altLang="en-US" sz="1600" dirty="0" smtClean="0"/>
+              <a:t>가정보다는 상업 공간 느낌</a:t>
+            </a:r>
+            <a:endParaRPr lang="en-US" altLang="ko-KR" sz="1600" dirty="0" smtClean="0"/>
+          </a:p>
+          <a:p>
+            <a:pPr lvl="1"/>
+            <a:r>
+              <a:rPr lang="ko-KR" altLang="en-US" sz="1600" dirty="0" smtClean="0"/>
+              <a:t>회의실</a:t>
+            </a:r>
+            <a:r>
+              <a:rPr lang="en-US" altLang="ko-KR" sz="1600" dirty="0" smtClean="0"/>
+              <a:t>(30%) + </a:t>
+            </a:r>
+            <a:r>
+              <a:rPr lang="ko-KR" altLang="en-US" sz="1600" dirty="0" smtClean="0"/>
+              <a:t>카페</a:t>
+            </a:r>
+            <a:r>
+              <a:rPr lang="en-US" altLang="ko-KR" sz="1600" dirty="0" smtClean="0"/>
+              <a:t>(40%) + </a:t>
+            </a:r>
+            <a:r>
+              <a:rPr lang="ko-KR" altLang="en-US" sz="1600" dirty="0" smtClean="0"/>
+              <a:t>거실</a:t>
+            </a:r>
+            <a:r>
+              <a:rPr lang="en-US" altLang="ko-KR" sz="1600" dirty="0" smtClean="0"/>
+              <a:t>(30%)</a:t>
+            </a:r>
+          </a:p>
+          <a:p>
+            <a:endParaRPr lang="en-US" altLang="ko-KR" sz="1800" dirty="0" smtClean="0"/>
+          </a:p>
+          <a:p>
+            <a:r>
+              <a:rPr lang="ko-KR" altLang="en-US" sz="1800" dirty="0"/>
+              <a:t>용도</a:t>
+            </a:r>
+            <a:r>
+              <a:rPr lang="en-US" altLang="ko-KR" sz="1800" dirty="0"/>
+              <a:t>: </a:t>
+            </a:r>
+            <a:r>
+              <a:rPr lang="ko-KR" altLang="en-US" sz="1800" dirty="0"/>
+              <a:t>회의실 </a:t>
+            </a:r>
+            <a:r>
+              <a:rPr lang="en-US" altLang="ko-KR" sz="1800" dirty="0"/>
+              <a:t>/ </a:t>
+            </a:r>
+            <a:r>
+              <a:rPr lang="ko-KR" altLang="en-US" sz="1800" dirty="0"/>
+              <a:t>휴게실 </a:t>
+            </a:r>
+            <a:r>
+              <a:rPr lang="en-US" altLang="ko-KR" sz="1800" dirty="0"/>
+              <a:t>/ </a:t>
+            </a:r>
+            <a:r>
+              <a:rPr lang="ko-KR" altLang="en-US" sz="1800" dirty="0" smtClean="0"/>
+              <a:t>거실</a:t>
+            </a:r>
+            <a:endParaRPr lang="en-US" altLang="ko-KR" sz="1800" dirty="0" smtClean="0"/>
+          </a:p>
+          <a:p>
+            <a:pPr lvl="1"/>
+            <a:r>
+              <a:rPr lang="ko-KR" altLang="en-US" sz="1600" dirty="0" smtClean="0"/>
+              <a:t>평일 주간 </a:t>
+            </a:r>
+            <a:r>
+              <a:rPr lang="en-US" altLang="ko-KR" sz="1600" dirty="0" smtClean="0"/>
+              <a:t>: 3</a:t>
+            </a:r>
+            <a:r>
+              <a:rPr lang="ko-KR" altLang="en-US" sz="1600" dirty="0" smtClean="0"/>
+              <a:t>층 사무실 직원 회의 및 휴게</a:t>
+            </a:r>
+            <a:endParaRPr lang="en-US" altLang="ko-KR" sz="1600" dirty="0" smtClean="0"/>
+          </a:p>
+          <a:p>
+            <a:pPr lvl="1"/>
+            <a:r>
+              <a:rPr lang="ko-KR" altLang="en-US" sz="1600" dirty="0" smtClean="0"/>
+              <a:t>휴일 및 저녁</a:t>
+            </a:r>
+            <a:r>
+              <a:rPr lang="en-US" altLang="ko-KR" sz="1600" dirty="0" smtClean="0"/>
+              <a:t>: </a:t>
+            </a:r>
+            <a:r>
+              <a:rPr lang="ko-KR" altLang="en-US" sz="1600" dirty="0" smtClean="0"/>
+              <a:t>가족 식사 및 휴식</a:t>
+            </a:r>
+            <a:endParaRPr lang="en-US" altLang="ko-KR" sz="1600" dirty="0"/>
+          </a:p>
+          <a:p>
+            <a:endParaRPr lang="en-US" altLang="ko-KR" sz="1800" dirty="0" smtClean="0"/>
+          </a:p>
+          <a:p>
+            <a:endParaRPr lang="ko-KR" altLang="en-US" sz="1800" dirty="0"/>
+          </a:p>
+        </p:txBody>
+      </p:sp>
+    </p:spTree>
+    <p:extLst>
+      <p:ext uri="{BB962C8B-B14F-4D97-AF65-F5344CB8AC3E}">
+        <p14:creationId xmlns:p14="http://schemas.microsoft.com/office/powerpoint/2010/main" val="1035860805"/>
+      </p:ext>
+    </p:extLst>
+  </p:cSld>
+  <p:clrMapOvr>
+    <a:masterClrMapping/>
+  </p:clrMapOvr>
+</p:sld>
+</file>
+
+<file path=ppt/slides/slide5.xml><?xml version="1.0" encoding="utf-8"?>
+<p:sld xmlns:a="http://schemas.openxmlformats.org/drawingml/2006/main" xmlns:r="http://schemas.openxmlformats.org/officeDocument/2006/relationships" xmlns:p="http://schemas.openxmlformats.org/presentationml/2006/main">
+  <p:cSld>
+    <p:spTree>
+      <p:nvGrpSpPr>
+        <p:cNvPr id="1" name=""/>
+        <p:cNvGrpSpPr/>
+        <p:nvPr/>
+      </p:nvGrpSpPr>
+      <p:grpSpPr>
+        <a:xfrm>
+          <a:off x="0" y="0"/>
+          <a:ext cx="0" cy="0"/>
+          <a:chOff x="0" y="0"/>
+          <a:chExt cx="0" cy="0"/>
+        </a:xfrm>
+      </p:grpSpPr>
+      <p:sp>
+        <p:nvSpPr>
+          <p:cNvPr id="5" name="제목 4"/>
+          <p:cNvSpPr>
+            <a:spLocks noGrp="1"/>
+          </p:cNvSpPr>
+          <p:nvPr>
+            <p:ph type="title"/>
+          </p:nvPr>
+        </p:nvSpPr>
+        <p:spPr/>
+        <p:txBody>
+          <a:bodyPr/>
+          <a:lstStyle/>
+          <a:p>
+            <a:r>
+              <a:rPr lang="ko-KR" altLang="en-US" dirty="0" smtClean="0"/>
+              <a:t>요청 사항 정리</a:t>
+            </a:r>
+            <a:r>
+              <a:rPr lang="en-US" altLang="ko-KR" dirty="0" smtClean="0"/>
+              <a:t>1</a:t>
+            </a:r>
+            <a:endParaRPr lang="ko-KR" altLang="en-US" dirty="0"/>
+          </a:p>
+        </p:txBody>
+      </p:sp>
+      <p:sp>
+        <p:nvSpPr>
+          <p:cNvPr id="6" name="내용 개체 틀 5"/>
+          <p:cNvSpPr>
+            <a:spLocks noGrp="1"/>
+          </p:cNvSpPr>
+          <p:nvPr>
+            <p:ph idx="1"/>
+          </p:nvPr>
+        </p:nvSpPr>
+        <p:spPr/>
+        <p:txBody>
+          <a:bodyPr>
+            <a:normAutofit/>
+          </a:bodyPr>
+          <a:lstStyle/>
+          <a:p>
+            <a:r>
+              <a:rPr lang="ko-KR" altLang="en-US" sz="1800" dirty="0" smtClean="0"/>
+              <a:t>창호</a:t>
+            </a:r>
+            <a:r>
+              <a:rPr lang="en-US" altLang="ko-KR" sz="1800" dirty="0" smtClean="0"/>
+              <a:t>: 2</a:t>
+            </a:r>
+            <a:r>
+              <a:rPr lang="ko-KR" altLang="en-US" sz="1800" dirty="0" smtClean="0"/>
+              <a:t>중 </a:t>
+            </a:r>
+            <a:r>
+              <a:rPr lang="ko-KR" altLang="en-US" sz="1800" dirty="0" err="1" smtClean="0"/>
+              <a:t>샤시로</a:t>
+            </a:r>
+            <a:r>
+              <a:rPr lang="ko-KR" altLang="en-US" sz="1800" dirty="0" smtClean="0"/>
+              <a:t> 교체 예정</a:t>
+            </a:r>
+            <a:endParaRPr lang="en-US" altLang="ko-KR" sz="1800" dirty="0" smtClean="0"/>
+          </a:p>
+          <a:p>
+            <a:endParaRPr lang="en-US" altLang="ko-KR" sz="1800" dirty="0" smtClean="0"/>
+          </a:p>
+          <a:p>
+            <a:r>
+              <a:rPr lang="ko-KR" altLang="en-US" sz="1800" dirty="0" smtClean="0"/>
+              <a:t>벽면</a:t>
+            </a:r>
+            <a:r>
+              <a:rPr lang="en-US" altLang="ko-KR" sz="1800" dirty="0" smtClean="0"/>
+              <a:t>A: TV(+</a:t>
+            </a:r>
+            <a:r>
+              <a:rPr lang="ko-KR" altLang="en-US" sz="1800" dirty="0" smtClean="0"/>
+              <a:t>컴퓨터</a:t>
+            </a:r>
+            <a:r>
+              <a:rPr lang="en-US" altLang="ko-KR" sz="1800" dirty="0" smtClean="0"/>
+              <a:t>) + </a:t>
+            </a:r>
+            <a:r>
+              <a:rPr lang="ko-KR" altLang="en-US" sz="1800" dirty="0" err="1" smtClean="0"/>
+              <a:t>월패드</a:t>
+            </a:r>
+            <a:endParaRPr lang="en-US" altLang="ko-KR" sz="1800" dirty="0" smtClean="0"/>
+          </a:p>
+          <a:p>
+            <a:r>
+              <a:rPr lang="ko-KR" altLang="en-US" sz="1800" dirty="0" smtClean="0"/>
+              <a:t>벽면</a:t>
+            </a:r>
+            <a:r>
+              <a:rPr lang="en-US" altLang="ko-KR" sz="1800" dirty="0"/>
+              <a:t>D: </a:t>
+            </a:r>
+            <a:r>
+              <a:rPr lang="ko-KR" altLang="en-US" sz="1800" dirty="0"/>
+              <a:t>중문</a:t>
+            </a:r>
+            <a:r>
+              <a:rPr lang="en-US" altLang="ko-KR" sz="1800" dirty="0"/>
+              <a:t>, </a:t>
+            </a:r>
+            <a:r>
+              <a:rPr lang="ko-KR" altLang="en-US" sz="1800" dirty="0"/>
+              <a:t>현재 없음</a:t>
+            </a:r>
+            <a:endParaRPr lang="en-US" altLang="ko-KR" sz="1800" dirty="0"/>
+          </a:p>
+          <a:p>
+            <a:pPr lvl="1"/>
+            <a:r>
+              <a:rPr lang="ko-KR" altLang="en-US" sz="1600" dirty="0"/>
+              <a:t>유리 중심 소재로 거실과 주방 </a:t>
+            </a:r>
+            <a:r>
+              <a:rPr lang="ko-KR" altLang="en-US" sz="1600" dirty="0" smtClean="0"/>
+              <a:t>분리</a:t>
+            </a:r>
+            <a:endParaRPr lang="en-US" altLang="ko-KR" sz="1800" dirty="0" smtClean="0"/>
+          </a:p>
+          <a:p>
+            <a:r>
+              <a:rPr lang="ko-KR" altLang="en-US" sz="1800" dirty="0" smtClean="0"/>
+              <a:t>벽면</a:t>
+            </a:r>
+            <a:r>
+              <a:rPr lang="en-US" altLang="ko-KR" sz="1800" dirty="0" smtClean="0"/>
+              <a:t>B,C,E,F</a:t>
+            </a:r>
+            <a:r>
+              <a:rPr lang="en-US" altLang="ko-KR" sz="1800" smtClean="0"/>
+              <a:t>: ?</a:t>
+            </a:r>
+          </a:p>
+          <a:p>
+            <a:endParaRPr lang="en-US" altLang="ko-KR" sz="1800" dirty="0" smtClean="0"/>
+          </a:p>
+          <a:p>
+            <a:r>
+              <a:rPr lang="ko-KR" altLang="en-US" sz="1800" dirty="0" smtClean="0"/>
+              <a:t>창호</a:t>
+            </a:r>
+            <a:r>
+              <a:rPr lang="en-US" altLang="ko-KR" sz="1800" dirty="0" smtClean="0"/>
+              <a:t>/</a:t>
+            </a:r>
+            <a:r>
+              <a:rPr lang="ko-KR" altLang="en-US" sz="1800" dirty="0" smtClean="0"/>
+              <a:t>벽면</a:t>
+            </a:r>
+            <a:r>
+              <a:rPr lang="en-US" altLang="ko-KR" sz="1800" dirty="0" smtClean="0"/>
+              <a:t>A: </a:t>
+            </a:r>
+          </a:p>
+          <a:p>
+            <a:pPr lvl="1"/>
+            <a:r>
+              <a:rPr lang="ko-KR" altLang="en-US" sz="1400" dirty="0" smtClean="0"/>
+              <a:t>스탠드 에어컨 설치 예정으로 참고하세요</a:t>
+            </a:r>
+            <a:endParaRPr lang="en-US" altLang="ko-KR" sz="1400" dirty="0" smtClean="0"/>
+          </a:p>
+          <a:p>
+            <a:endParaRPr lang="en-US" altLang="ko-KR" sz="1800" dirty="0" smtClean="0"/>
+          </a:p>
+          <a:p>
+            <a:endParaRPr lang="ko-KR" altLang="en-US" sz="1800" dirty="0"/>
+          </a:p>
+        </p:txBody>
+      </p:sp>
+    </p:spTree>
+    <p:extLst>
+      <p:ext uri="{BB962C8B-B14F-4D97-AF65-F5344CB8AC3E}">
+        <p14:creationId xmlns:p14="http://schemas.microsoft.com/office/powerpoint/2010/main" val="123361602"/>
+      </p:ext>
+    </p:extLst>
+  </p:cSld>
+  <p:clrMapOvr>
+    <a:masterClrMapping/>
+  </p:clrMapOvr>
+</p:sld>
+</file>
+
+<file path=ppt/slides/slide6.xml><?xml version="1.0" encoding="utf-8"?>
+<p:sld xmlns:a="http://schemas.openxmlformats.org/drawingml/2006/main" xmlns:r="http://schemas.openxmlformats.org/officeDocument/2006/relationships" xmlns:p="http://schemas.openxmlformats.org/presentationml/2006/main">
+  <p:cSld>
+    <p:spTree>
+      <p:nvGrpSpPr>
+        <p:cNvPr id="1" name=""/>
+        <p:cNvGrpSpPr/>
+        <p:nvPr/>
+      </p:nvGrpSpPr>
+      <p:grpSpPr>
+        <a:xfrm>
+          <a:off x="0" y="0"/>
+          <a:ext cx="0" cy="0"/>
+          <a:chOff x="0" y="0"/>
+          <a:chExt cx="0" cy="0"/>
+        </a:xfrm>
+      </p:grpSpPr>
+      <p:sp>
+        <p:nvSpPr>
+          <p:cNvPr id="5" name="제목 4"/>
+          <p:cNvSpPr>
+            <a:spLocks noGrp="1"/>
+          </p:cNvSpPr>
+          <p:nvPr>
+            <p:ph type="title"/>
+          </p:nvPr>
+        </p:nvSpPr>
+        <p:spPr/>
+        <p:txBody>
+          <a:bodyPr/>
+          <a:lstStyle/>
+          <a:p>
+            <a:r>
+              <a:rPr lang="ko-KR" altLang="en-US" dirty="0" smtClean="0"/>
+              <a:t>요청 사항 정리</a:t>
+            </a:r>
+            <a:r>
+              <a:rPr lang="en-US" altLang="ko-KR" dirty="0" smtClean="0"/>
+              <a:t>2</a:t>
+            </a:r>
+            <a:endParaRPr lang="ko-KR" altLang="en-US" dirty="0"/>
+          </a:p>
+        </p:txBody>
+      </p:sp>
+      <p:sp>
+        <p:nvSpPr>
+          <p:cNvPr id="6" name="내용 개체 틀 5"/>
+          <p:cNvSpPr>
+            <a:spLocks noGrp="1"/>
+          </p:cNvSpPr>
+          <p:nvPr>
+            <p:ph idx="1"/>
+          </p:nvPr>
+        </p:nvSpPr>
+        <p:spPr/>
+        <p:txBody>
+          <a:bodyPr>
+            <a:normAutofit/>
+          </a:bodyPr>
+          <a:lstStyle/>
+          <a:p>
+            <a:r>
+              <a:rPr lang="ko-KR" altLang="en-US" sz="2000" dirty="0" smtClean="0"/>
+              <a:t>거실 천정</a:t>
+            </a:r>
+            <a:r>
+              <a:rPr lang="en-US" altLang="ko-KR" sz="2000" dirty="0" smtClean="0"/>
+              <a:t>: </a:t>
+            </a:r>
+          </a:p>
+          <a:p>
+            <a:pPr lvl="1"/>
+            <a:r>
+              <a:rPr lang="ko-KR" altLang="en-US" sz="1400" dirty="0"/>
+              <a:t>기존의 </a:t>
+            </a:r>
+            <a:r>
+              <a:rPr lang="en-US" altLang="ko-KR" sz="1400" dirty="0" smtClean="0"/>
+              <a:t>‘</a:t>
+            </a:r>
+            <a:r>
+              <a:rPr lang="en-US" altLang="ko-KR" sz="1400" dirty="0"/>
+              <a:t>^</a:t>
+            </a:r>
+            <a:r>
+              <a:rPr lang="en-US" altLang="ko-KR" sz="1400" dirty="0" smtClean="0"/>
+              <a:t>’</a:t>
+            </a:r>
+            <a:r>
+              <a:rPr lang="ko-KR" altLang="en-US" sz="1400" dirty="0" smtClean="0"/>
+              <a:t>자 메인 구조는 살려서 </a:t>
+            </a:r>
+            <a:r>
+              <a:rPr lang="ko-KR" altLang="en-US" sz="1400" dirty="0"/>
+              <a:t>비용 </a:t>
+            </a:r>
+            <a:r>
+              <a:rPr lang="ko-KR" altLang="en-US" sz="1400" dirty="0" smtClean="0"/>
+              <a:t>절감 </a:t>
+            </a:r>
+            <a:r>
+              <a:rPr lang="en-US" altLang="ko-KR" sz="1400" dirty="0" smtClean="0"/>
+              <a:t>(?)</a:t>
+            </a:r>
+          </a:p>
+          <a:p>
+            <a:pPr lvl="1"/>
+            <a:r>
+              <a:rPr lang="ko-KR" altLang="en-US" sz="1400" dirty="0" smtClean="0"/>
+              <a:t>홀 사이에 긴 직사각형 반투명 </a:t>
+            </a:r>
+            <a:r>
+              <a:rPr lang="en-US" altLang="ko-KR" sz="1400" dirty="0" smtClean="0"/>
+              <a:t>LED </a:t>
+            </a:r>
+            <a:r>
+              <a:rPr lang="ko-KR" altLang="en-US" sz="1400" dirty="0" smtClean="0"/>
+              <a:t>장착</a:t>
+            </a:r>
+            <a:r>
+              <a:rPr lang="en-US" altLang="ko-KR" sz="1400" dirty="0" smtClean="0"/>
+              <a:t>, </a:t>
+            </a:r>
+            <a:r>
+              <a:rPr lang="ko-KR" altLang="en-US" sz="1400" dirty="0" smtClean="0"/>
+              <a:t>필요한 부분 포인트 조명</a:t>
+            </a:r>
+            <a:endParaRPr lang="en-US" altLang="ko-KR" sz="1400" dirty="0" smtClean="0"/>
+          </a:p>
+          <a:p>
+            <a:r>
+              <a:rPr lang="ko-KR" altLang="en-US" sz="2000" dirty="0" smtClean="0"/>
+              <a:t>주방 천정</a:t>
+            </a:r>
+            <a:endParaRPr lang="en-US" altLang="ko-KR" sz="2000" dirty="0" smtClean="0"/>
+          </a:p>
+          <a:p>
+            <a:pPr lvl="1"/>
+            <a:r>
+              <a:rPr lang="ko-KR" altLang="en-US" sz="1400" dirty="0" smtClean="0"/>
+              <a:t>기존의 </a:t>
+            </a:r>
+            <a:r>
+              <a:rPr lang="en-US" altLang="ko-KR" sz="1400" dirty="0" smtClean="0"/>
+              <a:t>‘</a:t>
+            </a:r>
+            <a:r>
+              <a:rPr lang="ko-KR" altLang="en-US" sz="1400" dirty="0" err="1" smtClean="0"/>
+              <a:t>ㅁ</a:t>
+            </a:r>
+            <a:r>
+              <a:rPr lang="en-US" altLang="ko-KR" sz="1400" dirty="0" smtClean="0"/>
+              <a:t>’ </a:t>
+            </a:r>
+            <a:r>
+              <a:rPr lang="ko-KR" altLang="en-US" sz="1400" dirty="0" smtClean="0"/>
+              <a:t>메인 구조는 살려서 비용 절감 </a:t>
+            </a:r>
+            <a:r>
+              <a:rPr lang="en-US" altLang="ko-KR" sz="1400" dirty="0" smtClean="0"/>
+              <a:t>(?)</a:t>
+            </a:r>
+          </a:p>
+          <a:p>
+            <a:pPr lvl="1"/>
+            <a:r>
+              <a:rPr lang="en-US" altLang="ko-KR" sz="1400" dirty="0" smtClean="0"/>
+              <a:t>‘</a:t>
+            </a:r>
+            <a:r>
+              <a:rPr lang="ko-KR" altLang="en-US" sz="1400" dirty="0" err="1" smtClean="0"/>
+              <a:t>ㅁ</a:t>
+            </a:r>
+            <a:r>
+              <a:rPr lang="en-US" altLang="ko-KR" sz="1400" dirty="0" smtClean="0"/>
+              <a:t>’ </a:t>
+            </a:r>
+            <a:r>
+              <a:rPr lang="ko-KR" altLang="en-US" sz="1400" dirty="0" smtClean="0"/>
+              <a:t>구조에 숨은 </a:t>
+            </a:r>
+            <a:r>
+              <a:rPr lang="en-US" altLang="ko-KR" sz="1400" dirty="0" smtClean="0"/>
+              <a:t>LED </a:t>
+            </a:r>
+            <a:r>
+              <a:rPr lang="ko-KR" altLang="en-US" sz="1400" dirty="0" smtClean="0"/>
+              <a:t>장작</a:t>
+            </a:r>
+            <a:r>
+              <a:rPr lang="en-US" altLang="ko-KR" sz="1400" dirty="0" smtClean="0"/>
+              <a:t>, </a:t>
+            </a:r>
+            <a:r>
+              <a:rPr lang="ko-KR" altLang="en-US" sz="1400" dirty="0" smtClean="0"/>
+              <a:t>필요한 부분 포인트 조명</a:t>
+            </a:r>
+            <a:endParaRPr lang="en-US" altLang="ko-KR" sz="1400" dirty="0" smtClean="0"/>
+          </a:p>
+          <a:p>
+            <a:pPr lvl="1"/>
+            <a:r>
+              <a:rPr lang="ko-KR" altLang="en-US" sz="1400" dirty="0" smtClean="0"/>
+              <a:t>싱크대 쪽 조리에 필요한 조명</a:t>
+            </a:r>
+            <a:endParaRPr lang="en-US" altLang="ko-KR" sz="1400" dirty="0" smtClean="0"/>
+          </a:p>
+          <a:p>
+            <a:r>
+              <a:rPr lang="ko-KR" altLang="en-US" sz="2000" dirty="0"/>
+              <a:t>주방 배치</a:t>
+            </a:r>
+            <a:endParaRPr lang="en-US" altLang="ko-KR" sz="2000" dirty="0"/>
+          </a:p>
+          <a:p>
+            <a:pPr lvl="1"/>
+            <a:r>
+              <a:rPr lang="ko-KR" altLang="en-US" sz="1400" dirty="0"/>
+              <a:t>김치냉장고</a:t>
+            </a:r>
+            <a:r>
+              <a:rPr lang="en-US" altLang="ko-KR" sz="1400" dirty="0"/>
+              <a:t>, </a:t>
+            </a:r>
+            <a:r>
+              <a:rPr lang="ko-KR" altLang="en-US" sz="1400" dirty="0"/>
+              <a:t>양문형냉장고</a:t>
+            </a:r>
+            <a:r>
+              <a:rPr lang="en-US" altLang="ko-KR" sz="1400" dirty="0"/>
+              <a:t>, </a:t>
+            </a:r>
+            <a:r>
+              <a:rPr lang="ko-KR" altLang="en-US" sz="1400" dirty="0" err="1"/>
+              <a:t>인덕트</a:t>
+            </a:r>
+            <a:r>
+              <a:rPr lang="en-US" altLang="ko-KR" sz="1400" dirty="0"/>
+              <a:t>, </a:t>
+            </a:r>
+            <a:r>
+              <a:rPr lang="ko-KR" altLang="en-US" sz="1400" dirty="0"/>
+              <a:t>전자레인지</a:t>
+            </a:r>
+            <a:r>
+              <a:rPr lang="en-US" altLang="ko-KR" sz="1400" dirty="0"/>
+              <a:t>, </a:t>
+            </a:r>
+            <a:r>
+              <a:rPr lang="ko-KR" altLang="en-US" sz="1400" dirty="0" smtClean="0"/>
+              <a:t>식기세척기</a:t>
+            </a:r>
+            <a:endParaRPr lang="ko-KR" altLang="en-US" sz="1400" dirty="0"/>
+          </a:p>
+        </p:txBody>
+      </p:sp>
+    </p:spTree>
+    <p:extLst>
+      <p:ext uri="{BB962C8B-B14F-4D97-AF65-F5344CB8AC3E}">
+        <p14:creationId xmlns:p14="http://schemas.microsoft.com/office/powerpoint/2010/main" val="3598567645"/>
       </p:ext>
     </p:extLst>
   </p:cSld>

--- a/100_컨셉 디자인/K220123_인테리어 컨셉 디자인 요청 사항 v0.8.pptx
+++ b/100_컨셉 디자인/K220123_인테리어 컨셉 디자인 요청 사항 v0.8.pptx
@@ -11,6 +11,8 @@
     <p:sldId id="260" r:id="rId5"/>
     <p:sldId id="262" r:id="rId6"/>
     <p:sldId id="263" r:id="rId7"/>
+    <p:sldId id="264" r:id="rId8"/>
+    <p:sldId id="265" r:id="rId9"/>
   </p:sldIdLst>
   <p:sldSz cx="9144000" cy="6858000" type="screen4x3"/>
   <p:notesSz cx="6858000" cy="9144000"/>
@@ -19378,9 +19380,32 @@
             </a:r>
             <a:r>
               <a:rPr lang="ko-KR" altLang="en-US" sz="1600" dirty="0" smtClean="0"/>
-              <a:t>가족 식사 및 휴식</a:t>
+              <a:t>가족 식사 및 </a:t>
             </a:r>
+            <a:r>
+              <a:rPr lang="ko-KR" altLang="en-US" sz="1600" dirty="0" smtClean="0"/>
+              <a:t>휴식</a:t>
+            </a:r>
+            <a:endParaRPr lang="en-US" altLang="ko-KR" sz="1600" dirty="0" smtClean="0"/>
+          </a:p>
+          <a:p>
+            <a:pPr lvl="1"/>
             <a:endParaRPr lang="en-US" altLang="ko-KR" sz="1600" dirty="0"/>
+          </a:p>
+          <a:p>
+            <a:r>
+              <a:rPr lang="ko-KR" altLang="en-US" sz="1800" dirty="0"/>
+              <a:t>주방에서는 </a:t>
+            </a:r>
+            <a:r>
+              <a:rPr lang="ko-KR" altLang="en-US" sz="1800" dirty="0" err="1"/>
+              <a:t>조리만</a:t>
+            </a:r>
+            <a:r>
+              <a:rPr lang="ko-KR" altLang="en-US" sz="1800" dirty="0"/>
+              <a:t> 식사는 거실에서</a:t>
+            </a:r>
+            <a:endParaRPr lang="en-US" altLang="ko-KR" sz="1800" dirty="0"/>
           </a:p>
           <a:p>
             <a:endParaRPr lang="en-US" altLang="ko-KR" sz="1800" dirty="0" smtClean="0"/>
@@ -19871,6 +19896,580 @@
     <p:extLst>
       <p:ext uri="{BB962C8B-B14F-4D97-AF65-F5344CB8AC3E}">
         <p14:creationId xmlns:p14="http://schemas.microsoft.com/office/powerpoint/2010/main" val="3598567645"/>
+      </p:ext>
+    </p:extLst>
+  </p:cSld>
+  <p:clrMapOvr>
+    <a:masterClrMapping/>
+  </p:clrMapOvr>
+</p:sld>
+</file>
+
+<file path=ppt/slides/slide7.xml><?xml version="1.0" encoding="utf-8"?>
+<p:sld xmlns:a="http://schemas.openxmlformats.org/drawingml/2006/main" xmlns:r="http://schemas.openxmlformats.org/officeDocument/2006/relationships" xmlns:p="http://schemas.openxmlformats.org/presentationml/2006/main">
+  <p:cSld>
+    <p:spTree>
+      <p:nvGrpSpPr>
+        <p:cNvPr id="1" name=""/>
+        <p:cNvGrpSpPr/>
+        <p:nvPr/>
+      </p:nvGrpSpPr>
+      <p:grpSpPr>
+        <a:xfrm>
+          <a:off x="0" y="0"/>
+          <a:ext cx="0" cy="0"/>
+          <a:chOff x="0" y="0"/>
+          <a:chExt cx="0" cy="0"/>
+        </a:xfrm>
+      </p:grpSpPr>
+      <p:pic>
+        <p:nvPicPr>
+          <p:cNvPr id="1026" name="Picture 2" descr="https://t1.daumcdn.net/cfile/blog/2715173B52DE09CD30"/>
+          <p:cNvPicPr>
+            <a:picLocks noChangeAspect="1" noChangeArrowheads="1"/>
+          </p:cNvPicPr>
+          <p:nvPr/>
+        </p:nvPicPr>
+        <p:blipFill rotWithShape="1">
+          <a:blip r:embed="rId2" cstate="print">
+            <a:extLst>
+              <a:ext uri="{28A0092B-C50C-407E-A947-70E740481C1C}">
+                <a14:useLocalDpi xmlns:a14="http://schemas.microsoft.com/office/drawing/2010/main" val="0"/>
+              </a:ext>
+            </a:extLst>
+          </a:blip>
+          <a:srcRect/>
+          <a:stretch/>
+        </p:blipFill>
+        <p:spPr bwMode="auto">
+          <a:xfrm>
+            <a:off x="362610" y="440192"/>
+            <a:ext cx="5228878" cy="2475535"/>
+          </a:xfrm>
+          <a:prstGeom prst="rect">
+            <a:avLst/>
+          </a:prstGeom>
+          <a:noFill/>
+          <a:extLst>
+            <a:ext uri="{909E8E84-426E-40DD-AFC4-6F175D3DCCD1}">
+              <a14:hiddenFill xmlns:a14="http://schemas.microsoft.com/office/drawing/2010/main">
+                <a:solidFill>
+                  <a:srgbClr val="FFFFFF"/>
+                </a:solidFill>
+              </a14:hiddenFill>
+            </a:ext>
+          </a:extLst>
+        </p:spPr>
+      </p:pic>
+      <p:pic>
+        <p:nvPicPr>
+          <p:cNvPr id="1028" name="Picture 4" descr="https://t1.daumcdn.net/cfile/blog/2709923952DE09CF31"/>
+          <p:cNvPicPr>
+            <a:picLocks noChangeAspect="1" noChangeArrowheads="1"/>
+          </p:cNvPicPr>
+          <p:nvPr/>
+        </p:nvPicPr>
+        <p:blipFill rotWithShape="1">
+          <a:blip r:embed="rId3" cstate="print">
+            <a:extLst>
+              <a:ext uri="{28A0092B-C50C-407E-A947-70E740481C1C}">
+                <a14:useLocalDpi xmlns:a14="http://schemas.microsoft.com/office/drawing/2010/main" val="0"/>
+              </a:ext>
+            </a:extLst>
+          </a:blip>
+          <a:srcRect/>
+          <a:stretch/>
+        </p:blipFill>
+        <p:spPr bwMode="auto">
+          <a:xfrm>
+            <a:off x="4606804" y="2493034"/>
+            <a:ext cx="4101601" cy="2346385"/>
+          </a:xfrm>
+          <a:prstGeom prst="rect">
+            <a:avLst/>
+          </a:prstGeom>
+          <a:noFill/>
+          <a:extLst>
+            <a:ext uri="{909E8E84-426E-40DD-AFC4-6F175D3DCCD1}">
+              <a14:hiddenFill xmlns:a14="http://schemas.microsoft.com/office/drawing/2010/main">
+                <a:solidFill>
+                  <a:srgbClr val="FFFFFF"/>
+                </a:solidFill>
+              </a14:hiddenFill>
+            </a:ext>
+          </a:extLst>
+        </p:spPr>
+      </p:pic>
+      <p:pic>
+        <p:nvPicPr>
+          <p:cNvPr id="1030" name="Picture 6" descr="https://t1.daumcdn.net/cfile/blog/213FEE3952DE09D115"/>
+          <p:cNvPicPr>
+            <a:picLocks noChangeAspect="1" noChangeArrowheads="1"/>
+          </p:cNvPicPr>
+          <p:nvPr/>
+        </p:nvPicPr>
+        <p:blipFill rotWithShape="1">
+          <a:blip r:embed="rId4" cstate="print">
+            <a:extLst>
+              <a:ext uri="{28A0092B-C50C-407E-A947-70E740481C1C}">
+                <a14:useLocalDpi xmlns:a14="http://schemas.microsoft.com/office/drawing/2010/main" val="0"/>
+              </a:ext>
+            </a:extLst>
+          </a:blip>
+          <a:srcRect/>
+          <a:stretch/>
+        </p:blipFill>
+        <p:spPr bwMode="auto">
+          <a:xfrm>
+            <a:off x="526211" y="4123426"/>
+            <a:ext cx="3916093" cy="1975450"/>
+          </a:xfrm>
+          <a:prstGeom prst="rect">
+            <a:avLst/>
+          </a:prstGeom>
+          <a:noFill/>
+          <a:extLst>
+            <a:ext uri="{909E8E84-426E-40DD-AFC4-6F175D3DCCD1}">
+              <a14:hiddenFill xmlns:a14="http://schemas.microsoft.com/office/drawing/2010/main">
+                <a:solidFill>
+                  <a:srgbClr val="FFFFFF"/>
+                </a:solidFill>
+              </a14:hiddenFill>
+            </a:ext>
+          </a:extLst>
+        </p:spPr>
+      </p:pic>
+      <p:sp>
+        <p:nvSpPr>
+          <p:cNvPr id="4" name="TextBox 3"/>
+          <p:cNvSpPr txBox="1"/>
+          <p:nvPr/>
+        </p:nvSpPr>
+        <p:spPr>
+          <a:xfrm>
+            <a:off x="526211" y="3122762"/>
+            <a:ext cx="3219151" cy="369332"/>
+          </a:xfrm>
+          <a:prstGeom prst="rect">
+            <a:avLst/>
+          </a:prstGeom>
+          <a:noFill/>
+        </p:spPr>
+        <p:txBody>
+          <a:bodyPr wrap="none" rtlCol="0">
+            <a:spAutoFit/>
+          </a:bodyPr>
+          <a:lstStyle/>
+          <a:p>
+            <a:r>
+              <a:rPr lang="ko-KR" altLang="en-US" dirty="0" smtClean="0"/>
+              <a:t>중문</a:t>
+            </a:r>
+            <a:r>
+              <a:rPr lang="en-US" altLang="ko-KR" dirty="0" smtClean="0"/>
+              <a:t>, </a:t>
+            </a:r>
+            <a:r>
+              <a:rPr lang="ko-KR" altLang="en-US" dirty="0" smtClean="0"/>
+              <a:t>벽면</a:t>
+            </a:r>
+            <a:r>
+              <a:rPr lang="en-US" altLang="ko-KR" dirty="0" smtClean="0"/>
+              <a:t>A, </a:t>
+            </a:r>
+            <a:r>
+              <a:rPr lang="ko-KR" altLang="en-US" dirty="0" smtClean="0"/>
+              <a:t>거실 </a:t>
+            </a:r>
+            <a:r>
+              <a:rPr lang="ko-KR" altLang="en-US" dirty="0" err="1" smtClean="0"/>
+              <a:t>테두리조명</a:t>
+            </a:r>
+            <a:endParaRPr lang="ko-KR" altLang="en-US" dirty="0"/>
+          </a:p>
+        </p:txBody>
+      </p:sp>
+      <p:sp>
+        <p:nvSpPr>
+          <p:cNvPr id="8" name="TextBox 7"/>
+          <p:cNvSpPr txBox="1"/>
+          <p:nvPr/>
+        </p:nvSpPr>
+        <p:spPr>
+          <a:xfrm>
+            <a:off x="6247100" y="4839419"/>
+            <a:ext cx="1180131" cy="369332"/>
+          </a:xfrm>
+          <a:prstGeom prst="rect">
+            <a:avLst/>
+          </a:prstGeom>
+          <a:noFill/>
+        </p:spPr>
+        <p:txBody>
+          <a:bodyPr wrap="none" rtlCol="0">
+            <a:spAutoFit/>
+          </a:bodyPr>
+          <a:lstStyle/>
+          <a:p>
+            <a:r>
+              <a:rPr lang="ko-KR" altLang="en-US" dirty="0" smtClean="0"/>
+              <a:t>주방 조명</a:t>
+            </a:r>
+            <a:endParaRPr lang="ko-KR" altLang="en-US" dirty="0"/>
+          </a:p>
+        </p:txBody>
+      </p:sp>
+      <p:sp>
+        <p:nvSpPr>
+          <p:cNvPr id="9" name="TextBox 8"/>
+          <p:cNvSpPr txBox="1"/>
+          <p:nvPr/>
+        </p:nvSpPr>
+        <p:spPr>
+          <a:xfrm>
+            <a:off x="4442304" y="5729544"/>
+            <a:ext cx="1180131" cy="369332"/>
+          </a:xfrm>
+          <a:prstGeom prst="rect">
+            <a:avLst/>
+          </a:prstGeom>
+          <a:noFill/>
+        </p:spPr>
+        <p:txBody>
+          <a:bodyPr wrap="none" rtlCol="0">
+            <a:spAutoFit/>
+          </a:bodyPr>
+          <a:lstStyle/>
+          <a:p>
+            <a:r>
+              <a:rPr lang="ko-KR" altLang="en-US" dirty="0" smtClean="0"/>
+              <a:t>주방 중문</a:t>
+            </a:r>
+            <a:endParaRPr lang="ko-KR" altLang="en-US" dirty="0"/>
+          </a:p>
+        </p:txBody>
+      </p:sp>
+    </p:spTree>
+    <p:extLst>
+      <p:ext uri="{BB962C8B-B14F-4D97-AF65-F5344CB8AC3E}">
+        <p14:creationId xmlns:p14="http://schemas.microsoft.com/office/powerpoint/2010/main" val="3974401632"/>
+      </p:ext>
+    </p:extLst>
+  </p:cSld>
+  <p:clrMapOvr>
+    <a:masterClrMapping/>
+  </p:clrMapOvr>
+</p:sld>
+</file>
+
+<file path=ppt/slides/slide8.xml><?xml version="1.0" encoding="utf-8"?>
+<p:sld xmlns:a="http://schemas.openxmlformats.org/drawingml/2006/main" xmlns:r="http://schemas.openxmlformats.org/officeDocument/2006/relationships" xmlns:p="http://schemas.openxmlformats.org/presentationml/2006/main">
+  <p:cSld>
+    <p:spTree>
+      <p:nvGrpSpPr>
+        <p:cNvPr id="1" name=""/>
+        <p:cNvGrpSpPr/>
+        <p:nvPr/>
+      </p:nvGrpSpPr>
+      <p:grpSpPr>
+        <a:xfrm>
+          <a:off x="0" y="0"/>
+          <a:ext cx="0" cy="0"/>
+          <a:chOff x="0" y="0"/>
+          <a:chExt cx="0" cy="0"/>
+        </a:xfrm>
+      </p:grpSpPr>
+      <p:pic>
+        <p:nvPicPr>
+          <p:cNvPr id="2050" name="Picture 2" descr="https://t1.daumcdn.net/cfile/blog/2213913352DE099A05"/>
+          <p:cNvPicPr>
+            <a:picLocks noChangeAspect="1" noChangeArrowheads="1"/>
+          </p:cNvPicPr>
+          <p:nvPr/>
+        </p:nvPicPr>
+        <p:blipFill>
+          <a:blip r:embed="rId2" cstate="print">
+            <a:extLst>
+              <a:ext uri="{28A0092B-C50C-407E-A947-70E740481C1C}">
+                <a14:useLocalDpi xmlns:a14="http://schemas.microsoft.com/office/drawing/2010/main" val="0"/>
+              </a:ext>
+            </a:extLst>
+          </a:blip>
+          <a:srcRect/>
+          <a:stretch>
+            <a:fillRect/>
+          </a:stretch>
+        </p:blipFill>
+        <p:spPr bwMode="auto">
+          <a:xfrm>
+            <a:off x="155575" y="1417991"/>
+            <a:ext cx="2794659" cy="2096734"/>
+          </a:xfrm>
+          <a:prstGeom prst="rect">
+            <a:avLst/>
+          </a:prstGeom>
+          <a:noFill/>
+          <a:extLst>
+            <a:ext uri="{909E8E84-426E-40DD-AFC4-6F175D3DCCD1}">
+              <a14:hiddenFill xmlns:a14="http://schemas.microsoft.com/office/drawing/2010/main">
+                <a:solidFill>
+                  <a:srgbClr val="FFFFFF"/>
+                </a:solidFill>
+              </a14:hiddenFill>
+            </a:ext>
+          </a:extLst>
+        </p:spPr>
+      </p:pic>
+      <p:pic>
+        <p:nvPicPr>
+          <p:cNvPr id="2052" name="Picture 4" descr="https://cdn.imweb.me/upload/S201901065c319c8ba89b8/79081c0bb4a20.png"/>
+          <p:cNvPicPr>
+            <a:picLocks noChangeAspect="1" noChangeArrowheads="1"/>
+          </p:cNvPicPr>
+          <p:nvPr/>
+        </p:nvPicPr>
+        <p:blipFill>
+          <a:blip r:embed="rId3" cstate="print">
+            <a:extLst>
+              <a:ext uri="{28A0092B-C50C-407E-A947-70E740481C1C}">
+                <a14:useLocalDpi xmlns:a14="http://schemas.microsoft.com/office/drawing/2010/main" val="0"/>
+              </a:ext>
+            </a:extLst>
+          </a:blip>
+          <a:srcRect/>
+          <a:stretch>
+            <a:fillRect/>
+          </a:stretch>
+        </p:blipFill>
+        <p:spPr bwMode="auto">
+          <a:xfrm>
+            <a:off x="3407733" y="1417991"/>
+            <a:ext cx="2553119" cy="1702079"/>
+          </a:xfrm>
+          <a:prstGeom prst="rect">
+            <a:avLst/>
+          </a:prstGeom>
+          <a:noFill/>
+          <a:extLst>
+            <a:ext uri="{909E8E84-426E-40DD-AFC4-6F175D3DCCD1}">
+              <a14:hiddenFill xmlns:a14="http://schemas.microsoft.com/office/drawing/2010/main">
+                <a:solidFill>
+                  <a:srgbClr val="FFFFFF"/>
+                </a:solidFill>
+              </a14:hiddenFill>
+            </a:ext>
+          </a:extLst>
+        </p:spPr>
+      </p:pic>
+      <p:pic>
+        <p:nvPicPr>
+          <p:cNvPr id="2054" name="Picture 6" descr="https://cdn.imweb.me/upload/S201901065c319c8ba89b8/3a9a19e21f972.jpg"/>
+          <p:cNvPicPr>
+            <a:picLocks noChangeAspect="1" noChangeArrowheads="1"/>
+          </p:cNvPicPr>
+          <p:nvPr/>
+        </p:nvPicPr>
+        <p:blipFill>
+          <a:blip r:embed="rId4" cstate="print">
+            <a:extLst>
+              <a:ext uri="{28A0092B-C50C-407E-A947-70E740481C1C}">
+                <a14:useLocalDpi xmlns:a14="http://schemas.microsoft.com/office/drawing/2010/main" val="0"/>
+              </a:ext>
+            </a:extLst>
+          </a:blip>
+          <a:srcRect/>
+          <a:stretch>
+            <a:fillRect/>
+          </a:stretch>
+        </p:blipFill>
+        <p:spPr bwMode="auto">
+          <a:xfrm>
+            <a:off x="6125055" y="1417991"/>
+            <a:ext cx="2665263" cy="1775693"/>
+          </a:xfrm>
+          <a:prstGeom prst="rect">
+            <a:avLst/>
+          </a:prstGeom>
+          <a:noFill/>
+          <a:extLst>
+            <a:ext uri="{909E8E84-426E-40DD-AFC4-6F175D3DCCD1}">
+              <a14:hiddenFill xmlns:a14="http://schemas.microsoft.com/office/drawing/2010/main">
+                <a:solidFill>
+                  <a:srgbClr val="FFFFFF"/>
+                </a:solidFill>
+              </a14:hiddenFill>
+            </a:ext>
+          </a:extLst>
+        </p:spPr>
+      </p:pic>
+      <p:pic>
+        <p:nvPicPr>
+          <p:cNvPr id="2056" name="Picture 8" descr="https://cdn.imweb.me/upload/S201901065c319c8ba89b8/bfa86465857e5.jpg"/>
+          <p:cNvPicPr>
+            <a:picLocks noChangeAspect="1" noChangeArrowheads="1"/>
+          </p:cNvPicPr>
+          <p:nvPr/>
+        </p:nvPicPr>
+        <p:blipFill>
+          <a:blip r:embed="rId5" cstate="print">
+            <a:extLst>
+              <a:ext uri="{28A0092B-C50C-407E-A947-70E740481C1C}">
+                <a14:useLocalDpi xmlns:a14="http://schemas.microsoft.com/office/drawing/2010/main" val="0"/>
+              </a:ext>
+            </a:extLst>
+          </a:blip>
+          <a:srcRect/>
+          <a:stretch>
+            <a:fillRect/>
+          </a:stretch>
+        </p:blipFill>
+        <p:spPr bwMode="auto">
+          <a:xfrm>
+            <a:off x="241839" y="3514725"/>
+            <a:ext cx="2251195" cy="1499826"/>
+          </a:xfrm>
+          <a:prstGeom prst="rect">
+            <a:avLst/>
+          </a:prstGeom>
+          <a:noFill/>
+          <a:extLst>
+            <a:ext uri="{909E8E84-426E-40DD-AFC4-6F175D3DCCD1}">
+              <a14:hiddenFill xmlns:a14="http://schemas.microsoft.com/office/drawing/2010/main">
+                <a:solidFill>
+                  <a:srgbClr val="FFFFFF"/>
+                </a:solidFill>
+              </a14:hiddenFill>
+            </a:ext>
+          </a:extLst>
+        </p:spPr>
+      </p:pic>
+      <p:pic>
+        <p:nvPicPr>
+          <p:cNvPr id="2058" name="Picture 10" descr="https://cdn.imweb.me/upload/S201901065c319c8ba89b8/71b3bff00bc00.jpg"/>
+          <p:cNvPicPr>
+            <a:picLocks noChangeAspect="1" noChangeArrowheads="1"/>
+          </p:cNvPicPr>
+          <p:nvPr/>
+        </p:nvPicPr>
+        <p:blipFill>
+          <a:blip r:embed="rId6" cstate="print">
+            <a:extLst>
+              <a:ext uri="{28A0092B-C50C-407E-A947-70E740481C1C}">
+                <a14:useLocalDpi xmlns:a14="http://schemas.microsoft.com/office/drawing/2010/main" val="0"/>
+              </a:ext>
+            </a:extLst>
+          </a:blip>
+          <a:srcRect/>
+          <a:stretch>
+            <a:fillRect/>
+          </a:stretch>
+        </p:blipFill>
+        <p:spPr bwMode="auto">
+          <a:xfrm>
+            <a:off x="2743499" y="3514725"/>
+            <a:ext cx="2337459" cy="1558306"/>
+          </a:xfrm>
+          <a:prstGeom prst="rect">
+            <a:avLst/>
+          </a:prstGeom>
+          <a:noFill/>
+          <a:extLst>
+            <a:ext uri="{909E8E84-426E-40DD-AFC4-6F175D3DCCD1}">
+              <a14:hiddenFill xmlns:a14="http://schemas.microsoft.com/office/drawing/2010/main">
+                <a:solidFill>
+                  <a:srgbClr val="FFFFFF"/>
+                </a:solidFill>
+              </a14:hiddenFill>
+            </a:ext>
+          </a:extLst>
+        </p:spPr>
+      </p:pic>
+      <p:pic>
+        <p:nvPicPr>
+          <p:cNvPr id="2060" name="Picture 12" descr="https://cdn.imweb.me/upload/S201901065c319c8ba89b8/4f3c03c5ecb2c.jpg"/>
+          <p:cNvPicPr>
+            <a:picLocks noChangeAspect="1" noChangeArrowheads="1"/>
+          </p:cNvPicPr>
+          <p:nvPr/>
+        </p:nvPicPr>
+        <p:blipFill>
+          <a:blip r:embed="rId7" cstate="print">
+            <a:extLst>
+              <a:ext uri="{28A0092B-C50C-407E-A947-70E740481C1C}">
+                <a14:useLocalDpi xmlns:a14="http://schemas.microsoft.com/office/drawing/2010/main" val="0"/>
+              </a:ext>
+            </a:extLst>
+          </a:blip>
+          <a:srcRect/>
+          <a:stretch>
+            <a:fillRect/>
+          </a:stretch>
+        </p:blipFill>
+        <p:spPr bwMode="auto">
+          <a:xfrm>
+            <a:off x="5331423" y="3515733"/>
+            <a:ext cx="2337459" cy="1557298"/>
+          </a:xfrm>
+          <a:prstGeom prst="rect">
+            <a:avLst/>
+          </a:prstGeom>
+          <a:noFill/>
+          <a:extLst>
+            <a:ext uri="{909E8E84-426E-40DD-AFC4-6F175D3DCCD1}">
+              <a14:hiddenFill xmlns:a14="http://schemas.microsoft.com/office/drawing/2010/main">
+                <a:solidFill>
+                  <a:srgbClr val="FFFFFF"/>
+                </a:solidFill>
+              </a14:hiddenFill>
+            </a:ext>
+          </a:extLst>
+        </p:spPr>
+      </p:pic>
+      <p:pic>
+        <p:nvPicPr>
+          <p:cNvPr id="2062" name="Picture 14" descr="https://cdn.imweb.me/upload/S201901065c319c8ba89b8/4d9920fbc4182.jpg"/>
+          <p:cNvPicPr>
+            <a:picLocks noChangeAspect="1" noChangeArrowheads="1"/>
+          </p:cNvPicPr>
+          <p:nvPr/>
+        </p:nvPicPr>
+        <p:blipFill>
+          <a:blip r:embed="rId8">
+            <a:extLst>
+              <a:ext uri="{28A0092B-C50C-407E-A947-70E740481C1C}">
+                <a14:useLocalDpi xmlns:a14="http://schemas.microsoft.com/office/drawing/2010/main" val="0"/>
+              </a:ext>
+            </a:extLst>
+          </a:blip>
+          <a:srcRect/>
+          <a:stretch>
+            <a:fillRect/>
+          </a:stretch>
+        </p:blipFill>
+        <p:spPr bwMode="auto">
+          <a:xfrm>
+            <a:off x="5391809" y="4720804"/>
+            <a:ext cx="3252158" cy="1809092"/>
+          </a:xfrm>
+          <a:prstGeom prst="rect">
+            <a:avLst/>
+          </a:prstGeom>
+          <a:noFill/>
+          <a:extLst>
+            <a:ext uri="{909E8E84-426E-40DD-AFC4-6F175D3DCCD1}">
+              <a14:hiddenFill xmlns:a14="http://schemas.microsoft.com/office/drawing/2010/main">
+                <a:solidFill>
+                  <a:srgbClr val="FFFFFF"/>
+                </a:solidFill>
+              </a14:hiddenFill>
+            </a:ext>
+          </a:extLst>
+        </p:spPr>
+      </p:pic>
+    </p:spTree>
+    <p:extLst>
+      <p:ext uri="{BB962C8B-B14F-4D97-AF65-F5344CB8AC3E}">
+        <p14:creationId xmlns:p14="http://schemas.microsoft.com/office/powerpoint/2010/main" val="3768317783"/>
       </p:ext>
     </p:extLst>
   </p:cSld>

--- a/100_컨셉 디자인/K220123_인테리어 컨셉 디자인 요청 사항 v0.8.pptx
+++ b/100_컨셉 디자인/K220123_인테리어 컨셉 디자인 요청 사항 v0.8.pptx
@@ -19181,6 +19181,59 @@
           </a:p>
         </p:txBody>
       </p:sp>
+      <p:sp>
+        <p:nvSpPr>
+          <p:cNvPr id="19" name="TextBox 18"/>
+          <p:cNvSpPr txBox="1"/>
+          <p:nvPr/>
+        </p:nvSpPr>
+        <p:spPr>
+          <a:xfrm>
+            <a:off x="7341079" y="3257264"/>
+            <a:ext cx="1640193" cy="923330"/>
+          </a:xfrm>
+          <a:prstGeom prst="rect">
+            <a:avLst/>
+          </a:prstGeom>
+          <a:noFill/>
+        </p:spPr>
+        <p:txBody>
+          <a:bodyPr wrap="none" rtlCol="0">
+            <a:spAutoFit/>
+          </a:bodyPr>
+          <a:lstStyle/>
+          <a:p>
+            <a:r>
+              <a:rPr lang="ko-KR" altLang="en-US" dirty="0" err="1" smtClean="0"/>
+              <a:t>기본높이</a:t>
+            </a:r>
+            <a:r>
+              <a:rPr lang="en-US" altLang="ko-KR" dirty="0" smtClean="0"/>
+              <a:t>:2.52</a:t>
+            </a:r>
+          </a:p>
+          <a:p>
+            <a:r>
+              <a:rPr lang="ko-KR" altLang="en-US" dirty="0" err="1" smtClean="0"/>
+              <a:t>최고높이</a:t>
+            </a:r>
+            <a:r>
+              <a:rPr lang="en-US" altLang="ko-KR" dirty="0" smtClean="0"/>
+              <a:t>:2.78</a:t>
+            </a:r>
+          </a:p>
+          <a:p>
+            <a:r>
+              <a:rPr lang="ko-KR" altLang="en-US" dirty="0" err="1" smtClean="0"/>
+              <a:t>최고높이</a:t>
+            </a:r>
+            <a:r>
+              <a:rPr lang="en-US" altLang="ko-KR" dirty="0" smtClean="0"/>
+              <a:t>:3.04</a:t>
+            </a:r>
+          </a:p>
+        </p:txBody>
+      </p:sp>
     </p:spTree>
     <p:extLst>
       <p:ext uri="{BB962C8B-B14F-4D97-AF65-F5344CB8AC3E}">
@@ -19380,11 +19433,7 @@
             </a:r>
             <a:r>
               <a:rPr lang="ko-KR" altLang="en-US" sz="1600" dirty="0" smtClean="0"/>
-              <a:t>가족 식사 및 </a:t>
-            </a:r>
-            <a:r>
-              <a:rPr lang="ko-KR" altLang="en-US" sz="1600" dirty="0" smtClean="0"/>
-              <a:t>휴식</a:t>
+              <a:t>가족 식사 및 휴식</a:t>
             </a:r>
             <a:endParaRPr lang="en-US" altLang="ko-KR" sz="1600" dirty="0" smtClean="0"/>
           </a:p>

--- a/100_컨셉 디자인/K220123_인테리어 컨셉 디자인 요청 사항 v0.8.pptx
+++ b/100_컨셉 디자인/K220123_인테리어 컨셉 디자인 요청 사항 v0.8.pptx
@@ -8,11 +8,11 @@
     <p:sldId id="256" r:id="rId2"/>
     <p:sldId id="258" r:id="rId3"/>
     <p:sldId id="259" r:id="rId4"/>
-    <p:sldId id="260" r:id="rId5"/>
-    <p:sldId id="262" r:id="rId6"/>
-    <p:sldId id="263" r:id="rId7"/>
-    <p:sldId id="264" r:id="rId8"/>
-    <p:sldId id="265" r:id="rId9"/>
+    <p:sldId id="265" r:id="rId5"/>
+    <p:sldId id="260" r:id="rId6"/>
+    <p:sldId id="262" r:id="rId7"/>
+    <p:sldId id="263" r:id="rId8"/>
+    <p:sldId id="264" r:id="rId9"/>
   </p:sldIdLst>
   <p:sldSz cx="9144000" cy="6858000" type="screen4x3"/>
   <p:notesSz cx="6858000" cy="9144000"/>
@@ -17793,6 +17793,51 @@
           </a:p>
         </p:txBody>
       </p:sp>
+      <p:sp>
+        <p:nvSpPr>
+          <p:cNvPr id="4" name="직사각형 3"/>
+          <p:cNvSpPr/>
+          <p:nvPr/>
+        </p:nvSpPr>
+        <p:spPr>
+          <a:xfrm>
+            <a:off x="5848350" y="3683479"/>
+            <a:ext cx="1087288" cy="638355"/>
+          </a:xfrm>
+          <a:prstGeom prst="rect">
+            <a:avLst/>
+          </a:prstGeom>
+          <a:solidFill>
+            <a:srgbClr val="FFFF00">
+              <a:alpha val="50196"/>
+            </a:srgbClr>
+          </a:solidFill>
+        </p:spPr>
+        <p:style>
+          <a:lnRef idx="2">
+            <a:schemeClr val="accent1">
+              <a:shade val="50000"/>
+            </a:schemeClr>
+          </a:lnRef>
+          <a:fillRef idx="1">
+            <a:schemeClr val="accent1"/>
+          </a:fillRef>
+          <a:effectRef idx="0">
+            <a:schemeClr val="accent1"/>
+          </a:effectRef>
+          <a:fontRef idx="minor">
+            <a:schemeClr val="lt1"/>
+          </a:fontRef>
+        </p:style>
+        <p:txBody>
+          <a:bodyPr rtlCol="0" anchor="ctr"/>
+          <a:lstStyle/>
+          <a:p>
+            <a:pPr algn="ctr"/>
+            <a:endParaRPr lang="ko-KR" altLang="en-US"/>
+          </a:p>
+        </p:txBody>
+      </p:sp>
     </p:spTree>
     <p:extLst>
       <p:ext uri="{BB962C8B-B14F-4D97-AF65-F5344CB8AC3E}">
@@ -17823,6 +17868,51 @@
           <a:chExt cx="0" cy="0"/>
         </a:xfrm>
       </p:grpSpPr>
+      <p:sp>
+        <p:nvSpPr>
+          <p:cNvPr id="20" name="직사각형 19"/>
+          <p:cNvSpPr/>
+          <p:nvPr/>
+        </p:nvSpPr>
+        <p:spPr>
+          <a:xfrm>
+            <a:off x="5848350" y="3683479"/>
+            <a:ext cx="1087288" cy="638355"/>
+          </a:xfrm>
+          <a:prstGeom prst="rect">
+            <a:avLst/>
+          </a:prstGeom>
+          <a:solidFill>
+            <a:srgbClr val="FFFF00">
+              <a:alpha val="50196"/>
+            </a:srgbClr>
+          </a:solidFill>
+        </p:spPr>
+        <p:style>
+          <a:lnRef idx="2">
+            <a:schemeClr val="accent1">
+              <a:shade val="50000"/>
+            </a:schemeClr>
+          </a:lnRef>
+          <a:fillRef idx="1">
+            <a:schemeClr val="accent1"/>
+          </a:fillRef>
+          <a:effectRef idx="0">
+            <a:schemeClr val="accent1"/>
+          </a:effectRef>
+          <a:fontRef idx="minor">
+            <a:schemeClr val="lt1"/>
+          </a:fontRef>
+        </p:style>
+        <p:txBody>
+          <a:bodyPr rtlCol="0" anchor="ctr"/>
+          <a:lstStyle/>
+          <a:p>
+            <a:pPr algn="ctr"/>
+            <a:endParaRPr lang="ko-KR" altLang="en-US"/>
+          </a:p>
+        </p:txBody>
+      </p:sp>
       <p:sp>
         <p:nvSpPr>
           <p:cNvPr id="2" name="자유형 1"/>
@@ -18469,7 +18559,7 @@
         </p:nvSpPr>
         <p:spPr>
           <a:xfrm rot="16200000">
-            <a:off x="5884071" y="3844551"/>
+            <a:off x="5875445" y="3810047"/>
             <a:ext cx="551283" cy="425030"/>
           </a:xfrm>
           <a:prstGeom prst="roundRect">
@@ -19266,6 +19356,57 @@
       </p:grpSpPr>
       <p:sp>
         <p:nvSpPr>
+          <p:cNvPr id="30" name="직사각형 29"/>
+          <p:cNvSpPr/>
+          <p:nvPr/>
+        </p:nvSpPr>
+        <p:spPr>
+          <a:xfrm rot="2716232">
+            <a:off x="1277920" y="3048883"/>
+            <a:ext cx="669376" cy="232913"/>
+          </a:xfrm>
+          <a:prstGeom prst="rect">
+            <a:avLst/>
+          </a:prstGeom>
+          <a:solidFill>
+            <a:schemeClr val="accent3">
+              <a:lumMod val="20000"/>
+              <a:lumOff val="80000"/>
+            </a:schemeClr>
+          </a:solidFill>
+          <a:ln w="3175"/>
+        </p:spPr>
+        <p:style>
+          <a:lnRef idx="2">
+            <a:schemeClr val="accent1">
+              <a:shade val="50000"/>
+            </a:schemeClr>
+          </a:lnRef>
+          <a:fillRef idx="1">
+            <a:schemeClr val="accent1"/>
+          </a:fillRef>
+          <a:effectRef idx="0">
+            <a:schemeClr val="accent1"/>
+          </a:effectRef>
+          <a:fontRef idx="minor">
+            <a:schemeClr val="lt1"/>
+          </a:fontRef>
+        </p:style>
+        <p:txBody>
+          <a:bodyPr rtlCol="0" anchor="ctr"/>
+          <a:lstStyle/>
+          <a:p>
+            <a:pPr algn="ctr"/>
+            <a:endParaRPr lang="ko-KR" altLang="en-US" sz="800" dirty="0">
+              <a:solidFill>
+                <a:srgbClr val="FF0000"/>
+              </a:solidFill>
+            </a:endParaRPr>
+          </a:p>
+        </p:txBody>
+      </p:sp>
+      <p:sp>
+        <p:nvSpPr>
           <p:cNvPr id="5" name="제목 4"/>
           <p:cNvSpPr>
             <a:spLocks noGrp="1"/>
@@ -19281,193 +19422,1152 @@
           <a:p>
             <a:r>
               <a:rPr lang="ko-KR" altLang="en-US" dirty="0" smtClean="0"/>
-              <a:t>컨셉 정리</a:t>
+              <a:t>싱크대</a:t>
             </a:r>
             <a:endParaRPr lang="ko-KR" altLang="en-US" dirty="0"/>
+          </a:p>
+        </p:txBody>
+      </p:sp>
+      <p:cxnSp>
+        <p:nvCxnSpPr>
+          <p:cNvPr id="4" name="직선 연결선 3"/>
+          <p:cNvCxnSpPr/>
+          <p:nvPr/>
+        </p:nvCxnSpPr>
+        <p:spPr>
+          <a:xfrm>
+            <a:off x="1302590" y="2070339"/>
+            <a:ext cx="1656271" cy="0"/>
+          </a:xfrm>
+          <a:prstGeom prst="line">
+            <a:avLst/>
+          </a:prstGeom>
+        </p:spPr>
+        <p:style>
+          <a:lnRef idx="1">
+            <a:schemeClr val="accent1"/>
+          </a:lnRef>
+          <a:fillRef idx="0">
+            <a:schemeClr val="accent1"/>
+          </a:fillRef>
+          <a:effectRef idx="0">
+            <a:schemeClr val="accent1"/>
+          </a:effectRef>
+          <a:fontRef idx="minor">
+            <a:schemeClr val="tx1"/>
+          </a:fontRef>
+        </p:style>
+      </p:cxnSp>
+      <p:cxnSp>
+        <p:nvCxnSpPr>
+          <p:cNvPr id="8" name="직선 연결선 7"/>
+          <p:cNvCxnSpPr/>
+          <p:nvPr/>
+        </p:nvCxnSpPr>
+        <p:spPr>
+          <a:xfrm>
+            <a:off x="1268084" y="2087592"/>
+            <a:ext cx="0" cy="914400"/>
+          </a:xfrm>
+          <a:prstGeom prst="line">
+            <a:avLst/>
+          </a:prstGeom>
+        </p:spPr>
+        <p:style>
+          <a:lnRef idx="1">
+            <a:schemeClr val="accent1"/>
+          </a:lnRef>
+          <a:fillRef idx="0">
+            <a:schemeClr val="accent1"/>
+          </a:fillRef>
+          <a:effectRef idx="0">
+            <a:schemeClr val="accent1"/>
+          </a:effectRef>
+          <a:fontRef idx="minor">
+            <a:schemeClr val="tx1"/>
+          </a:fontRef>
+        </p:style>
+      </p:cxnSp>
+      <p:cxnSp>
+        <p:nvCxnSpPr>
+          <p:cNvPr id="10" name="직선 연결선 9"/>
+          <p:cNvCxnSpPr/>
+          <p:nvPr/>
+        </p:nvCxnSpPr>
+        <p:spPr>
+          <a:xfrm>
+            <a:off x="1268084" y="3001992"/>
+            <a:ext cx="483080" cy="483080"/>
+          </a:xfrm>
+          <a:prstGeom prst="line">
+            <a:avLst/>
+          </a:prstGeom>
+        </p:spPr>
+        <p:style>
+          <a:lnRef idx="1">
+            <a:schemeClr val="accent1"/>
+          </a:lnRef>
+          <a:fillRef idx="0">
+            <a:schemeClr val="accent1"/>
+          </a:fillRef>
+          <a:effectRef idx="0">
+            <a:schemeClr val="accent1"/>
+          </a:effectRef>
+          <a:fontRef idx="minor">
+            <a:schemeClr val="tx1"/>
+          </a:fontRef>
+        </p:style>
+      </p:cxnSp>
+      <p:cxnSp>
+        <p:nvCxnSpPr>
+          <p:cNvPr id="12" name="직선 연결선 11"/>
+          <p:cNvCxnSpPr/>
+          <p:nvPr/>
+        </p:nvCxnSpPr>
+        <p:spPr>
+          <a:xfrm>
+            <a:off x="1751164" y="3476445"/>
+            <a:ext cx="810882" cy="0"/>
+          </a:xfrm>
+          <a:prstGeom prst="line">
+            <a:avLst/>
+          </a:prstGeom>
+        </p:spPr>
+        <p:style>
+          <a:lnRef idx="1">
+            <a:schemeClr val="accent1"/>
+          </a:lnRef>
+          <a:fillRef idx="0">
+            <a:schemeClr val="accent1"/>
+          </a:fillRef>
+          <a:effectRef idx="0">
+            <a:schemeClr val="accent1"/>
+          </a:effectRef>
+          <a:fontRef idx="minor">
+            <a:schemeClr val="tx1"/>
+          </a:fontRef>
+        </p:style>
+      </p:cxnSp>
+      <p:cxnSp>
+        <p:nvCxnSpPr>
+          <p:cNvPr id="16" name="직선 연결선 15"/>
+          <p:cNvCxnSpPr/>
+          <p:nvPr/>
+        </p:nvCxnSpPr>
+        <p:spPr>
+          <a:xfrm flipH="1">
+            <a:off x="3329804" y="3424689"/>
+            <a:ext cx="508958" cy="0"/>
+          </a:xfrm>
+          <a:prstGeom prst="line">
+            <a:avLst/>
+          </a:prstGeom>
+        </p:spPr>
+        <p:style>
+          <a:lnRef idx="1">
+            <a:schemeClr val="accent1"/>
+          </a:lnRef>
+          <a:fillRef idx="0">
+            <a:schemeClr val="accent1"/>
+          </a:fillRef>
+          <a:effectRef idx="0">
+            <a:schemeClr val="accent1"/>
+          </a:effectRef>
+          <a:fontRef idx="minor">
+            <a:schemeClr val="tx1"/>
+          </a:fontRef>
+        </p:style>
+      </p:cxnSp>
+      <p:cxnSp>
+        <p:nvCxnSpPr>
+          <p:cNvPr id="19" name="직선 연결선 18"/>
+          <p:cNvCxnSpPr/>
+          <p:nvPr/>
+        </p:nvCxnSpPr>
+        <p:spPr>
+          <a:xfrm flipV="1">
+            <a:off x="3838762" y="2018583"/>
+            <a:ext cx="0" cy="1406106"/>
+          </a:xfrm>
+          <a:prstGeom prst="line">
+            <a:avLst/>
+          </a:prstGeom>
+        </p:spPr>
+        <p:style>
+          <a:lnRef idx="1">
+            <a:schemeClr val="accent1"/>
+          </a:lnRef>
+          <a:fillRef idx="0">
+            <a:schemeClr val="accent1"/>
+          </a:fillRef>
+          <a:effectRef idx="0">
+            <a:schemeClr val="accent1"/>
+          </a:effectRef>
+          <a:fontRef idx="minor">
+            <a:schemeClr val="tx1"/>
+          </a:fontRef>
+        </p:style>
+      </p:cxnSp>
+      <p:sp>
+        <p:nvSpPr>
+          <p:cNvPr id="20" name="직사각형 19"/>
+          <p:cNvSpPr/>
+          <p:nvPr/>
+        </p:nvSpPr>
+        <p:spPr>
+          <a:xfrm>
+            <a:off x="1302590" y="2527540"/>
+            <a:ext cx="273885" cy="474452"/>
+          </a:xfrm>
+          <a:prstGeom prst="rect">
+            <a:avLst/>
+          </a:prstGeom>
+          <a:solidFill>
+            <a:schemeClr val="accent3">
+              <a:lumMod val="20000"/>
+              <a:lumOff val="80000"/>
+            </a:schemeClr>
+          </a:solidFill>
+          <a:ln w="3175"/>
+        </p:spPr>
+        <p:style>
+          <a:lnRef idx="2">
+            <a:schemeClr val="accent1">
+              <a:shade val="50000"/>
+            </a:schemeClr>
+          </a:lnRef>
+          <a:fillRef idx="1">
+            <a:schemeClr val="accent1"/>
+          </a:fillRef>
+          <a:effectRef idx="0">
+            <a:schemeClr val="accent1"/>
+          </a:effectRef>
+          <a:fontRef idx="minor">
+            <a:schemeClr val="lt1"/>
+          </a:fontRef>
+        </p:style>
+        <p:txBody>
+          <a:bodyPr rtlCol="0" anchor="ctr"/>
+          <a:lstStyle/>
+          <a:p>
+            <a:pPr algn="ctr"/>
+            <a:r>
+              <a:rPr lang="ko-KR" altLang="en-US" sz="800" dirty="0" err="1" smtClean="0">
+                <a:solidFill>
+                  <a:srgbClr val="FF0000"/>
+                </a:solidFill>
+              </a:rPr>
+              <a:t>인덕트</a:t>
+            </a:r>
+            <a:endParaRPr lang="ko-KR" altLang="en-US" sz="800" dirty="0">
+              <a:solidFill>
+                <a:srgbClr val="FF0000"/>
+              </a:solidFill>
+            </a:endParaRPr>
           </a:p>
         </p:txBody>
       </p:sp>
       <p:sp>
         <p:nvSpPr>
-          <p:cNvPr id="6" name="내용 개체 틀 5"/>
-          <p:cNvSpPr>
-            <a:spLocks noGrp="1"/>
-          </p:cNvSpPr>
-          <p:nvPr>
-            <p:ph idx="1"/>
-          </p:nvPr>
+          <p:cNvPr id="21" name="직사각형 20"/>
+          <p:cNvSpPr/>
+          <p:nvPr/>
         </p:nvSpPr>
-        <p:spPr/>
+        <p:spPr>
+          <a:xfrm>
+            <a:off x="2178170" y="2061713"/>
+            <a:ext cx="500333" cy="232913"/>
+          </a:xfrm>
+          <a:prstGeom prst="rect">
+            <a:avLst/>
+          </a:prstGeom>
+          <a:solidFill>
+            <a:schemeClr val="accent3">
+              <a:lumMod val="20000"/>
+              <a:lumOff val="80000"/>
+            </a:schemeClr>
+          </a:solidFill>
+          <a:ln w="3175"/>
+        </p:spPr>
+        <p:style>
+          <a:lnRef idx="2">
+            <a:schemeClr val="accent1">
+              <a:shade val="50000"/>
+            </a:schemeClr>
+          </a:lnRef>
+          <a:fillRef idx="1">
+            <a:schemeClr val="accent1"/>
+          </a:fillRef>
+          <a:effectRef idx="0">
+            <a:schemeClr val="accent1"/>
+          </a:effectRef>
+          <a:fontRef idx="minor">
+            <a:schemeClr val="lt1"/>
+          </a:fontRef>
+        </p:style>
         <p:txBody>
-          <a:bodyPr>
-            <a:normAutofit/>
+          <a:bodyPr rtlCol="0" anchor="ctr"/>
+          <a:lstStyle/>
+          <a:p>
+            <a:pPr algn="ctr"/>
+            <a:r>
+              <a:rPr lang="ko-KR" altLang="en-US" sz="800" dirty="0" smtClean="0">
+                <a:solidFill>
+                  <a:srgbClr val="FF0000"/>
+                </a:solidFill>
+              </a:rPr>
+              <a:t>수전</a:t>
+            </a:r>
+            <a:endParaRPr lang="ko-KR" altLang="en-US" sz="800" dirty="0">
+              <a:solidFill>
+                <a:srgbClr val="FF0000"/>
+              </a:solidFill>
+            </a:endParaRPr>
+          </a:p>
+        </p:txBody>
+      </p:sp>
+      <p:sp>
+        <p:nvSpPr>
+          <p:cNvPr id="24" name="직사각형 23"/>
+          <p:cNvSpPr/>
+          <p:nvPr/>
+        </p:nvSpPr>
+        <p:spPr>
+          <a:xfrm>
+            <a:off x="1298270" y="2061712"/>
+            <a:ext cx="875588" cy="232913"/>
+          </a:xfrm>
+          <a:prstGeom prst="rect">
+            <a:avLst/>
+          </a:prstGeom>
+          <a:solidFill>
+            <a:schemeClr val="accent3">
+              <a:lumMod val="20000"/>
+              <a:lumOff val="80000"/>
+            </a:schemeClr>
+          </a:solidFill>
+          <a:ln w="3175"/>
+        </p:spPr>
+        <p:style>
+          <a:lnRef idx="2">
+            <a:schemeClr val="accent1">
+              <a:shade val="50000"/>
+            </a:schemeClr>
+          </a:lnRef>
+          <a:fillRef idx="1">
+            <a:schemeClr val="accent1"/>
+          </a:fillRef>
+          <a:effectRef idx="0">
+            <a:schemeClr val="accent1"/>
+          </a:effectRef>
+          <a:fontRef idx="minor">
+            <a:schemeClr val="lt1"/>
+          </a:fontRef>
+        </p:style>
+        <p:txBody>
+          <a:bodyPr rtlCol="0" anchor="ctr"/>
+          <a:lstStyle/>
+          <a:p>
+            <a:pPr algn="ctr"/>
+            <a:endParaRPr lang="ko-KR" altLang="en-US" sz="800" dirty="0">
+              <a:solidFill>
+                <a:srgbClr val="FF0000"/>
+              </a:solidFill>
+            </a:endParaRPr>
+          </a:p>
+        </p:txBody>
+      </p:sp>
+      <p:sp>
+        <p:nvSpPr>
+          <p:cNvPr id="25" name="직사각형 24"/>
+          <p:cNvSpPr/>
+          <p:nvPr/>
+        </p:nvSpPr>
+        <p:spPr>
+          <a:xfrm>
+            <a:off x="2672029" y="2061712"/>
+            <a:ext cx="271733" cy="232913"/>
+          </a:xfrm>
+          <a:prstGeom prst="rect">
+            <a:avLst/>
+          </a:prstGeom>
+          <a:solidFill>
+            <a:schemeClr val="accent3">
+              <a:lumMod val="20000"/>
+              <a:lumOff val="80000"/>
+            </a:schemeClr>
+          </a:solidFill>
+          <a:ln w="3175"/>
+        </p:spPr>
+        <p:style>
+          <a:lnRef idx="2">
+            <a:schemeClr val="accent1">
+              <a:shade val="50000"/>
+            </a:schemeClr>
+          </a:lnRef>
+          <a:fillRef idx="1">
+            <a:schemeClr val="accent1"/>
+          </a:fillRef>
+          <a:effectRef idx="0">
+            <a:schemeClr val="accent1"/>
+          </a:effectRef>
+          <a:fontRef idx="minor">
+            <a:schemeClr val="lt1"/>
+          </a:fontRef>
+        </p:style>
+        <p:txBody>
+          <a:bodyPr rtlCol="0" anchor="ctr"/>
+          <a:lstStyle/>
+          <a:p>
+            <a:pPr algn="ctr"/>
+            <a:endParaRPr lang="ko-KR" altLang="en-US" sz="800" dirty="0">
+              <a:solidFill>
+                <a:srgbClr val="FF0000"/>
+              </a:solidFill>
+            </a:endParaRPr>
+          </a:p>
+        </p:txBody>
+      </p:sp>
+      <p:sp>
+        <p:nvSpPr>
+          <p:cNvPr id="26" name="직사각형 25"/>
+          <p:cNvSpPr/>
+          <p:nvPr/>
+        </p:nvSpPr>
+        <p:spPr>
+          <a:xfrm>
+            <a:off x="1304742" y="2303252"/>
+            <a:ext cx="271733" cy="232913"/>
+          </a:xfrm>
+          <a:prstGeom prst="rect">
+            <a:avLst/>
+          </a:prstGeom>
+          <a:solidFill>
+            <a:schemeClr val="accent3">
+              <a:lumMod val="20000"/>
+              <a:lumOff val="80000"/>
+            </a:schemeClr>
+          </a:solidFill>
+          <a:ln w="3175"/>
+        </p:spPr>
+        <p:style>
+          <a:lnRef idx="2">
+            <a:schemeClr val="accent1">
+              <a:shade val="50000"/>
+            </a:schemeClr>
+          </a:lnRef>
+          <a:fillRef idx="1">
+            <a:schemeClr val="accent1"/>
+          </a:fillRef>
+          <a:effectRef idx="0">
+            <a:schemeClr val="accent1"/>
+          </a:effectRef>
+          <a:fontRef idx="minor">
+            <a:schemeClr val="lt1"/>
+          </a:fontRef>
+        </p:style>
+        <p:txBody>
+          <a:bodyPr rtlCol="0" anchor="ctr"/>
+          <a:lstStyle/>
+          <a:p>
+            <a:pPr algn="ctr"/>
+            <a:endParaRPr lang="ko-KR" altLang="en-US" sz="800" dirty="0">
+              <a:solidFill>
+                <a:srgbClr val="FF0000"/>
+              </a:solidFill>
+            </a:endParaRPr>
+          </a:p>
+        </p:txBody>
+      </p:sp>
+      <p:sp>
+        <p:nvSpPr>
+          <p:cNvPr id="27" name="직사각형 26"/>
+          <p:cNvSpPr/>
+          <p:nvPr/>
+        </p:nvSpPr>
+        <p:spPr>
+          <a:xfrm>
+            <a:off x="1751164" y="3234906"/>
+            <a:ext cx="772065" cy="232913"/>
+          </a:xfrm>
+          <a:prstGeom prst="rect">
+            <a:avLst/>
+          </a:prstGeom>
+          <a:solidFill>
+            <a:schemeClr val="accent3">
+              <a:lumMod val="20000"/>
+              <a:lumOff val="80000"/>
+            </a:schemeClr>
+          </a:solidFill>
+          <a:ln w="3175"/>
+        </p:spPr>
+        <p:style>
+          <a:lnRef idx="2">
+            <a:schemeClr val="accent1">
+              <a:shade val="50000"/>
+            </a:schemeClr>
+          </a:lnRef>
+          <a:fillRef idx="1">
+            <a:schemeClr val="accent1"/>
+          </a:fillRef>
+          <a:effectRef idx="0">
+            <a:schemeClr val="accent1"/>
+          </a:effectRef>
+          <a:fontRef idx="minor">
+            <a:schemeClr val="lt1"/>
+          </a:fontRef>
+        </p:style>
+        <p:txBody>
+          <a:bodyPr rtlCol="0" anchor="ctr"/>
+          <a:lstStyle/>
+          <a:p>
+            <a:pPr algn="ctr"/>
+            <a:endParaRPr lang="ko-KR" altLang="en-US" sz="800" dirty="0">
+              <a:solidFill>
+                <a:srgbClr val="FF0000"/>
+              </a:solidFill>
+            </a:endParaRPr>
+          </a:p>
+        </p:txBody>
+      </p:sp>
+      <p:cxnSp>
+        <p:nvCxnSpPr>
+          <p:cNvPr id="29" name="직선 연결선 28"/>
+          <p:cNvCxnSpPr/>
+          <p:nvPr/>
+        </p:nvCxnSpPr>
+        <p:spPr>
+          <a:xfrm>
+            <a:off x="1576475" y="3001992"/>
+            <a:ext cx="269579" cy="232914"/>
+          </a:xfrm>
+          <a:prstGeom prst="line">
+            <a:avLst/>
+          </a:prstGeom>
+        </p:spPr>
+        <p:style>
+          <a:lnRef idx="1">
+            <a:schemeClr val="accent1"/>
+          </a:lnRef>
+          <a:fillRef idx="0">
+            <a:schemeClr val="accent1"/>
+          </a:fillRef>
+          <a:effectRef idx="0">
+            <a:schemeClr val="accent1"/>
+          </a:effectRef>
+          <a:fontRef idx="minor">
+            <a:schemeClr val="tx1"/>
+          </a:fontRef>
+        </p:style>
+      </p:cxnSp>
+      <p:sp>
+        <p:nvSpPr>
+          <p:cNvPr id="31" name="직사각형 30"/>
+          <p:cNvSpPr/>
+          <p:nvPr/>
+        </p:nvSpPr>
+        <p:spPr>
+          <a:xfrm>
+            <a:off x="3437621" y="2769080"/>
+            <a:ext cx="373103" cy="595222"/>
+          </a:xfrm>
+          <a:prstGeom prst="rect">
+            <a:avLst/>
+          </a:prstGeom>
+          <a:solidFill>
+            <a:schemeClr val="accent3">
+              <a:lumMod val="20000"/>
+              <a:lumOff val="80000"/>
+            </a:schemeClr>
+          </a:solidFill>
+          <a:ln w="3175"/>
+        </p:spPr>
+        <p:style>
+          <a:lnRef idx="2">
+            <a:schemeClr val="accent1">
+              <a:shade val="50000"/>
+            </a:schemeClr>
+          </a:lnRef>
+          <a:fillRef idx="1">
+            <a:schemeClr val="accent1"/>
+          </a:fillRef>
+          <a:effectRef idx="0">
+            <a:schemeClr val="accent1"/>
+          </a:effectRef>
+          <a:fontRef idx="minor">
+            <a:schemeClr val="lt1"/>
+          </a:fontRef>
+        </p:style>
+        <p:txBody>
+          <a:bodyPr rtlCol="0" anchor="ctr"/>
+          <a:lstStyle/>
+          <a:p>
+            <a:pPr algn="ctr"/>
+            <a:r>
+              <a:rPr lang="ko-KR" altLang="en-US" sz="800" dirty="0" err="1" smtClean="0">
+                <a:solidFill>
+                  <a:srgbClr val="FF0000"/>
+                </a:solidFill>
+              </a:rPr>
+              <a:t>일반냉</a:t>
+            </a:r>
+            <a:endParaRPr lang="ko-KR" altLang="en-US" sz="800" dirty="0">
+              <a:solidFill>
+                <a:srgbClr val="FF0000"/>
+              </a:solidFill>
+            </a:endParaRPr>
+          </a:p>
+        </p:txBody>
+      </p:sp>
+      <p:sp>
+        <p:nvSpPr>
+          <p:cNvPr id="32" name="직사각형 31"/>
+          <p:cNvSpPr/>
+          <p:nvPr/>
+        </p:nvSpPr>
+        <p:spPr>
+          <a:xfrm>
+            <a:off x="3437621" y="2081902"/>
+            <a:ext cx="373103" cy="595222"/>
+          </a:xfrm>
+          <a:prstGeom prst="rect">
+            <a:avLst/>
+          </a:prstGeom>
+          <a:solidFill>
+            <a:schemeClr val="accent3">
+              <a:lumMod val="20000"/>
+              <a:lumOff val="80000"/>
+            </a:schemeClr>
+          </a:solidFill>
+          <a:ln w="3175"/>
+        </p:spPr>
+        <p:style>
+          <a:lnRef idx="2">
+            <a:schemeClr val="accent1">
+              <a:shade val="50000"/>
+            </a:schemeClr>
+          </a:lnRef>
+          <a:fillRef idx="1">
+            <a:schemeClr val="accent1"/>
+          </a:fillRef>
+          <a:effectRef idx="0">
+            <a:schemeClr val="accent1"/>
+          </a:effectRef>
+          <a:fontRef idx="minor">
+            <a:schemeClr val="lt1"/>
+          </a:fontRef>
+        </p:style>
+        <p:txBody>
+          <a:bodyPr rtlCol="0" anchor="ctr"/>
+          <a:lstStyle/>
+          <a:p>
+            <a:pPr algn="ctr"/>
+            <a:r>
+              <a:rPr lang="ko-KR" altLang="en-US" sz="800" dirty="0" err="1" smtClean="0">
+                <a:solidFill>
+                  <a:srgbClr val="FF0000"/>
+                </a:solidFill>
+              </a:rPr>
+              <a:t>김치냉</a:t>
+            </a:r>
+            <a:endParaRPr lang="ko-KR" altLang="en-US" sz="800" dirty="0">
+              <a:solidFill>
+                <a:srgbClr val="FF0000"/>
+              </a:solidFill>
+            </a:endParaRPr>
+          </a:p>
+        </p:txBody>
+      </p:sp>
+      <p:cxnSp>
+        <p:nvCxnSpPr>
+          <p:cNvPr id="42" name="직선 연결선 41"/>
+          <p:cNvCxnSpPr/>
+          <p:nvPr/>
+        </p:nvCxnSpPr>
+        <p:spPr>
+          <a:xfrm>
+            <a:off x="5180518" y="2125035"/>
+            <a:ext cx="1656271" cy="0"/>
+          </a:xfrm>
+          <a:prstGeom prst="line">
+            <a:avLst/>
+          </a:prstGeom>
+        </p:spPr>
+        <p:style>
+          <a:lnRef idx="1">
+            <a:schemeClr val="accent1"/>
+          </a:lnRef>
+          <a:fillRef idx="0">
+            <a:schemeClr val="accent1"/>
+          </a:fillRef>
+          <a:effectRef idx="0">
+            <a:schemeClr val="accent1"/>
+          </a:effectRef>
+          <a:fontRef idx="minor">
+            <a:schemeClr val="tx1"/>
+          </a:fontRef>
+        </p:style>
+      </p:cxnSp>
+      <p:cxnSp>
+        <p:nvCxnSpPr>
+          <p:cNvPr id="43" name="직선 연결선 42"/>
+          <p:cNvCxnSpPr/>
+          <p:nvPr/>
+        </p:nvCxnSpPr>
+        <p:spPr>
+          <a:xfrm>
+            <a:off x="5146012" y="2142288"/>
+            <a:ext cx="0" cy="914400"/>
+          </a:xfrm>
+          <a:prstGeom prst="line">
+            <a:avLst/>
+          </a:prstGeom>
+        </p:spPr>
+        <p:style>
+          <a:lnRef idx="1">
+            <a:schemeClr val="accent1"/>
+          </a:lnRef>
+          <a:fillRef idx="0">
+            <a:schemeClr val="accent1"/>
+          </a:fillRef>
+          <a:effectRef idx="0">
+            <a:schemeClr val="accent1"/>
+          </a:effectRef>
+          <a:fontRef idx="minor">
+            <a:schemeClr val="tx1"/>
+          </a:fontRef>
+        </p:style>
+      </p:cxnSp>
+      <p:cxnSp>
+        <p:nvCxnSpPr>
+          <p:cNvPr id="46" name="직선 연결선 45"/>
+          <p:cNvCxnSpPr/>
+          <p:nvPr/>
+        </p:nvCxnSpPr>
+        <p:spPr>
+          <a:xfrm flipH="1">
+            <a:off x="7207732" y="3479385"/>
+            <a:ext cx="508958" cy="0"/>
+          </a:xfrm>
+          <a:prstGeom prst="line">
+            <a:avLst/>
+          </a:prstGeom>
+        </p:spPr>
+        <p:style>
+          <a:lnRef idx="1">
+            <a:schemeClr val="accent1"/>
+          </a:lnRef>
+          <a:fillRef idx="0">
+            <a:schemeClr val="accent1"/>
+          </a:fillRef>
+          <a:effectRef idx="0">
+            <a:schemeClr val="accent1"/>
+          </a:effectRef>
+          <a:fontRef idx="minor">
+            <a:schemeClr val="tx1"/>
+          </a:fontRef>
+        </p:style>
+      </p:cxnSp>
+      <p:cxnSp>
+        <p:nvCxnSpPr>
+          <p:cNvPr id="47" name="직선 연결선 46"/>
+          <p:cNvCxnSpPr/>
+          <p:nvPr/>
+        </p:nvCxnSpPr>
+        <p:spPr>
+          <a:xfrm flipV="1">
+            <a:off x="7716690" y="2073279"/>
+            <a:ext cx="0" cy="1406106"/>
+          </a:xfrm>
+          <a:prstGeom prst="line">
+            <a:avLst/>
+          </a:prstGeom>
+        </p:spPr>
+        <p:style>
+          <a:lnRef idx="1">
+            <a:schemeClr val="accent1"/>
+          </a:lnRef>
+          <a:fillRef idx="0">
+            <a:schemeClr val="accent1"/>
+          </a:fillRef>
+          <a:effectRef idx="0">
+            <a:schemeClr val="accent1"/>
+          </a:effectRef>
+          <a:fontRef idx="minor">
+            <a:schemeClr val="tx1"/>
+          </a:fontRef>
+        </p:style>
+      </p:cxnSp>
+      <p:sp>
+        <p:nvSpPr>
+          <p:cNvPr id="48" name="직사각형 47"/>
+          <p:cNvSpPr/>
+          <p:nvPr/>
+        </p:nvSpPr>
+        <p:spPr>
+          <a:xfrm>
+            <a:off x="5180518" y="2582236"/>
+            <a:ext cx="273885" cy="474452"/>
+          </a:xfrm>
+          <a:prstGeom prst="rect">
+            <a:avLst/>
+          </a:prstGeom>
+          <a:solidFill>
+            <a:schemeClr val="accent3">
+              <a:lumMod val="20000"/>
+              <a:lumOff val="80000"/>
+            </a:schemeClr>
+          </a:solidFill>
+          <a:ln w="3175"/>
+        </p:spPr>
+        <p:style>
+          <a:lnRef idx="2">
+            <a:schemeClr val="accent1">
+              <a:shade val="50000"/>
+            </a:schemeClr>
+          </a:lnRef>
+          <a:fillRef idx="1">
+            <a:schemeClr val="accent1"/>
+          </a:fillRef>
+          <a:effectRef idx="0">
+            <a:schemeClr val="accent1"/>
+          </a:effectRef>
+          <a:fontRef idx="minor">
+            <a:schemeClr val="lt1"/>
+          </a:fontRef>
+        </p:style>
+        <p:txBody>
+          <a:bodyPr rtlCol="0" anchor="ctr"/>
+          <a:lstStyle/>
+          <a:p>
+            <a:pPr algn="ctr"/>
+            <a:endParaRPr lang="ko-KR" altLang="en-US" sz="800" dirty="0">
+              <a:solidFill>
+                <a:srgbClr val="FF0000"/>
+              </a:solidFill>
+            </a:endParaRPr>
+          </a:p>
+        </p:txBody>
+      </p:sp>
+      <p:sp>
+        <p:nvSpPr>
+          <p:cNvPr id="49" name="직사각형 48"/>
+          <p:cNvSpPr/>
+          <p:nvPr/>
+        </p:nvSpPr>
+        <p:spPr>
+          <a:xfrm>
+            <a:off x="6056098" y="2116409"/>
+            <a:ext cx="500333" cy="232913"/>
+          </a:xfrm>
+          <a:prstGeom prst="rect">
+            <a:avLst/>
+          </a:prstGeom>
+          <a:solidFill>
+            <a:schemeClr val="accent3">
+              <a:lumMod val="20000"/>
+              <a:lumOff val="80000"/>
+            </a:schemeClr>
+          </a:solidFill>
+          <a:ln w="3175"/>
+        </p:spPr>
+        <p:style>
+          <a:lnRef idx="2">
+            <a:schemeClr val="accent1">
+              <a:shade val="50000"/>
+            </a:schemeClr>
+          </a:lnRef>
+          <a:fillRef idx="1">
+            <a:schemeClr val="accent1"/>
+          </a:fillRef>
+          <a:effectRef idx="0">
+            <a:schemeClr val="accent1"/>
+          </a:effectRef>
+          <a:fontRef idx="minor">
+            <a:schemeClr val="lt1"/>
+          </a:fontRef>
+        </p:style>
+        <p:txBody>
+          <a:bodyPr rtlCol="0" anchor="ctr"/>
+          <a:lstStyle/>
+          <a:p>
+            <a:pPr algn="ctr"/>
+            <a:endParaRPr lang="ko-KR" altLang="en-US" sz="800" dirty="0">
+              <a:solidFill>
+                <a:srgbClr val="FF0000"/>
+              </a:solidFill>
+            </a:endParaRPr>
+          </a:p>
+        </p:txBody>
+      </p:sp>
+      <p:sp>
+        <p:nvSpPr>
+          <p:cNvPr id="50" name="직사각형 49"/>
+          <p:cNvSpPr/>
+          <p:nvPr/>
+        </p:nvSpPr>
+        <p:spPr>
+          <a:xfrm>
+            <a:off x="5176198" y="2116408"/>
+            <a:ext cx="875588" cy="232913"/>
+          </a:xfrm>
+          <a:prstGeom prst="rect">
+            <a:avLst/>
+          </a:prstGeom>
+          <a:solidFill>
+            <a:schemeClr val="accent3">
+              <a:lumMod val="20000"/>
+              <a:lumOff val="80000"/>
+            </a:schemeClr>
+          </a:solidFill>
+          <a:ln w="3175"/>
+        </p:spPr>
+        <p:style>
+          <a:lnRef idx="2">
+            <a:schemeClr val="accent1">
+              <a:shade val="50000"/>
+            </a:schemeClr>
+          </a:lnRef>
+          <a:fillRef idx="1">
+            <a:schemeClr val="accent1"/>
+          </a:fillRef>
+          <a:effectRef idx="0">
+            <a:schemeClr val="accent1"/>
+          </a:effectRef>
+          <a:fontRef idx="minor">
+            <a:schemeClr val="lt1"/>
+          </a:fontRef>
+        </p:style>
+        <p:txBody>
+          <a:bodyPr rtlCol="0" anchor="ctr"/>
+          <a:lstStyle/>
+          <a:p>
+            <a:pPr algn="ctr"/>
+            <a:endParaRPr lang="ko-KR" altLang="en-US" sz="800" dirty="0">
+              <a:solidFill>
+                <a:srgbClr val="FF0000"/>
+              </a:solidFill>
+            </a:endParaRPr>
+          </a:p>
+        </p:txBody>
+      </p:sp>
+      <p:sp>
+        <p:nvSpPr>
+          <p:cNvPr id="51" name="직사각형 50"/>
+          <p:cNvSpPr/>
+          <p:nvPr/>
+        </p:nvSpPr>
+        <p:spPr>
+          <a:xfrm>
+            <a:off x="6549957" y="2116408"/>
+            <a:ext cx="1138694" cy="232913"/>
+          </a:xfrm>
+          <a:prstGeom prst="rect">
+            <a:avLst/>
+          </a:prstGeom>
+          <a:solidFill>
+            <a:schemeClr val="accent3">
+              <a:lumMod val="20000"/>
+              <a:lumOff val="80000"/>
+            </a:schemeClr>
+          </a:solidFill>
+          <a:ln w="3175"/>
+        </p:spPr>
+        <p:style>
+          <a:lnRef idx="2">
+            <a:schemeClr val="accent1">
+              <a:shade val="50000"/>
+            </a:schemeClr>
+          </a:lnRef>
+          <a:fillRef idx="1">
+            <a:schemeClr val="accent1"/>
+          </a:fillRef>
+          <a:effectRef idx="0">
+            <a:schemeClr val="accent1"/>
+          </a:effectRef>
+          <a:fontRef idx="minor">
+            <a:schemeClr val="lt1"/>
+          </a:fontRef>
+        </p:style>
+        <p:txBody>
+          <a:bodyPr rtlCol="0" anchor="ctr"/>
+          <a:lstStyle/>
+          <a:p>
+            <a:pPr algn="ctr"/>
+            <a:endParaRPr lang="ko-KR" altLang="en-US" sz="800" dirty="0">
+              <a:solidFill>
+                <a:srgbClr val="FF0000"/>
+              </a:solidFill>
+            </a:endParaRPr>
+          </a:p>
+        </p:txBody>
+      </p:sp>
+      <p:sp>
+        <p:nvSpPr>
+          <p:cNvPr id="52" name="직사각형 51"/>
+          <p:cNvSpPr/>
+          <p:nvPr/>
+        </p:nvSpPr>
+        <p:spPr>
+          <a:xfrm>
+            <a:off x="5182670" y="2357948"/>
+            <a:ext cx="271733" cy="232913"/>
+          </a:xfrm>
+          <a:prstGeom prst="rect">
+            <a:avLst/>
+          </a:prstGeom>
+          <a:solidFill>
+            <a:schemeClr val="accent3">
+              <a:lumMod val="20000"/>
+              <a:lumOff val="80000"/>
+            </a:schemeClr>
+          </a:solidFill>
+          <a:ln w="3175"/>
+        </p:spPr>
+        <p:style>
+          <a:lnRef idx="2">
+            <a:schemeClr val="accent1">
+              <a:shade val="50000"/>
+            </a:schemeClr>
+          </a:lnRef>
+          <a:fillRef idx="1">
+            <a:schemeClr val="accent1"/>
+          </a:fillRef>
+          <a:effectRef idx="0">
+            <a:schemeClr val="accent1"/>
+          </a:effectRef>
+          <a:fontRef idx="minor">
+            <a:schemeClr val="lt1"/>
+          </a:fontRef>
+        </p:style>
+        <p:txBody>
+          <a:bodyPr rtlCol="0" anchor="ctr"/>
+          <a:lstStyle/>
+          <a:p>
+            <a:pPr algn="ctr"/>
+            <a:endParaRPr lang="ko-KR" altLang="en-US" sz="800" dirty="0">
+              <a:solidFill>
+                <a:srgbClr val="FF0000"/>
+              </a:solidFill>
+            </a:endParaRPr>
+          </a:p>
+        </p:txBody>
+      </p:sp>
+      <p:sp>
+        <p:nvSpPr>
+          <p:cNvPr id="56" name="직사각형 55"/>
+          <p:cNvSpPr/>
+          <p:nvPr/>
+        </p:nvSpPr>
+        <p:spPr>
+          <a:xfrm>
+            <a:off x="7466516" y="2136597"/>
+            <a:ext cx="222136" cy="1342787"/>
+          </a:xfrm>
+          <a:prstGeom prst="rect">
+            <a:avLst/>
+          </a:prstGeom>
+          <a:solidFill>
+            <a:schemeClr val="accent3">
+              <a:lumMod val="20000"/>
+              <a:lumOff val="80000"/>
+            </a:schemeClr>
+          </a:solidFill>
+          <a:ln w="3175"/>
+        </p:spPr>
+        <p:style>
+          <a:lnRef idx="2">
+            <a:schemeClr val="accent1">
+              <a:shade val="50000"/>
+            </a:schemeClr>
+          </a:lnRef>
+          <a:fillRef idx="1">
+            <a:schemeClr val="accent1"/>
+          </a:fillRef>
+          <a:effectRef idx="0">
+            <a:schemeClr val="accent1"/>
+          </a:effectRef>
+          <a:fontRef idx="minor">
+            <a:schemeClr val="lt1"/>
+          </a:fontRef>
+        </p:style>
+        <p:txBody>
+          <a:bodyPr rtlCol="0" anchor="ctr"/>
+          <a:lstStyle/>
+          <a:p>
+            <a:pPr algn="ctr"/>
+            <a:endParaRPr lang="ko-KR" altLang="en-US" sz="800" dirty="0">
+              <a:solidFill>
+                <a:srgbClr val="FF0000"/>
+              </a:solidFill>
+            </a:endParaRPr>
+          </a:p>
+        </p:txBody>
+      </p:sp>
+      <p:sp>
+        <p:nvSpPr>
+          <p:cNvPr id="57" name="TextBox 56"/>
+          <p:cNvSpPr txBox="1"/>
+          <p:nvPr/>
+        </p:nvSpPr>
+        <p:spPr>
+          <a:xfrm>
+            <a:off x="1918840" y="1718260"/>
+            <a:ext cx="1410964" cy="369332"/>
+          </a:xfrm>
+          <a:prstGeom prst="rect">
+            <a:avLst/>
+          </a:prstGeom>
+          <a:noFill/>
+        </p:spPr>
+        <p:txBody>
+          <a:bodyPr wrap="none" rtlCol="0">
+            <a:spAutoFit/>
           </a:bodyPr>
           <a:lstStyle/>
           <a:p>
             <a:r>
-              <a:rPr lang="ko-KR" altLang="en-US" sz="1800" dirty="0" smtClean="0"/>
-              <a:t>범위</a:t>
-            </a:r>
-            <a:r>
-              <a:rPr lang="en-US" altLang="ko-KR" sz="1800" dirty="0" smtClean="0"/>
-              <a:t>: 4</a:t>
-            </a:r>
-            <a:r>
-              <a:rPr lang="ko-KR" altLang="en-US" sz="1800" dirty="0" smtClean="0"/>
-              <a:t>층 거실 및 주방 공간</a:t>
-            </a:r>
-            <a:endParaRPr lang="en-US" altLang="ko-KR" sz="1800" dirty="0" smtClean="0"/>
-          </a:p>
-          <a:p>
-            <a:endParaRPr lang="en-US" altLang="ko-KR" sz="1800" dirty="0" smtClean="0"/>
-          </a:p>
-          <a:p>
-            <a:r>
-              <a:rPr lang="ko-KR" altLang="en-US" sz="1800" dirty="0" smtClean="0"/>
-              <a:t>컨셉</a:t>
-            </a:r>
-            <a:r>
-              <a:rPr lang="en-US" altLang="ko-KR" sz="1800" dirty="0" smtClean="0"/>
-              <a:t>: </a:t>
-            </a:r>
-            <a:r>
-              <a:rPr lang="ko-KR" altLang="en-US" sz="1800" dirty="0" smtClean="0"/>
-              <a:t>심플한 카페 같은 공간</a:t>
-            </a:r>
-            <a:endParaRPr lang="en-US" altLang="ko-KR" sz="1800" dirty="0" smtClean="0"/>
-          </a:p>
-          <a:p>
-            <a:pPr lvl="1"/>
-            <a:r>
-              <a:rPr lang="ko-KR" altLang="en-US" sz="1600" dirty="0" smtClean="0"/>
-              <a:t>가정보다는 상업 공간 느낌</a:t>
-            </a:r>
-            <a:endParaRPr lang="en-US" altLang="ko-KR" sz="1600" dirty="0" smtClean="0"/>
-          </a:p>
-          <a:p>
-            <a:pPr lvl="1"/>
-            <a:r>
-              <a:rPr lang="ko-KR" altLang="en-US" sz="1600" dirty="0" smtClean="0"/>
-              <a:t>회의실</a:t>
-            </a:r>
-            <a:r>
-              <a:rPr lang="en-US" altLang="ko-KR" sz="1600" dirty="0" smtClean="0"/>
-              <a:t>(30%) + </a:t>
-            </a:r>
-            <a:r>
-              <a:rPr lang="ko-KR" altLang="en-US" sz="1600" dirty="0" smtClean="0"/>
-              <a:t>카페</a:t>
-            </a:r>
-            <a:r>
-              <a:rPr lang="en-US" altLang="ko-KR" sz="1600" dirty="0" smtClean="0"/>
-              <a:t>(40%) + </a:t>
-            </a:r>
-            <a:r>
-              <a:rPr lang="ko-KR" altLang="en-US" sz="1600" dirty="0" smtClean="0"/>
-              <a:t>거실</a:t>
-            </a:r>
-            <a:r>
-              <a:rPr lang="en-US" altLang="ko-KR" sz="1600" dirty="0" smtClean="0"/>
-              <a:t>(30%)</a:t>
-            </a:r>
-          </a:p>
-          <a:p>
-            <a:endParaRPr lang="en-US" altLang="ko-KR" sz="1800" dirty="0" smtClean="0"/>
-          </a:p>
-          <a:p>
-            <a:r>
-              <a:rPr lang="ko-KR" altLang="en-US" sz="1800" dirty="0"/>
-              <a:t>용도</a:t>
-            </a:r>
-            <a:r>
-              <a:rPr lang="en-US" altLang="ko-KR" sz="1800" dirty="0"/>
-              <a:t>: </a:t>
-            </a:r>
-            <a:r>
-              <a:rPr lang="ko-KR" altLang="en-US" sz="1800" dirty="0"/>
-              <a:t>회의실 </a:t>
-            </a:r>
-            <a:r>
-              <a:rPr lang="en-US" altLang="ko-KR" sz="1800" dirty="0"/>
-              <a:t>/ </a:t>
-            </a:r>
-            <a:r>
-              <a:rPr lang="ko-KR" altLang="en-US" sz="1800" dirty="0"/>
-              <a:t>휴게실 </a:t>
-            </a:r>
-            <a:r>
-              <a:rPr lang="en-US" altLang="ko-KR" sz="1800" dirty="0"/>
-              <a:t>/ </a:t>
-            </a:r>
-            <a:r>
-              <a:rPr lang="ko-KR" altLang="en-US" sz="1800" dirty="0" smtClean="0"/>
-              <a:t>거실</a:t>
-            </a:r>
-            <a:endParaRPr lang="en-US" altLang="ko-KR" sz="1800" dirty="0" smtClean="0"/>
-          </a:p>
-          <a:p>
-            <a:pPr lvl="1"/>
-            <a:r>
-              <a:rPr lang="ko-KR" altLang="en-US" sz="1600" dirty="0" smtClean="0"/>
-              <a:t>평일 주간 </a:t>
-            </a:r>
-            <a:r>
-              <a:rPr lang="en-US" altLang="ko-KR" sz="1600" dirty="0" smtClean="0"/>
-              <a:t>: 3</a:t>
-            </a:r>
-            <a:r>
-              <a:rPr lang="ko-KR" altLang="en-US" sz="1600" dirty="0" smtClean="0"/>
-              <a:t>층 사무실 직원 회의 및 휴게</a:t>
-            </a:r>
-            <a:endParaRPr lang="en-US" altLang="ko-KR" sz="1600" dirty="0" smtClean="0"/>
-          </a:p>
-          <a:p>
-            <a:pPr lvl="1"/>
-            <a:r>
-              <a:rPr lang="ko-KR" altLang="en-US" sz="1600" dirty="0" smtClean="0"/>
-              <a:t>휴일 및 저녁</a:t>
-            </a:r>
-            <a:r>
-              <a:rPr lang="en-US" altLang="ko-KR" sz="1600" dirty="0" smtClean="0"/>
-              <a:t>: </a:t>
-            </a:r>
-            <a:r>
-              <a:rPr lang="ko-KR" altLang="en-US" sz="1600" dirty="0" smtClean="0"/>
-              <a:t>가족 식사 및 휴식</a:t>
-            </a:r>
-            <a:endParaRPr lang="en-US" altLang="ko-KR" sz="1600" dirty="0" smtClean="0"/>
-          </a:p>
-          <a:p>
-            <a:pPr lvl="1"/>
-            <a:endParaRPr lang="en-US" altLang="ko-KR" sz="1600" dirty="0"/>
-          </a:p>
-          <a:p>
-            <a:r>
-              <a:rPr lang="ko-KR" altLang="en-US" sz="1800" dirty="0"/>
-              <a:t>주방에서는 </a:t>
-            </a:r>
-            <a:r>
-              <a:rPr lang="ko-KR" altLang="en-US" sz="1800" dirty="0" err="1"/>
-              <a:t>조리만</a:t>
-            </a:r>
-            <a:r>
-              <a:rPr lang="ko-KR" altLang="en-US" sz="1800" dirty="0"/>
-              <a:t> 식사는 거실에서</a:t>
-            </a:r>
-            <a:endParaRPr lang="en-US" altLang="ko-KR" sz="1800" dirty="0"/>
-          </a:p>
-          <a:p>
-            <a:endParaRPr lang="en-US" altLang="ko-KR" sz="1800" dirty="0" smtClean="0"/>
-          </a:p>
-          <a:p>
-            <a:endParaRPr lang="ko-KR" altLang="en-US" sz="1800" dirty="0"/>
+              <a:rPr lang="ko-KR" altLang="en-US" dirty="0" smtClean="0"/>
+              <a:t>싱크대 하부</a:t>
+            </a:r>
+            <a:endParaRPr lang="ko-KR" altLang="en-US" dirty="0"/>
+          </a:p>
+        </p:txBody>
+      </p:sp>
+      <p:sp>
+        <p:nvSpPr>
+          <p:cNvPr id="58" name="TextBox 57"/>
+          <p:cNvSpPr txBox="1"/>
+          <p:nvPr/>
+        </p:nvSpPr>
+        <p:spPr>
+          <a:xfrm>
+            <a:off x="5671870" y="1718260"/>
+            <a:ext cx="1410964" cy="369332"/>
+          </a:xfrm>
+          <a:prstGeom prst="rect">
+            <a:avLst/>
+          </a:prstGeom>
+          <a:noFill/>
+        </p:spPr>
+        <p:txBody>
+          <a:bodyPr wrap="none" rtlCol="0">
+            <a:spAutoFit/>
+          </a:bodyPr>
+          <a:lstStyle/>
+          <a:p>
+            <a:r>
+              <a:rPr lang="ko-KR" altLang="en-US" dirty="0" smtClean="0"/>
+              <a:t>싱크대 상부</a:t>
+            </a:r>
+            <a:endParaRPr lang="ko-KR" altLang="en-US" dirty="0"/>
           </a:p>
         </p:txBody>
       </p:sp>
     </p:spTree>
     <p:extLst>
       <p:ext uri="{BB962C8B-B14F-4D97-AF65-F5344CB8AC3E}">
-        <p14:creationId xmlns:p14="http://schemas.microsoft.com/office/powerpoint/2010/main" val="1035860805"/>
+        <p14:creationId xmlns:p14="http://schemas.microsoft.com/office/powerpoint/2010/main" val="4129878046"/>
       </p:ext>
     </p:extLst>
   </p:cSld>
@@ -19511,11 +20611,7 @@
           <a:p>
             <a:r>
               <a:rPr lang="ko-KR" altLang="en-US" dirty="0" smtClean="0"/>
-              <a:t>요청 사항 정리</a:t>
-            </a:r>
-            <a:r>
-              <a:rPr lang="en-US" altLang="ko-KR" dirty="0" smtClean="0"/>
-              <a:t>1</a:t>
+              <a:t>컨셉 정리</a:t>
             </a:r>
             <a:endParaRPr lang="ko-KR" altLang="en-US" dirty="0"/>
           </a:p>
@@ -19540,64 +20636,240 @@
           <a:p>
             <a:r>
               <a:rPr lang="ko-KR" altLang="en-US" sz="1800" dirty="0" smtClean="0"/>
-              <a:t>창호</a:t>
+              <a:t>범위</a:t>
             </a:r>
             <a:r>
               <a:rPr lang="en-US" altLang="ko-KR" sz="1800" dirty="0" smtClean="0"/>
-              <a:t>: 2</a:t>
+              <a:t>: 4</a:t>
             </a:r>
             <a:r>
               <a:rPr lang="ko-KR" altLang="en-US" sz="1800" dirty="0" smtClean="0"/>
-              <a:t>중 </a:t>
+              <a:t>층 </a:t>
+            </a:r>
+            <a:r>
+              <a:rPr lang="ko-KR" altLang="en-US" sz="1800" dirty="0" smtClean="0"/>
+              <a:t>현관</a:t>
+            </a:r>
+            <a:r>
+              <a:rPr lang="en-US" altLang="ko-KR" sz="1800" dirty="0" smtClean="0"/>
+              <a:t>, </a:t>
+            </a:r>
+            <a:r>
+              <a:rPr lang="ko-KR" altLang="en-US" sz="1800" dirty="0" smtClean="0"/>
+              <a:t>거실 </a:t>
+            </a:r>
+            <a:r>
+              <a:rPr lang="ko-KR" altLang="en-US" sz="1800" dirty="0" smtClean="0"/>
+              <a:t>및 주방 공간</a:t>
+            </a:r>
+            <a:endParaRPr lang="en-US" altLang="ko-KR" sz="1800" dirty="0" smtClean="0"/>
+          </a:p>
+          <a:p>
+            <a:endParaRPr lang="en-US" altLang="ko-KR" sz="1800" dirty="0" smtClean="0"/>
+          </a:p>
+          <a:p>
+            <a:r>
+              <a:rPr lang="ko-KR" altLang="en-US" sz="1800" dirty="0" smtClean="0"/>
+              <a:t>컨셉</a:t>
+            </a:r>
+            <a:r>
+              <a:rPr lang="en-US" altLang="ko-KR" sz="1800" dirty="0" smtClean="0"/>
+              <a:t>: </a:t>
+            </a:r>
+            <a:r>
+              <a:rPr lang="ko-KR" altLang="en-US" sz="1800" dirty="0" smtClean="0"/>
+              <a:t>심플한 카페 같은 </a:t>
+            </a:r>
+            <a:r>
+              <a:rPr lang="ko-KR" altLang="en-US" sz="1800" dirty="0" smtClean="0"/>
+              <a:t>공간</a:t>
+            </a:r>
+            <a:r>
+              <a:rPr lang="en-US" altLang="ko-KR" sz="1800" dirty="0" smtClean="0"/>
+              <a:t>(?)</a:t>
+            </a:r>
+            <a:endParaRPr lang="en-US" altLang="ko-KR" sz="1800" dirty="0" smtClean="0"/>
+          </a:p>
+          <a:p>
+            <a:pPr lvl="1"/>
+            <a:r>
+              <a:rPr lang="ko-KR" altLang="en-US" sz="1600" dirty="0" smtClean="0"/>
+              <a:t>가정보다는 상업 공간 느낌</a:t>
+            </a:r>
+            <a:endParaRPr lang="en-US" altLang="ko-KR" sz="1600" dirty="0" smtClean="0"/>
+          </a:p>
+          <a:p>
+            <a:pPr lvl="1"/>
+            <a:r>
+              <a:rPr lang="ko-KR" altLang="en-US" sz="1600" dirty="0" smtClean="0"/>
+              <a:t>카페</a:t>
+            </a:r>
+            <a:r>
+              <a:rPr lang="en-US" altLang="ko-KR" sz="1600" dirty="0" smtClean="0"/>
+              <a:t>(60</a:t>
+            </a:r>
+            <a:r>
+              <a:rPr lang="en-US" altLang="ko-KR" sz="1600" dirty="0" smtClean="0"/>
+              <a:t>%) + </a:t>
+            </a:r>
+            <a:r>
+              <a:rPr lang="ko-KR" altLang="en-US" sz="1600" dirty="0" smtClean="0"/>
+              <a:t>거실</a:t>
+            </a:r>
+            <a:r>
+              <a:rPr lang="en-US" altLang="ko-KR" sz="1600" dirty="0" smtClean="0"/>
+              <a:t>(30%) + </a:t>
+            </a:r>
+            <a:r>
+              <a:rPr lang="ko-KR" altLang="en-US" sz="1600" dirty="0"/>
+              <a:t>회의실</a:t>
+            </a:r>
+            <a:r>
+              <a:rPr lang="en-US" altLang="ko-KR" sz="1600" dirty="0" smtClean="0"/>
+              <a:t>(10%)</a:t>
+            </a:r>
+            <a:endParaRPr lang="en-US" altLang="ko-KR" sz="1600" dirty="0" smtClean="0"/>
+          </a:p>
+          <a:p>
+            <a:endParaRPr lang="en-US" altLang="ko-KR" sz="1800" dirty="0" smtClean="0"/>
+          </a:p>
+          <a:p>
+            <a:r>
+              <a:rPr lang="ko-KR" altLang="en-US" sz="1800" dirty="0"/>
+              <a:t>용도</a:t>
+            </a:r>
+            <a:r>
+              <a:rPr lang="en-US" altLang="ko-KR" sz="1800" dirty="0"/>
+              <a:t>: </a:t>
+            </a:r>
+            <a:r>
+              <a:rPr lang="ko-KR" altLang="en-US" sz="1800" dirty="0" smtClean="0"/>
+              <a:t>휴게실 </a:t>
+            </a:r>
+            <a:r>
+              <a:rPr lang="en-US" altLang="ko-KR" sz="1800" dirty="0"/>
+              <a:t>/ </a:t>
+            </a:r>
+            <a:r>
+              <a:rPr lang="ko-KR" altLang="en-US" sz="1800" dirty="0" smtClean="0"/>
+              <a:t>거실</a:t>
+            </a:r>
+            <a:endParaRPr lang="en-US" altLang="ko-KR" sz="1800" dirty="0" smtClean="0"/>
+          </a:p>
+          <a:p>
+            <a:pPr lvl="1"/>
+            <a:r>
+              <a:rPr lang="ko-KR" altLang="en-US" sz="1600" dirty="0" smtClean="0"/>
+              <a:t>저녁</a:t>
+            </a:r>
+            <a:r>
+              <a:rPr lang="en-US" altLang="ko-KR" sz="1600" dirty="0" smtClean="0"/>
+              <a:t>, </a:t>
+            </a:r>
+            <a:r>
+              <a:rPr lang="ko-KR" altLang="en-US" sz="1600" dirty="0" smtClean="0"/>
+              <a:t>휴일</a:t>
+            </a:r>
+            <a:r>
+              <a:rPr lang="en-US" altLang="ko-KR" sz="1600" dirty="0" smtClean="0"/>
+              <a:t>(</a:t>
+            </a:r>
+            <a:r>
+              <a:rPr lang="ko-KR" altLang="en-US" sz="1600" dirty="0" smtClean="0"/>
+              <a:t>대부분</a:t>
+            </a:r>
+            <a:r>
+              <a:rPr lang="en-US" altLang="ko-KR" sz="1600" dirty="0" smtClean="0"/>
+              <a:t>): </a:t>
+            </a:r>
+            <a:r>
+              <a:rPr lang="ko-KR" altLang="en-US" sz="1600" dirty="0"/>
+              <a:t>가족 식사 및 휴식</a:t>
+            </a:r>
+            <a:endParaRPr lang="en-US" altLang="ko-KR" sz="1600" dirty="0"/>
+          </a:p>
+          <a:p>
+            <a:pPr lvl="1"/>
+            <a:r>
+              <a:rPr lang="ko-KR" altLang="en-US" sz="1600" dirty="0" smtClean="0"/>
+              <a:t>평일 주간</a:t>
+            </a:r>
+            <a:r>
+              <a:rPr lang="en-US" altLang="ko-KR" sz="1600" dirty="0" smtClean="0"/>
+              <a:t>(</a:t>
+            </a:r>
+            <a:r>
+              <a:rPr lang="ko-KR" altLang="en-US" sz="1600" dirty="0" smtClean="0"/>
+              <a:t>가끔</a:t>
+            </a:r>
+            <a:r>
+              <a:rPr lang="en-US" altLang="ko-KR" sz="1600" dirty="0" smtClean="0"/>
+              <a:t>)</a:t>
+            </a:r>
+            <a:r>
+              <a:rPr lang="ko-KR" altLang="en-US" sz="1600" dirty="0" smtClean="0"/>
+              <a:t> </a:t>
+            </a:r>
+            <a:r>
+              <a:rPr lang="en-US" altLang="ko-KR" sz="1600" dirty="0" smtClean="0"/>
+              <a:t>: 3</a:t>
+            </a:r>
+            <a:r>
+              <a:rPr lang="ko-KR" altLang="en-US" sz="1600" dirty="0" smtClean="0"/>
+              <a:t>층 사무실 직원 </a:t>
+            </a:r>
+            <a:r>
+              <a:rPr lang="ko-KR" altLang="en-US" sz="1600" dirty="0" smtClean="0"/>
+              <a:t>회의</a:t>
+            </a:r>
+            <a:endParaRPr lang="en-US" altLang="ko-KR" sz="1600" dirty="0" smtClean="0"/>
+          </a:p>
+          <a:p>
+            <a:pPr lvl="1"/>
+            <a:endParaRPr lang="en-US" altLang="ko-KR" sz="1600" dirty="0"/>
+          </a:p>
+          <a:p>
+            <a:r>
+              <a:rPr lang="ko-KR" altLang="en-US" sz="1800" dirty="0"/>
+              <a:t>주방에서는 </a:t>
+            </a:r>
+            <a:r>
+              <a:rPr lang="ko-KR" altLang="en-US" sz="1800" dirty="0" err="1"/>
+              <a:t>조리만</a:t>
+            </a:r>
+            <a:r>
+              <a:rPr lang="ko-KR" altLang="en-US" sz="1800" dirty="0"/>
+              <a:t> 식사는 </a:t>
+            </a:r>
+            <a:r>
+              <a:rPr lang="ko-KR" altLang="en-US" sz="1800" dirty="0" smtClean="0"/>
+              <a:t>거실에서</a:t>
+            </a:r>
+            <a:endParaRPr lang="en-US" altLang="ko-KR" sz="1800" dirty="0" smtClean="0"/>
+          </a:p>
+          <a:p>
+            <a:r>
+              <a:rPr lang="ko-KR" altLang="en-US" sz="1800" dirty="0" smtClean="0"/>
+              <a:t>주 포인트는 거실 천정</a:t>
+            </a:r>
+            <a:r>
+              <a:rPr lang="en-US" altLang="ko-KR" sz="1800" dirty="0" smtClean="0"/>
+              <a:t>, </a:t>
+            </a:r>
+            <a:r>
+              <a:rPr lang="ko-KR" altLang="en-US" sz="1800" dirty="0" smtClean="0"/>
+              <a:t>나머지는 최대한 </a:t>
             </a:r>
             <a:r>
               <a:rPr lang="ko-KR" altLang="en-US" sz="1800" dirty="0" err="1" smtClean="0"/>
-              <a:t>샤시로</a:t>
-            </a:r>
-            <a:r>
-              <a:rPr lang="ko-KR" altLang="en-US" sz="1800" dirty="0" smtClean="0"/>
-              <a:t> 교체 예정</a:t>
+              <a:t>심플</a:t>
             </a:r>
             <a:endParaRPr lang="en-US" altLang="ko-KR" sz="1800" dirty="0" smtClean="0"/>
           </a:p>
           <a:p>
-            <a:endParaRPr lang="en-US" altLang="ko-KR" sz="1800" dirty="0" smtClean="0"/>
-          </a:p>
-          <a:p>
-            <a:r>
-              <a:rPr lang="ko-KR" altLang="en-US" sz="1800" dirty="0" smtClean="0"/>
-              <a:t>벽면</a:t>
-            </a:r>
-            <a:r>
-              <a:rPr lang="en-US" altLang="ko-KR" sz="1800" dirty="0" smtClean="0"/>
-              <a:t>A: TV(+</a:t>
-            </a:r>
-            <a:r>
-              <a:rPr lang="ko-KR" altLang="en-US" sz="1800" dirty="0" smtClean="0"/>
-              <a:t>컴퓨터</a:t>
-            </a:r>
-            <a:r>
-              <a:rPr lang="en-US" altLang="ko-KR" sz="1800" dirty="0" smtClean="0"/>
-              <a:t>) + </a:t>
-            </a:r>
-            <a:r>
-              <a:rPr lang="ko-KR" altLang="en-US" sz="1800" dirty="0" err="1" smtClean="0"/>
-              <a:t>월패드</a:t>
-            </a:r>
-            <a:endParaRPr lang="en-US" altLang="ko-KR" sz="1800" dirty="0" smtClean="0"/>
-          </a:p>
-          <a:p>
-            <a:r>
-              <a:rPr lang="ko-KR" altLang="en-US" sz="1800" dirty="0" smtClean="0"/>
-              <a:t>벽면</a:t>
-            </a:r>
-            <a:r>
-              <a:rPr lang="en-US" altLang="ko-KR" sz="1800" dirty="0"/>
-              <a:t>D: </a:t>
-            </a:r>
             <a:r>
               <a:rPr lang="ko-KR" altLang="en-US" sz="1800" dirty="0"/>
-              <a:t>중문</a:t>
+              <a:t>돌출 조명 자제</a:t>
             </a:r>
             <a:r>
               <a:rPr lang="en-US" altLang="ko-KR" sz="1800" dirty="0"/>
@@ -19605,64 +20877,76 @@
             </a:r>
             <a:r>
               <a:rPr lang="ko-KR" altLang="en-US" sz="1800" dirty="0"/>
-              <a:t>현재 없음</a:t>
+              <a:t>매립 조립 </a:t>
+            </a:r>
+            <a:r>
+              <a:rPr lang="ko-KR" altLang="en-US" sz="1800" dirty="0" smtClean="0"/>
+              <a:t>추천</a:t>
+            </a:r>
+            <a:endParaRPr lang="en-US" altLang="ko-KR" sz="1800" dirty="0" smtClean="0"/>
+          </a:p>
+          <a:p>
+            <a:r>
+              <a:rPr lang="ko-KR" altLang="en-US" sz="1800" dirty="0" smtClean="0"/>
+              <a:t>흰색 중심</a:t>
+            </a:r>
+            <a:r>
+              <a:rPr lang="en-US" altLang="ko-KR" sz="1800" dirty="0" smtClean="0"/>
+              <a:t>, </a:t>
+            </a:r>
+            <a:r>
+              <a:rPr lang="ko-KR" altLang="en-US" sz="1800" dirty="0" err="1" smtClean="0"/>
+              <a:t>보조색</a:t>
+            </a:r>
+            <a:r>
+              <a:rPr lang="ko-KR" altLang="en-US" sz="1800" dirty="0" smtClean="0"/>
+              <a:t> </a:t>
+            </a:r>
+            <a:r>
+              <a:rPr lang="en-US" altLang="ko-KR" sz="1800" dirty="0" smtClean="0"/>
+              <a:t>1</a:t>
+            </a:r>
+            <a:r>
+              <a:rPr lang="ko-KR" altLang="en-US" sz="1800" dirty="0" smtClean="0"/>
+              <a:t>개</a:t>
+            </a:r>
+            <a:r>
+              <a:rPr lang="en-US" altLang="ko-KR" sz="1800" dirty="0" smtClean="0"/>
+              <a:t>, </a:t>
+            </a:r>
+            <a:r>
+              <a:rPr lang="ko-KR" altLang="en-US" sz="1800" dirty="0" err="1" smtClean="0"/>
+              <a:t>포인트색</a:t>
+            </a:r>
+            <a:r>
+              <a:rPr lang="ko-KR" altLang="en-US" sz="1800" dirty="0" smtClean="0"/>
+              <a:t> </a:t>
+            </a:r>
+            <a:r>
+              <a:rPr lang="en-US" altLang="ko-KR" sz="1800" dirty="0" smtClean="0"/>
+              <a:t>1</a:t>
+            </a:r>
+            <a:r>
+              <a:rPr lang="ko-KR" altLang="en-US" sz="1800" dirty="0" smtClean="0"/>
+              <a:t>개</a:t>
+            </a:r>
+            <a:r>
+              <a:rPr lang="en-US" altLang="ko-KR" sz="1800" dirty="0" smtClean="0"/>
+              <a:t>, </a:t>
+            </a:r>
+            <a:r>
+              <a:rPr lang="ko-KR" altLang="en-US" sz="1800" dirty="0" err="1" smtClean="0"/>
+              <a:t>망펄</a:t>
+            </a:r>
+            <a:r>
+              <a:rPr lang="ko-KR" altLang="en-US" sz="1800" dirty="0" smtClean="0"/>
+              <a:t> </a:t>
+            </a:r>
+            <a:r>
+              <a:rPr lang="ko-KR" altLang="en-US" sz="1800" dirty="0" smtClean="0"/>
+              <a:t>무늬 자제</a:t>
             </a:r>
             <a:endParaRPr lang="en-US" altLang="ko-KR" sz="1800" dirty="0"/>
-          </a:p>
-          <a:p>
-            <a:pPr lvl="1"/>
-            <a:r>
-              <a:rPr lang="ko-KR" altLang="en-US" sz="1600" dirty="0"/>
-              <a:t>유리 중심 소재로 거실과 주방 </a:t>
-            </a:r>
-            <a:r>
-              <a:rPr lang="ko-KR" altLang="en-US" sz="1600" dirty="0" smtClean="0"/>
-              <a:t>분리</a:t>
-            </a:r>
-            <a:endParaRPr lang="en-US" altLang="ko-KR" sz="1800" dirty="0" smtClean="0"/>
-          </a:p>
-          <a:p>
-            <a:r>
-              <a:rPr lang="ko-KR" altLang="en-US" sz="1800" dirty="0" smtClean="0"/>
-              <a:t>벽면</a:t>
-            </a:r>
-            <a:r>
-              <a:rPr lang="en-US" altLang="ko-KR" sz="1800" dirty="0" smtClean="0"/>
-              <a:t>B,C,E,F</a:t>
-            </a:r>
-            <a:r>
-              <a:rPr lang="en-US" altLang="ko-KR" sz="1800" smtClean="0"/>
-              <a:t>: ?</a:t>
-            </a:r>
-          </a:p>
-          <a:p>
-            <a:endParaRPr lang="en-US" altLang="ko-KR" sz="1800" dirty="0" smtClean="0"/>
-          </a:p>
-          <a:p>
-            <a:r>
-              <a:rPr lang="ko-KR" altLang="en-US" sz="1800" dirty="0" smtClean="0"/>
-              <a:t>창호</a:t>
-            </a:r>
-            <a:r>
-              <a:rPr lang="en-US" altLang="ko-KR" sz="1800" dirty="0" smtClean="0"/>
-              <a:t>/</a:t>
-            </a:r>
-            <a:r>
-              <a:rPr lang="ko-KR" altLang="en-US" sz="1800" dirty="0" smtClean="0"/>
-              <a:t>벽면</a:t>
-            </a:r>
-            <a:r>
-              <a:rPr lang="en-US" altLang="ko-KR" sz="1800" dirty="0" smtClean="0"/>
-              <a:t>A: </a:t>
-            </a:r>
-          </a:p>
-          <a:p>
-            <a:pPr lvl="1"/>
-            <a:r>
-              <a:rPr lang="ko-KR" altLang="en-US" sz="1400" dirty="0" smtClean="0"/>
-              <a:t>스탠드 에어컨 설치 예정으로 참고하세요</a:t>
-            </a:r>
-            <a:endParaRPr lang="en-US" altLang="ko-KR" sz="1400" dirty="0" smtClean="0"/>
           </a:p>
           <a:p>
             <a:endParaRPr lang="en-US" altLang="ko-KR" sz="1800" dirty="0" smtClean="0"/>
@@ -19675,7 +20959,7 @@
     </p:spTree>
     <p:extLst>
       <p:ext uri="{BB962C8B-B14F-4D97-AF65-F5344CB8AC3E}">
-        <p14:creationId xmlns:p14="http://schemas.microsoft.com/office/powerpoint/2010/main" val="123361602"/>
+        <p14:creationId xmlns:p14="http://schemas.microsoft.com/office/powerpoint/2010/main" val="1035860805"/>
       </p:ext>
     </p:extLst>
   </p:cSld>
@@ -19723,7 +21007,7 @@
             </a:r>
             <a:r>
               <a:rPr lang="en-US" altLang="ko-KR" dirty="0" smtClean="0"/>
-              <a:t>2</a:t>
+              <a:t>1</a:t>
             </a:r>
             <a:endParaRPr lang="ko-KR" altLang="en-US" dirty="0"/>
           </a:p>
@@ -19747,204 +21031,143 @@
           <a:lstStyle/>
           <a:p>
             <a:r>
-              <a:rPr lang="ko-KR" altLang="en-US" sz="2000" dirty="0" smtClean="0"/>
-              <a:t>거실 천정</a:t>
-            </a:r>
-            <a:r>
-              <a:rPr lang="en-US" altLang="ko-KR" sz="2000" dirty="0" smtClean="0"/>
-              <a:t>: </a:t>
-            </a:r>
+              <a:rPr lang="ko-KR" altLang="en-US" sz="1800" dirty="0" smtClean="0"/>
+              <a:t>창호</a:t>
+            </a:r>
+            <a:r>
+              <a:rPr lang="en-US" altLang="ko-KR" sz="1800" dirty="0" smtClean="0"/>
+              <a:t>: 2</a:t>
+            </a:r>
+            <a:r>
+              <a:rPr lang="ko-KR" altLang="en-US" sz="1800" dirty="0" smtClean="0"/>
+              <a:t>중 </a:t>
+            </a:r>
+            <a:r>
+              <a:rPr lang="ko-KR" altLang="en-US" sz="1800" dirty="0" err="1" smtClean="0"/>
+              <a:t>샤시로</a:t>
+            </a:r>
+            <a:r>
+              <a:rPr lang="ko-KR" altLang="en-US" sz="1800" dirty="0" smtClean="0"/>
+              <a:t> 교체 예정</a:t>
+            </a:r>
+            <a:endParaRPr lang="en-US" altLang="ko-KR" sz="1800" dirty="0" smtClean="0"/>
+          </a:p>
+          <a:p>
+            <a:endParaRPr lang="en-US" altLang="ko-KR" sz="1800" dirty="0" smtClean="0"/>
+          </a:p>
+          <a:p>
+            <a:r>
+              <a:rPr lang="ko-KR" altLang="en-US" sz="1800" dirty="0" smtClean="0"/>
+              <a:t>벽면</a:t>
+            </a:r>
+            <a:r>
+              <a:rPr lang="en-US" altLang="ko-KR" sz="1800" dirty="0" smtClean="0"/>
+              <a:t>A: TV(+</a:t>
+            </a:r>
+            <a:r>
+              <a:rPr lang="ko-KR" altLang="en-US" sz="1800" dirty="0" smtClean="0"/>
+              <a:t>컴퓨터</a:t>
+            </a:r>
+            <a:r>
+              <a:rPr lang="en-US" altLang="ko-KR" sz="1800" dirty="0" smtClean="0"/>
+              <a:t>) + </a:t>
+            </a:r>
+            <a:r>
+              <a:rPr lang="ko-KR" altLang="en-US" sz="1800" dirty="0" err="1" smtClean="0"/>
+              <a:t>월패드</a:t>
+            </a:r>
+            <a:endParaRPr lang="en-US" altLang="ko-KR" sz="1800" dirty="0" smtClean="0"/>
+          </a:p>
+          <a:p>
+            <a:r>
+              <a:rPr lang="ko-KR" altLang="en-US" sz="1800" dirty="0" smtClean="0"/>
+              <a:t>벽면</a:t>
+            </a:r>
+            <a:r>
+              <a:rPr lang="en-US" altLang="ko-KR" sz="1800" dirty="0"/>
+              <a:t>D: </a:t>
+            </a:r>
+            <a:r>
+              <a:rPr lang="ko-KR" altLang="en-US" sz="1800" dirty="0"/>
+              <a:t>중문</a:t>
+            </a:r>
+            <a:r>
+              <a:rPr lang="en-US" altLang="ko-KR" sz="1800" dirty="0"/>
+              <a:t>, </a:t>
+            </a:r>
+            <a:r>
+              <a:rPr lang="ko-KR" altLang="en-US" sz="1800" dirty="0"/>
+              <a:t>현재 없음</a:t>
+            </a:r>
+            <a:endParaRPr lang="en-US" altLang="ko-KR" sz="1800" dirty="0"/>
           </a:p>
           <a:p>
             <a:pPr lvl="1"/>
             <a:r>
-              <a:rPr lang="ko-KR" altLang="en-US" sz="1400" dirty="0"/>
-              <a:t>기존의 </a:t>
-            </a:r>
-            <a:r>
-              <a:rPr lang="en-US" altLang="ko-KR" sz="1400" dirty="0" smtClean="0"/>
-              <a:t>‘</a:t>
-            </a:r>
-            <a:r>
-              <a:rPr lang="en-US" altLang="ko-KR" sz="1400" dirty="0"/>
-              <a:t>^</a:t>
-            </a:r>
-            <a:r>
-              <a:rPr lang="en-US" altLang="ko-KR" sz="1400" dirty="0" smtClean="0"/>
-              <a:t>’</a:t>
-            </a:r>
+              <a:rPr lang="ko-KR" altLang="en-US" sz="1600" dirty="0"/>
+              <a:t>유리 중심 소재로 거실과 주방 </a:t>
+            </a:r>
+            <a:r>
+              <a:rPr lang="ko-KR" altLang="en-US" sz="1600" dirty="0" smtClean="0"/>
+              <a:t>분리</a:t>
+            </a:r>
+            <a:endParaRPr lang="en-US" altLang="ko-KR" sz="1800" dirty="0" smtClean="0"/>
+          </a:p>
+          <a:p>
+            <a:r>
+              <a:rPr lang="ko-KR" altLang="en-US" sz="1800" dirty="0" smtClean="0"/>
+              <a:t>벽면</a:t>
+            </a:r>
+            <a:r>
+              <a:rPr lang="en-US" altLang="ko-KR" sz="1800" dirty="0" smtClean="0"/>
+              <a:t>B,C,E,F: ?</a:t>
+            </a:r>
+          </a:p>
+          <a:p>
+            <a:endParaRPr lang="en-US" altLang="ko-KR" sz="1800" dirty="0" smtClean="0"/>
+          </a:p>
+          <a:p>
+            <a:r>
+              <a:rPr lang="ko-KR" altLang="en-US" sz="1800" dirty="0" smtClean="0"/>
+              <a:t>창호</a:t>
+            </a:r>
+            <a:r>
+              <a:rPr lang="en-US" altLang="ko-KR" sz="1800" dirty="0" smtClean="0"/>
+              <a:t>/</a:t>
+            </a:r>
+            <a:r>
+              <a:rPr lang="ko-KR" altLang="en-US" sz="1800" dirty="0" smtClean="0"/>
+              <a:t>벽면</a:t>
+            </a:r>
+            <a:r>
+              <a:rPr lang="en-US" altLang="ko-KR" sz="1800" dirty="0" smtClean="0"/>
+              <a:t>A: </a:t>
+            </a:r>
+          </a:p>
+          <a:p>
+            <a:pPr lvl="1"/>
             <a:r>
               <a:rPr lang="ko-KR" altLang="en-US" sz="1400" dirty="0" smtClean="0"/>
-              <a:t>자 메인 구조는 살려서 </a:t>
-            </a:r>
-            <a:r>
-              <a:rPr lang="ko-KR" altLang="en-US" sz="1400" dirty="0"/>
-              <a:t>비용 </a:t>
+              <a:t>스탠드 에어컨 </a:t>
             </a:r>
             <a:r>
               <a:rPr lang="ko-KR" altLang="en-US" sz="1400" dirty="0" smtClean="0"/>
-              <a:t>절감 </a:t>
-            </a:r>
-            <a:r>
-              <a:rPr lang="en-US" altLang="ko-KR" sz="1400" dirty="0" smtClean="0"/>
-              <a:t>(?)</a:t>
-            </a:r>
-          </a:p>
-          <a:p>
-            <a:pPr lvl="1"/>
-            <a:r>
-              <a:rPr lang="ko-KR" altLang="en-US" sz="1400" dirty="0" smtClean="0"/>
-              <a:t>홀 사이에 긴 직사각형 반투명 </a:t>
-            </a:r>
-            <a:r>
-              <a:rPr lang="en-US" altLang="ko-KR" sz="1400" dirty="0" smtClean="0"/>
-              <a:t>LED </a:t>
-            </a:r>
-            <a:r>
-              <a:rPr lang="ko-KR" altLang="en-US" sz="1400" dirty="0" smtClean="0"/>
-              <a:t>장착</a:t>
-            </a:r>
-            <a:r>
-              <a:rPr lang="en-US" altLang="ko-KR" sz="1400" dirty="0" smtClean="0"/>
-              <a:t>, </a:t>
-            </a:r>
-            <a:r>
-              <a:rPr lang="ko-KR" altLang="en-US" sz="1400" dirty="0" smtClean="0"/>
-              <a:t>필요한 부분 포인트 조명</a:t>
+              <a:t> 또는 천정 시스템 에어컨</a:t>
             </a:r>
             <a:endParaRPr lang="en-US" altLang="ko-KR" sz="1400" dirty="0" smtClean="0"/>
           </a:p>
           <a:p>
-            <a:r>
-              <a:rPr lang="ko-KR" altLang="en-US" sz="2000" dirty="0" smtClean="0"/>
-              <a:t>주방 천정</a:t>
-            </a:r>
-            <a:endParaRPr lang="en-US" altLang="ko-KR" sz="2000" dirty="0" smtClean="0"/>
-          </a:p>
-          <a:p>
-            <a:pPr lvl="1"/>
-            <a:r>
-              <a:rPr lang="ko-KR" altLang="en-US" sz="1400" dirty="0" smtClean="0"/>
-              <a:t>기존의 </a:t>
-            </a:r>
-            <a:r>
-              <a:rPr lang="en-US" altLang="ko-KR" sz="1400" dirty="0" smtClean="0"/>
-              <a:t>‘</a:t>
-            </a:r>
-            <a:r>
-              <a:rPr lang="ko-KR" altLang="en-US" sz="1400" dirty="0" err="1" smtClean="0"/>
-              <a:t>ㅁ</a:t>
-            </a:r>
-            <a:r>
-              <a:rPr lang="en-US" altLang="ko-KR" sz="1400" dirty="0" smtClean="0"/>
-              <a:t>’ </a:t>
-            </a:r>
-            <a:r>
-              <a:rPr lang="ko-KR" altLang="en-US" sz="1400" dirty="0" smtClean="0"/>
-              <a:t>메인 구조는 살려서 비용 절감 </a:t>
-            </a:r>
-            <a:r>
-              <a:rPr lang="en-US" altLang="ko-KR" sz="1400" dirty="0" smtClean="0"/>
-              <a:t>(?)</a:t>
-            </a:r>
-          </a:p>
-          <a:p>
-            <a:pPr lvl="1"/>
-            <a:r>
-              <a:rPr lang="en-US" altLang="ko-KR" sz="1400" dirty="0" smtClean="0"/>
-              <a:t>‘</a:t>
-            </a:r>
-            <a:r>
-              <a:rPr lang="ko-KR" altLang="en-US" sz="1400" dirty="0" err="1" smtClean="0"/>
-              <a:t>ㅁ</a:t>
-            </a:r>
-            <a:r>
-              <a:rPr lang="en-US" altLang="ko-KR" sz="1400" dirty="0" smtClean="0"/>
-              <a:t>’ </a:t>
-            </a:r>
-            <a:r>
-              <a:rPr lang="ko-KR" altLang="en-US" sz="1400" dirty="0" smtClean="0"/>
-              <a:t>구조에 숨은 </a:t>
-            </a:r>
-            <a:r>
-              <a:rPr lang="en-US" altLang="ko-KR" sz="1400" dirty="0" smtClean="0"/>
-              <a:t>LED </a:t>
-            </a:r>
-            <a:r>
-              <a:rPr lang="ko-KR" altLang="en-US" sz="1400" dirty="0" smtClean="0"/>
-              <a:t>장작</a:t>
-            </a:r>
-            <a:r>
-              <a:rPr lang="en-US" altLang="ko-KR" sz="1400" dirty="0" smtClean="0"/>
-              <a:t>, </a:t>
-            </a:r>
-            <a:r>
-              <a:rPr lang="ko-KR" altLang="en-US" sz="1400" dirty="0" smtClean="0"/>
-              <a:t>필요한 부분 포인트 조명</a:t>
-            </a:r>
-            <a:endParaRPr lang="en-US" altLang="ko-KR" sz="1400" dirty="0" smtClean="0"/>
-          </a:p>
-          <a:p>
-            <a:pPr lvl="1"/>
-            <a:r>
-              <a:rPr lang="ko-KR" altLang="en-US" sz="1400" dirty="0" smtClean="0"/>
-              <a:t>싱크대 쪽 조리에 필요한 조명</a:t>
-            </a:r>
-            <a:endParaRPr lang="en-US" altLang="ko-KR" sz="1400" dirty="0" smtClean="0"/>
-          </a:p>
-          <a:p>
-            <a:r>
-              <a:rPr lang="ko-KR" altLang="en-US" sz="2000" dirty="0"/>
-              <a:t>주방 배치</a:t>
-            </a:r>
-            <a:endParaRPr lang="en-US" altLang="ko-KR" sz="2000" dirty="0"/>
-          </a:p>
-          <a:p>
-            <a:pPr lvl="1"/>
-            <a:r>
-              <a:rPr lang="ko-KR" altLang="en-US" sz="1400" dirty="0"/>
-              <a:t>김치냉장고</a:t>
-            </a:r>
-            <a:r>
-              <a:rPr lang="en-US" altLang="ko-KR" sz="1400" dirty="0"/>
-              <a:t>, </a:t>
-            </a:r>
-            <a:r>
-              <a:rPr lang="ko-KR" altLang="en-US" sz="1400" dirty="0"/>
-              <a:t>양문형냉장고</a:t>
-            </a:r>
-            <a:r>
-              <a:rPr lang="en-US" altLang="ko-KR" sz="1400" dirty="0"/>
-              <a:t>, </a:t>
-            </a:r>
-            <a:r>
-              <a:rPr lang="ko-KR" altLang="en-US" sz="1400" dirty="0" err="1"/>
-              <a:t>인덕트</a:t>
-            </a:r>
-            <a:r>
-              <a:rPr lang="en-US" altLang="ko-KR" sz="1400" dirty="0"/>
-              <a:t>, </a:t>
-            </a:r>
-            <a:r>
-              <a:rPr lang="ko-KR" altLang="en-US" sz="1400" dirty="0"/>
-              <a:t>전자레인지</a:t>
-            </a:r>
-            <a:r>
-              <a:rPr lang="en-US" altLang="ko-KR" sz="1400" dirty="0"/>
-              <a:t>, </a:t>
-            </a:r>
-            <a:r>
-              <a:rPr lang="ko-KR" altLang="en-US" sz="1400" dirty="0" smtClean="0"/>
-              <a:t>식기세척기</a:t>
-            </a:r>
-            <a:endParaRPr lang="ko-KR" altLang="en-US" sz="1400" dirty="0"/>
+            <a:endParaRPr lang="en-US" altLang="ko-KR" sz="1800" dirty="0" smtClean="0"/>
+          </a:p>
+          <a:p>
+            <a:endParaRPr lang="ko-KR" altLang="en-US" sz="1800" dirty="0"/>
           </a:p>
         </p:txBody>
       </p:sp>
     </p:spTree>
     <p:extLst>
       <p:ext uri="{BB962C8B-B14F-4D97-AF65-F5344CB8AC3E}">
-        <p14:creationId xmlns:p14="http://schemas.microsoft.com/office/powerpoint/2010/main" val="3598567645"/>
+        <p14:creationId xmlns:p14="http://schemas.microsoft.com/office/powerpoint/2010/main" val="123361602"/>
       </p:ext>
     </p:extLst>
   </p:cSld>
@@ -19971,168 +21194,28 @@
           <a:chExt cx="0" cy="0"/>
         </a:xfrm>
       </p:grpSpPr>
-      <p:pic>
-        <p:nvPicPr>
-          <p:cNvPr id="1026" name="Picture 2" descr="https://t1.daumcdn.net/cfile/blog/2715173B52DE09CD30"/>
-          <p:cNvPicPr>
-            <a:picLocks noChangeAspect="1" noChangeArrowheads="1"/>
-          </p:cNvPicPr>
-          <p:nvPr/>
-        </p:nvPicPr>
-        <p:blipFill rotWithShape="1">
-          <a:blip r:embed="rId2" cstate="print">
-            <a:extLst>
-              <a:ext uri="{28A0092B-C50C-407E-A947-70E740481C1C}">
-                <a14:useLocalDpi xmlns:a14="http://schemas.microsoft.com/office/drawing/2010/main" val="0"/>
-              </a:ext>
-            </a:extLst>
-          </a:blip>
-          <a:srcRect/>
-          <a:stretch/>
-        </p:blipFill>
-        <p:spPr bwMode="auto">
-          <a:xfrm>
-            <a:off x="362610" y="440192"/>
-            <a:ext cx="5228878" cy="2475535"/>
-          </a:xfrm>
-          <a:prstGeom prst="rect">
-            <a:avLst/>
-          </a:prstGeom>
-          <a:noFill/>
-          <a:extLst>
-            <a:ext uri="{909E8E84-426E-40DD-AFC4-6F175D3DCCD1}">
-              <a14:hiddenFill xmlns:a14="http://schemas.microsoft.com/office/drawing/2010/main">
-                <a:solidFill>
-                  <a:srgbClr val="FFFFFF"/>
-                </a:solidFill>
-              </a14:hiddenFill>
-            </a:ext>
-          </a:extLst>
-        </p:spPr>
-      </p:pic>
-      <p:pic>
-        <p:nvPicPr>
-          <p:cNvPr id="1028" name="Picture 4" descr="https://t1.daumcdn.net/cfile/blog/2709923952DE09CF31"/>
-          <p:cNvPicPr>
-            <a:picLocks noChangeAspect="1" noChangeArrowheads="1"/>
-          </p:cNvPicPr>
-          <p:nvPr/>
-        </p:nvPicPr>
-        <p:blipFill rotWithShape="1">
-          <a:blip r:embed="rId3" cstate="print">
-            <a:extLst>
-              <a:ext uri="{28A0092B-C50C-407E-A947-70E740481C1C}">
-                <a14:useLocalDpi xmlns:a14="http://schemas.microsoft.com/office/drawing/2010/main" val="0"/>
-              </a:ext>
-            </a:extLst>
-          </a:blip>
-          <a:srcRect/>
-          <a:stretch/>
-        </p:blipFill>
-        <p:spPr bwMode="auto">
-          <a:xfrm>
-            <a:off x="4606804" y="2493034"/>
-            <a:ext cx="4101601" cy="2346385"/>
-          </a:xfrm>
-          <a:prstGeom prst="rect">
-            <a:avLst/>
-          </a:prstGeom>
-          <a:noFill/>
-          <a:extLst>
-            <a:ext uri="{909E8E84-426E-40DD-AFC4-6F175D3DCCD1}">
-              <a14:hiddenFill xmlns:a14="http://schemas.microsoft.com/office/drawing/2010/main">
-                <a:solidFill>
-                  <a:srgbClr val="FFFFFF"/>
-                </a:solidFill>
-              </a14:hiddenFill>
-            </a:ext>
-          </a:extLst>
-        </p:spPr>
-      </p:pic>
-      <p:pic>
-        <p:nvPicPr>
-          <p:cNvPr id="1030" name="Picture 6" descr="https://t1.daumcdn.net/cfile/blog/213FEE3952DE09D115"/>
-          <p:cNvPicPr>
-            <a:picLocks noChangeAspect="1" noChangeArrowheads="1"/>
-          </p:cNvPicPr>
-          <p:nvPr/>
-        </p:nvPicPr>
-        <p:blipFill rotWithShape="1">
-          <a:blip r:embed="rId4" cstate="print">
-            <a:extLst>
-              <a:ext uri="{28A0092B-C50C-407E-A947-70E740481C1C}">
-                <a14:useLocalDpi xmlns:a14="http://schemas.microsoft.com/office/drawing/2010/main" val="0"/>
-              </a:ext>
-            </a:extLst>
-          </a:blip>
-          <a:srcRect/>
-          <a:stretch/>
-        </p:blipFill>
-        <p:spPr bwMode="auto">
-          <a:xfrm>
-            <a:off x="526211" y="4123426"/>
-            <a:ext cx="3916093" cy="1975450"/>
-          </a:xfrm>
-          <a:prstGeom prst="rect">
-            <a:avLst/>
-          </a:prstGeom>
-          <a:noFill/>
-          <a:extLst>
-            <a:ext uri="{909E8E84-426E-40DD-AFC4-6F175D3DCCD1}">
-              <a14:hiddenFill xmlns:a14="http://schemas.microsoft.com/office/drawing/2010/main">
-                <a:solidFill>
-                  <a:srgbClr val="FFFFFF"/>
-                </a:solidFill>
-              </a14:hiddenFill>
-            </a:ext>
-          </a:extLst>
-        </p:spPr>
-      </p:pic>
       <p:sp>
         <p:nvSpPr>
-          <p:cNvPr id="4" name="TextBox 3"/>
-          <p:cNvSpPr txBox="1"/>
-          <p:nvPr/>
+          <p:cNvPr id="5" name="제목 4"/>
+          <p:cNvSpPr>
+            <a:spLocks noGrp="1"/>
+          </p:cNvSpPr>
+          <p:nvPr>
+            <p:ph type="title"/>
+          </p:nvPr>
         </p:nvSpPr>
-        <p:spPr>
-          <a:xfrm>
-            <a:off x="526211" y="3122762"/>
-            <a:ext cx="3219151" cy="369332"/>
-          </a:xfrm>
-          <a:prstGeom prst="rect">
-            <a:avLst/>
-          </a:prstGeom>
-          <a:noFill/>
-        </p:spPr>
+        <p:spPr/>
         <p:txBody>
-          <a:bodyPr wrap="none" rtlCol="0">
-            <a:spAutoFit/>
-          </a:bodyPr>
+          <a:bodyPr/>
           <a:lstStyle/>
           <a:p>
             <a:r>
               <a:rPr lang="ko-KR" altLang="en-US" dirty="0" smtClean="0"/>
-              <a:t>중문</a:t>
+              <a:t>요청 사항 정리</a:t>
             </a:r>
             <a:r>
               <a:rPr lang="en-US" altLang="ko-KR" dirty="0" smtClean="0"/>
-              <a:t>, </a:t>
-            </a:r>
-            <a:r>
-              <a:rPr lang="ko-KR" altLang="en-US" dirty="0" smtClean="0"/>
-              <a:t>벽면</a:t>
-            </a:r>
-            <a:r>
-              <a:rPr lang="en-US" altLang="ko-KR" dirty="0" smtClean="0"/>
-              <a:t>A, </a:t>
-            </a:r>
-            <a:r>
-              <a:rPr lang="ko-KR" altLang="en-US" dirty="0" smtClean="0"/>
-              <a:t>거실 </a:t>
-            </a:r>
-            <a:r>
-              <a:rPr lang="ko-KR" altLang="en-US" dirty="0" err="1" smtClean="0"/>
-              <a:t>테두리조명</a:t>
+              <a:t>2</a:t>
             </a:r>
             <a:endParaRPr lang="ko-KR" altLang="en-US" dirty="0"/>
           </a:p>
@@ -20140,68 +21223,236 @@
       </p:sp>
       <p:sp>
         <p:nvSpPr>
-          <p:cNvPr id="8" name="TextBox 7"/>
-          <p:cNvSpPr txBox="1"/>
-          <p:nvPr/>
+          <p:cNvPr id="6" name="내용 개체 틀 5"/>
+          <p:cNvSpPr>
+            <a:spLocks noGrp="1"/>
+          </p:cNvSpPr>
+          <p:nvPr>
+            <p:ph idx="1"/>
+          </p:nvPr>
         </p:nvSpPr>
-        <p:spPr>
-          <a:xfrm>
-            <a:off x="6247100" y="4839419"/>
-            <a:ext cx="1180131" cy="369332"/>
-          </a:xfrm>
-          <a:prstGeom prst="rect">
-            <a:avLst/>
-          </a:prstGeom>
-          <a:noFill/>
-        </p:spPr>
+        <p:spPr/>
         <p:txBody>
-          <a:bodyPr wrap="none" rtlCol="0">
-            <a:spAutoFit/>
+          <a:bodyPr>
+            <a:normAutofit/>
           </a:bodyPr>
           <a:lstStyle/>
           <a:p>
             <a:r>
-              <a:rPr lang="ko-KR" altLang="en-US" dirty="0" smtClean="0"/>
-              <a:t>주방 조명</a:t>
-            </a:r>
-            <a:endParaRPr lang="ko-KR" altLang="en-US" dirty="0"/>
-          </a:p>
-        </p:txBody>
-      </p:sp>
-      <p:sp>
-        <p:nvSpPr>
-          <p:cNvPr id="9" name="TextBox 8"/>
-          <p:cNvSpPr txBox="1"/>
-          <p:nvPr/>
-        </p:nvSpPr>
-        <p:spPr>
-          <a:xfrm>
-            <a:off x="4442304" y="5729544"/>
-            <a:ext cx="1180131" cy="369332"/>
-          </a:xfrm>
-          <a:prstGeom prst="rect">
-            <a:avLst/>
-          </a:prstGeom>
-          <a:noFill/>
-        </p:spPr>
-        <p:txBody>
-          <a:bodyPr wrap="none" rtlCol="0">
-            <a:spAutoFit/>
-          </a:bodyPr>
-          <a:lstStyle/>
-          <a:p>
-            <a:r>
-              <a:rPr lang="ko-KR" altLang="en-US" dirty="0" smtClean="0"/>
-              <a:t>주방 중문</a:t>
-            </a:r>
-            <a:endParaRPr lang="ko-KR" altLang="en-US" dirty="0"/>
+              <a:rPr lang="ko-KR" altLang="en-US" sz="2000" dirty="0" smtClean="0"/>
+              <a:t>거실 </a:t>
+            </a:r>
+            <a:r>
+              <a:rPr lang="ko-KR" altLang="en-US" sz="2000" dirty="0" smtClean="0"/>
+              <a:t>천정</a:t>
+            </a:r>
+            <a:r>
+              <a:rPr lang="en-US" altLang="ko-KR" sz="2000" dirty="0" smtClean="0"/>
+              <a:t>: </a:t>
+            </a:r>
+          </a:p>
+          <a:p>
+            <a:pPr lvl="1"/>
+            <a:r>
+              <a:rPr lang="ko-KR" altLang="en-US" sz="1400" dirty="0"/>
+              <a:t>기존의 </a:t>
+            </a:r>
+            <a:r>
+              <a:rPr lang="en-US" altLang="ko-KR" sz="1400" dirty="0" smtClean="0"/>
+              <a:t>‘</a:t>
+            </a:r>
+            <a:r>
+              <a:rPr lang="en-US" altLang="ko-KR" sz="1400" dirty="0"/>
+              <a:t>^</a:t>
+            </a:r>
+            <a:r>
+              <a:rPr lang="en-US" altLang="ko-KR" sz="1400" dirty="0" smtClean="0"/>
+              <a:t>’</a:t>
+            </a:r>
+            <a:r>
+              <a:rPr lang="ko-KR" altLang="en-US" sz="1400" dirty="0" smtClean="0"/>
+              <a:t>자 메인 구조는 살려서 </a:t>
+            </a:r>
+            <a:r>
+              <a:rPr lang="ko-KR" altLang="en-US" sz="1400" dirty="0"/>
+              <a:t>비용 </a:t>
+            </a:r>
+            <a:r>
+              <a:rPr lang="ko-KR" altLang="en-US" sz="1400" dirty="0" smtClean="0"/>
+              <a:t>절감 </a:t>
+            </a:r>
+            <a:r>
+              <a:rPr lang="en-US" altLang="ko-KR" sz="1400" dirty="0" smtClean="0"/>
+              <a:t>(?)</a:t>
+            </a:r>
+          </a:p>
+          <a:p>
+            <a:pPr lvl="1"/>
+            <a:r>
+              <a:rPr lang="ko-KR" altLang="en-US" sz="1400" dirty="0" smtClean="0"/>
+              <a:t>홀 사이에 긴 직사각형 반투명 </a:t>
+            </a:r>
+            <a:r>
+              <a:rPr lang="en-US" altLang="ko-KR" sz="1400" dirty="0" smtClean="0"/>
+              <a:t>LED </a:t>
+            </a:r>
+            <a:r>
+              <a:rPr lang="ko-KR" altLang="en-US" sz="1400" dirty="0" smtClean="0"/>
+              <a:t>장착</a:t>
+            </a:r>
+            <a:r>
+              <a:rPr lang="en-US" altLang="ko-KR" sz="1400" dirty="0" smtClean="0"/>
+              <a:t>, </a:t>
+            </a:r>
+            <a:r>
+              <a:rPr lang="ko-KR" altLang="en-US" sz="1400" dirty="0" smtClean="0"/>
+              <a:t>필요한 부분 포인트 조명</a:t>
+            </a:r>
+            <a:endParaRPr lang="en-US" altLang="ko-KR" sz="1400" dirty="0" smtClean="0"/>
+          </a:p>
+          <a:p>
+            <a:r>
+              <a:rPr lang="ko-KR" altLang="en-US" sz="2000" dirty="0" smtClean="0"/>
+              <a:t>주방 천정</a:t>
+            </a:r>
+            <a:endParaRPr lang="en-US" altLang="ko-KR" sz="2000" dirty="0" smtClean="0"/>
+          </a:p>
+          <a:p>
+            <a:pPr lvl="1"/>
+            <a:r>
+              <a:rPr lang="ko-KR" altLang="en-US" sz="1400" dirty="0" smtClean="0"/>
+              <a:t>기존의 </a:t>
+            </a:r>
+            <a:r>
+              <a:rPr lang="en-US" altLang="ko-KR" sz="1400" dirty="0" smtClean="0"/>
+              <a:t>‘</a:t>
+            </a:r>
+            <a:r>
+              <a:rPr lang="ko-KR" altLang="en-US" sz="1400" dirty="0" err="1" smtClean="0"/>
+              <a:t>ㅁ</a:t>
+            </a:r>
+            <a:r>
+              <a:rPr lang="en-US" altLang="ko-KR" sz="1400" dirty="0" smtClean="0"/>
+              <a:t>’ </a:t>
+            </a:r>
+            <a:r>
+              <a:rPr lang="ko-KR" altLang="en-US" sz="1400" dirty="0" smtClean="0"/>
+              <a:t>메인 구조는 살려서 비용 절감 </a:t>
+            </a:r>
+            <a:r>
+              <a:rPr lang="en-US" altLang="ko-KR" sz="1400" dirty="0" smtClean="0"/>
+              <a:t>(?)</a:t>
+            </a:r>
+          </a:p>
+          <a:p>
+            <a:pPr lvl="1"/>
+            <a:r>
+              <a:rPr lang="en-US" altLang="ko-KR" sz="1400" dirty="0" smtClean="0"/>
+              <a:t>‘</a:t>
+            </a:r>
+            <a:r>
+              <a:rPr lang="ko-KR" altLang="en-US" sz="1400" dirty="0" err="1" smtClean="0"/>
+              <a:t>ㅁ</a:t>
+            </a:r>
+            <a:r>
+              <a:rPr lang="en-US" altLang="ko-KR" sz="1400" dirty="0" smtClean="0"/>
+              <a:t>’ </a:t>
+            </a:r>
+            <a:r>
+              <a:rPr lang="ko-KR" altLang="en-US" sz="1400" dirty="0" smtClean="0"/>
+              <a:t>구조에 숨은 </a:t>
+            </a:r>
+            <a:r>
+              <a:rPr lang="en-US" altLang="ko-KR" sz="1400" dirty="0" smtClean="0"/>
+              <a:t>LED </a:t>
+            </a:r>
+            <a:r>
+              <a:rPr lang="ko-KR" altLang="en-US" sz="1400" dirty="0" smtClean="0"/>
+              <a:t>장작</a:t>
+            </a:r>
+            <a:r>
+              <a:rPr lang="en-US" altLang="ko-KR" sz="1400" dirty="0" smtClean="0"/>
+              <a:t>, </a:t>
+            </a:r>
+            <a:r>
+              <a:rPr lang="ko-KR" altLang="en-US" sz="1400" dirty="0" smtClean="0"/>
+              <a:t>중앙에 메인 조명</a:t>
+            </a:r>
+            <a:r>
+              <a:rPr lang="en-US" altLang="ko-KR" sz="1400" dirty="0" smtClean="0"/>
+              <a:t>, </a:t>
+            </a:r>
+            <a:r>
+              <a:rPr lang="ko-KR" altLang="en-US" sz="1400" dirty="0" smtClean="0"/>
+              <a:t>필요한 </a:t>
+            </a:r>
+            <a:r>
+              <a:rPr lang="ko-KR" altLang="en-US" sz="1400" dirty="0" smtClean="0"/>
+              <a:t>부분 포인트 조명</a:t>
+            </a:r>
+            <a:endParaRPr lang="en-US" altLang="ko-KR" sz="1400" dirty="0" smtClean="0"/>
+          </a:p>
+          <a:p>
+            <a:pPr lvl="1"/>
+            <a:r>
+              <a:rPr lang="ko-KR" altLang="en-US" sz="1400" dirty="0" smtClean="0"/>
+              <a:t>싱크대 쪽 조리에 필요한 조명</a:t>
+            </a:r>
+            <a:endParaRPr lang="en-US" altLang="ko-KR" sz="1400" dirty="0" smtClean="0"/>
+          </a:p>
+          <a:p>
+            <a:r>
+              <a:rPr lang="ko-KR" altLang="en-US" sz="2000" dirty="0"/>
+              <a:t>주방 배치</a:t>
+            </a:r>
+            <a:endParaRPr lang="en-US" altLang="ko-KR" sz="2000" dirty="0"/>
+          </a:p>
+          <a:p>
+            <a:pPr lvl="1"/>
+            <a:r>
+              <a:rPr lang="ko-KR" altLang="en-US" sz="1400" dirty="0"/>
+              <a:t>김치냉장고</a:t>
+            </a:r>
+            <a:r>
+              <a:rPr lang="en-US" altLang="ko-KR" sz="1400" dirty="0"/>
+              <a:t>, </a:t>
+            </a:r>
+            <a:r>
+              <a:rPr lang="ko-KR" altLang="en-US" sz="1400" dirty="0"/>
+              <a:t>양문형냉장고</a:t>
+            </a:r>
+            <a:r>
+              <a:rPr lang="en-US" altLang="ko-KR" sz="1400" dirty="0"/>
+              <a:t>, </a:t>
+            </a:r>
+            <a:r>
+              <a:rPr lang="ko-KR" altLang="en-US" sz="1400" dirty="0" err="1"/>
+              <a:t>인덕트</a:t>
+            </a:r>
+            <a:r>
+              <a:rPr lang="en-US" altLang="ko-KR" sz="1400" dirty="0"/>
+              <a:t>, </a:t>
+            </a:r>
+            <a:r>
+              <a:rPr lang="ko-KR" altLang="en-US" sz="1400" dirty="0"/>
+              <a:t>전자레인지</a:t>
+            </a:r>
+            <a:r>
+              <a:rPr lang="en-US" altLang="ko-KR" sz="1400" dirty="0"/>
+              <a:t>, </a:t>
+            </a:r>
+            <a:r>
+              <a:rPr lang="ko-KR" altLang="en-US" sz="1400" dirty="0" smtClean="0"/>
+              <a:t>식기세척기</a:t>
+            </a:r>
+            <a:endParaRPr lang="ko-KR" altLang="en-US" sz="1400" dirty="0"/>
           </a:p>
         </p:txBody>
       </p:sp>
     </p:spTree>
     <p:extLst>
       <p:ext uri="{BB962C8B-B14F-4D97-AF65-F5344CB8AC3E}">
-        <p14:creationId xmlns:p14="http://schemas.microsoft.com/office/powerpoint/2010/main" val="3974401632"/>
+        <p14:creationId xmlns:p14="http://schemas.microsoft.com/office/powerpoint/2010/main" val="3598567645"/>
       </p:ext>
     </p:extLst>
   </p:cSld>
@@ -20228,297 +21479,63 @@
           <a:chExt cx="0" cy="0"/>
         </a:xfrm>
       </p:grpSpPr>
-      <p:pic>
-        <p:nvPicPr>
-          <p:cNvPr id="2050" name="Picture 2" descr="https://t1.daumcdn.net/cfile/blog/2213913352DE099A05"/>
-          <p:cNvPicPr>
-            <a:picLocks noChangeAspect="1" noChangeArrowheads="1"/>
-          </p:cNvPicPr>
-          <p:nvPr/>
-        </p:nvPicPr>
-        <p:blipFill>
-          <a:blip r:embed="rId2" cstate="print">
-            <a:extLst>
-              <a:ext uri="{28A0092B-C50C-407E-A947-70E740481C1C}">
-                <a14:useLocalDpi xmlns:a14="http://schemas.microsoft.com/office/drawing/2010/main" val="0"/>
-              </a:ext>
-            </a:extLst>
-          </a:blip>
-          <a:srcRect/>
-          <a:stretch>
-            <a:fillRect/>
-          </a:stretch>
-        </p:blipFill>
-        <p:spPr bwMode="auto">
-          <a:xfrm>
-            <a:off x="155575" y="1417991"/>
-            <a:ext cx="2794659" cy="2096734"/>
-          </a:xfrm>
-          <a:prstGeom prst="rect">
-            <a:avLst/>
-          </a:prstGeom>
-          <a:noFill/>
-          <a:extLst>
-            <a:ext uri="{909E8E84-426E-40DD-AFC4-6F175D3DCCD1}">
-              <a14:hiddenFill xmlns:a14="http://schemas.microsoft.com/office/drawing/2010/main">
-                <a:solidFill>
-                  <a:srgbClr val="FFFFFF"/>
-                </a:solidFill>
-              </a14:hiddenFill>
-            </a:ext>
-          </a:extLst>
-        </p:spPr>
-      </p:pic>
-      <p:pic>
-        <p:nvPicPr>
-          <p:cNvPr id="2052" name="Picture 4" descr="https://cdn.imweb.me/upload/S201901065c319c8ba89b8/79081c0bb4a20.png"/>
-          <p:cNvPicPr>
-            <a:picLocks noChangeAspect="1" noChangeArrowheads="1"/>
-          </p:cNvPicPr>
-          <p:nvPr/>
-        </p:nvPicPr>
-        <p:blipFill>
-          <a:blip r:embed="rId3" cstate="print">
-            <a:extLst>
-              <a:ext uri="{28A0092B-C50C-407E-A947-70E740481C1C}">
-                <a14:useLocalDpi xmlns:a14="http://schemas.microsoft.com/office/drawing/2010/main" val="0"/>
-              </a:ext>
-            </a:extLst>
-          </a:blip>
-          <a:srcRect/>
-          <a:stretch>
-            <a:fillRect/>
-          </a:stretch>
-        </p:blipFill>
-        <p:spPr bwMode="auto">
-          <a:xfrm>
-            <a:off x="3407733" y="1417991"/>
-            <a:ext cx="2553119" cy="1702079"/>
-          </a:xfrm>
-          <a:prstGeom prst="rect">
-            <a:avLst/>
-          </a:prstGeom>
-          <a:noFill/>
-          <a:extLst>
-            <a:ext uri="{909E8E84-426E-40DD-AFC4-6F175D3DCCD1}">
-              <a14:hiddenFill xmlns:a14="http://schemas.microsoft.com/office/drawing/2010/main">
-                <a:solidFill>
-                  <a:srgbClr val="FFFFFF"/>
-                </a:solidFill>
-              </a14:hiddenFill>
-            </a:ext>
-          </a:extLst>
-        </p:spPr>
-      </p:pic>
-      <p:pic>
-        <p:nvPicPr>
-          <p:cNvPr id="2054" name="Picture 6" descr="https://cdn.imweb.me/upload/S201901065c319c8ba89b8/3a9a19e21f972.jpg"/>
-          <p:cNvPicPr>
-            <a:picLocks noChangeAspect="1" noChangeArrowheads="1"/>
-          </p:cNvPicPr>
-          <p:nvPr/>
-        </p:nvPicPr>
-        <p:blipFill>
-          <a:blip r:embed="rId4" cstate="print">
-            <a:extLst>
-              <a:ext uri="{28A0092B-C50C-407E-A947-70E740481C1C}">
-                <a14:useLocalDpi xmlns:a14="http://schemas.microsoft.com/office/drawing/2010/main" val="0"/>
-              </a:ext>
-            </a:extLst>
-          </a:blip>
-          <a:srcRect/>
-          <a:stretch>
-            <a:fillRect/>
-          </a:stretch>
-        </p:blipFill>
-        <p:spPr bwMode="auto">
-          <a:xfrm>
-            <a:off x="6125055" y="1417991"/>
-            <a:ext cx="2665263" cy="1775693"/>
-          </a:xfrm>
-          <a:prstGeom prst="rect">
-            <a:avLst/>
-          </a:prstGeom>
-          <a:noFill/>
-          <a:extLst>
-            <a:ext uri="{909E8E84-426E-40DD-AFC4-6F175D3DCCD1}">
-              <a14:hiddenFill xmlns:a14="http://schemas.microsoft.com/office/drawing/2010/main">
-                <a:solidFill>
-                  <a:srgbClr val="FFFFFF"/>
-                </a:solidFill>
-              </a14:hiddenFill>
-            </a:ext>
-          </a:extLst>
-        </p:spPr>
-      </p:pic>
-      <p:pic>
-        <p:nvPicPr>
-          <p:cNvPr id="2056" name="Picture 8" descr="https://cdn.imweb.me/upload/S201901065c319c8ba89b8/bfa86465857e5.jpg"/>
-          <p:cNvPicPr>
-            <a:picLocks noChangeAspect="1" noChangeArrowheads="1"/>
-          </p:cNvPicPr>
-          <p:nvPr/>
-        </p:nvPicPr>
-        <p:blipFill>
-          <a:blip r:embed="rId5" cstate="print">
-            <a:extLst>
-              <a:ext uri="{28A0092B-C50C-407E-A947-70E740481C1C}">
-                <a14:useLocalDpi xmlns:a14="http://schemas.microsoft.com/office/drawing/2010/main" val="0"/>
-              </a:ext>
-            </a:extLst>
-          </a:blip>
-          <a:srcRect/>
-          <a:stretch>
-            <a:fillRect/>
-          </a:stretch>
-        </p:blipFill>
-        <p:spPr bwMode="auto">
-          <a:xfrm>
-            <a:off x="241839" y="3514725"/>
-            <a:ext cx="2251195" cy="1499826"/>
-          </a:xfrm>
-          <a:prstGeom prst="rect">
-            <a:avLst/>
-          </a:prstGeom>
-          <a:noFill/>
-          <a:extLst>
-            <a:ext uri="{909E8E84-426E-40DD-AFC4-6F175D3DCCD1}">
-              <a14:hiddenFill xmlns:a14="http://schemas.microsoft.com/office/drawing/2010/main">
-                <a:solidFill>
-                  <a:srgbClr val="FFFFFF"/>
-                </a:solidFill>
-              </a14:hiddenFill>
-            </a:ext>
-          </a:extLst>
-        </p:spPr>
-      </p:pic>
-      <p:pic>
-        <p:nvPicPr>
-          <p:cNvPr id="2058" name="Picture 10" descr="https://cdn.imweb.me/upload/S201901065c319c8ba89b8/71b3bff00bc00.jpg"/>
-          <p:cNvPicPr>
-            <a:picLocks noChangeAspect="1" noChangeArrowheads="1"/>
-          </p:cNvPicPr>
-          <p:nvPr/>
-        </p:nvPicPr>
-        <p:blipFill>
-          <a:blip r:embed="rId6" cstate="print">
-            <a:extLst>
-              <a:ext uri="{28A0092B-C50C-407E-A947-70E740481C1C}">
-                <a14:useLocalDpi xmlns:a14="http://schemas.microsoft.com/office/drawing/2010/main" val="0"/>
-              </a:ext>
-            </a:extLst>
-          </a:blip>
-          <a:srcRect/>
-          <a:stretch>
-            <a:fillRect/>
-          </a:stretch>
-        </p:blipFill>
-        <p:spPr bwMode="auto">
-          <a:xfrm>
-            <a:off x="2743499" y="3514725"/>
-            <a:ext cx="2337459" cy="1558306"/>
-          </a:xfrm>
-          <a:prstGeom prst="rect">
-            <a:avLst/>
-          </a:prstGeom>
-          <a:noFill/>
-          <a:extLst>
-            <a:ext uri="{909E8E84-426E-40DD-AFC4-6F175D3DCCD1}">
-              <a14:hiddenFill xmlns:a14="http://schemas.microsoft.com/office/drawing/2010/main">
-                <a:solidFill>
-                  <a:srgbClr val="FFFFFF"/>
-                </a:solidFill>
-              </a14:hiddenFill>
-            </a:ext>
-          </a:extLst>
-        </p:spPr>
-      </p:pic>
-      <p:pic>
-        <p:nvPicPr>
-          <p:cNvPr id="2060" name="Picture 12" descr="https://cdn.imweb.me/upload/S201901065c319c8ba89b8/4f3c03c5ecb2c.jpg"/>
-          <p:cNvPicPr>
-            <a:picLocks noChangeAspect="1" noChangeArrowheads="1"/>
-          </p:cNvPicPr>
-          <p:nvPr/>
-        </p:nvPicPr>
-        <p:blipFill>
-          <a:blip r:embed="rId7" cstate="print">
-            <a:extLst>
-              <a:ext uri="{28A0092B-C50C-407E-A947-70E740481C1C}">
-                <a14:useLocalDpi xmlns:a14="http://schemas.microsoft.com/office/drawing/2010/main" val="0"/>
-              </a:ext>
-            </a:extLst>
-          </a:blip>
-          <a:srcRect/>
-          <a:stretch>
-            <a:fillRect/>
-          </a:stretch>
-        </p:blipFill>
-        <p:spPr bwMode="auto">
-          <a:xfrm>
-            <a:off x="5331423" y="3515733"/>
-            <a:ext cx="2337459" cy="1557298"/>
-          </a:xfrm>
-          <a:prstGeom prst="rect">
-            <a:avLst/>
-          </a:prstGeom>
-          <a:noFill/>
-          <a:extLst>
-            <a:ext uri="{909E8E84-426E-40DD-AFC4-6F175D3DCCD1}">
-              <a14:hiddenFill xmlns:a14="http://schemas.microsoft.com/office/drawing/2010/main">
-                <a:solidFill>
-                  <a:srgbClr val="FFFFFF"/>
-                </a:solidFill>
-              </a14:hiddenFill>
-            </a:ext>
-          </a:extLst>
-        </p:spPr>
-      </p:pic>
-      <p:pic>
-        <p:nvPicPr>
-          <p:cNvPr id="2062" name="Picture 14" descr="https://cdn.imweb.me/upload/S201901065c319c8ba89b8/4d9920fbc4182.jpg"/>
-          <p:cNvPicPr>
-            <a:picLocks noChangeAspect="1" noChangeArrowheads="1"/>
-          </p:cNvPicPr>
-          <p:nvPr/>
-        </p:nvPicPr>
-        <p:blipFill>
-          <a:blip r:embed="rId8">
-            <a:extLst>
-              <a:ext uri="{28A0092B-C50C-407E-A947-70E740481C1C}">
-                <a14:useLocalDpi xmlns:a14="http://schemas.microsoft.com/office/drawing/2010/main" val="0"/>
-              </a:ext>
-            </a:extLst>
-          </a:blip>
-          <a:srcRect/>
-          <a:stretch>
-            <a:fillRect/>
-          </a:stretch>
-        </p:blipFill>
-        <p:spPr bwMode="auto">
-          <a:xfrm>
-            <a:off x="5391809" y="4720804"/>
-            <a:ext cx="3252158" cy="1809092"/>
-          </a:xfrm>
-          <a:prstGeom prst="rect">
-            <a:avLst/>
-          </a:prstGeom>
-          <a:noFill/>
-          <a:extLst>
-            <a:ext uri="{909E8E84-426E-40DD-AFC4-6F175D3DCCD1}">
-              <a14:hiddenFill xmlns:a14="http://schemas.microsoft.com/office/drawing/2010/main">
-                <a:solidFill>
-                  <a:srgbClr val="FFFFFF"/>
-                </a:solidFill>
-              </a14:hiddenFill>
-            </a:ext>
-          </a:extLst>
-        </p:spPr>
-      </p:pic>
+      <p:sp>
+        <p:nvSpPr>
+          <p:cNvPr id="2" name="내용 개체 틀 1"/>
+          <p:cNvSpPr>
+            <a:spLocks noGrp="1"/>
+          </p:cNvSpPr>
+          <p:nvPr>
+            <p:ph idx="1"/>
+          </p:nvPr>
+        </p:nvSpPr>
+        <p:spPr/>
+        <p:txBody>
+          <a:bodyPr/>
+          <a:lstStyle/>
+          <a:p>
+            <a:r>
+              <a:rPr lang="en-US" altLang="ko-KR" dirty="0">
+                <a:hlinkClick r:id="rId2"/>
+              </a:rPr>
+              <a:t>https://</a:t>
+            </a:r>
+            <a:r>
+              <a:rPr lang="en-US" altLang="ko-KR" dirty="0" smtClean="0">
+                <a:hlinkClick r:id="rId2"/>
+              </a:rPr>
+              <a:t>ohou.se/advices/2045</a:t>
+            </a:r>
+            <a:endParaRPr lang="en-US" altLang="ko-KR" dirty="0" smtClean="0"/>
+          </a:p>
+          <a:p>
+            <a:endParaRPr lang="ko-KR" altLang="en-US" dirty="0"/>
+          </a:p>
+        </p:txBody>
+      </p:sp>
+      <p:sp>
+        <p:nvSpPr>
+          <p:cNvPr id="3" name="제목 2"/>
+          <p:cNvSpPr>
+            <a:spLocks noGrp="1"/>
+          </p:cNvSpPr>
+          <p:nvPr>
+            <p:ph type="title"/>
+          </p:nvPr>
+        </p:nvSpPr>
+        <p:spPr/>
+        <p:txBody>
+          <a:bodyPr/>
+          <a:lstStyle/>
+          <a:p>
+            <a:endParaRPr lang="ko-KR" altLang="en-US"/>
+          </a:p>
+        </p:txBody>
+      </p:sp>
     </p:spTree>
     <p:extLst>
       <p:ext uri="{BB962C8B-B14F-4D97-AF65-F5344CB8AC3E}">
-        <p14:creationId xmlns:p14="http://schemas.microsoft.com/office/powerpoint/2010/main" val="3768317783"/>
+        <p14:creationId xmlns:p14="http://schemas.microsoft.com/office/powerpoint/2010/main" val="1928054885"/>
       </p:ext>
     </p:extLst>
   </p:cSld>
